--- a/3주차.pptx
+++ b/3주차.pptx
@@ -5,13 +5,12 @@
     <p:sldMasterId id="2147483660" r:id="rId1"/>
   </p:sldMasterIdLst>
   <p:notesMasterIdLst>
-    <p:notesMasterId r:id="rId6"/>
+    <p:notesMasterId r:id="rId5"/>
   </p:notesMasterIdLst>
   <p:sldIdLst>
     <p:sldId id="257" r:id="rId2"/>
     <p:sldId id="267" r:id="rId3"/>
-    <p:sldId id="268" r:id="rId4"/>
-    <p:sldId id="269" r:id="rId5"/>
+    <p:sldId id="269" r:id="rId4"/>
   </p:sldIdLst>
   <p:sldSz cx="12192000" cy="6858000"/>
   <p:notesSz cx="6858000" cy="9144000"/>
@@ -617,90 +616,6 @@
             <a:fld id="{D214AAF7-DC63-4E40-A190-3E088B223B59}" type="slidenum">
               <a:rPr lang="ko-KR" altLang="en-US" smtClean="0"/>
               <a:t>3</a:t>
-            </a:fld>
-            <a:endParaRPr lang="ko-KR" altLang="en-US"/>
-          </a:p>
-        </p:txBody>
-      </p:sp>
-    </p:spTree>
-    <p:extLst>
-      <p:ext uri="{BB962C8B-B14F-4D97-AF65-F5344CB8AC3E}">
-        <p14:creationId xmlns:p14="http://schemas.microsoft.com/office/powerpoint/2010/main" val="3379254816"/>
-      </p:ext>
-    </p:extLst>
-  </p:cSld>
-  <p:clrMapOvr>
-    <a:masterClrMapping/>
-  </p:clrMapOvr>
-</p:notes>
-</file>
-
-<file path=ppt/notesSlides/notesSlide3.xml><?xml version="1.0" encoding="utf-8"?>
-<p:notes xmlns:a="http://schemas.openxmlformats.org/drawingml/2006/main" xmlns:r="http://schemas.openxmlformats.org/officeDocument/2006/relationships" xmlns:p="http://schemas.openxmlformats.org/presentationml/2006/main">
-  <p:cSld>
-    <p:spTree>
-      <p:nvGrpSpPr>
-        <p:cNvPr id="1" name=""/>
-        <p:cNvGrpSpPr/>
-        <p:nvPr/>
-      </p:nvGrpSpPr>
-      <p:grpSpPr>
-        <a:xfrm>
-          <a:off x="0" y="0"/>
-          <a:ext cx="0" cy="0"/>
-          <a:chOff x="0" y="0"/>
-          <a:chExt cx="0" cy="0"/>
-        </a:xfrm>
-      </p:grpSpPr>
-      <p:sp>
-        <p:nvSpPr>
-          <p:cNvPr id="2" name="슬라이드 이미지 개체 틀 1"/>
-          <p:cNvSpPr>
-            <a:spLocks noGrp="1" noRot="1" noChangeAspect="1"/>
-          </p:cNvSpPr>
-          <p:nvPr>
-            <p:ph type="sldImg"/>
-          </p:nvPr>
-        </p:nvSpPr>
-        <p:spPr/>
-      </p:sp>
-      <p:sp>
-        <p:nvSpPr>
-          <p:cNvPr id="3" name="슬라이드 노트 개체 틀 2"/>
-          <p:cNvSpPr>
-            <a:spLocks noGrp="1"/>
-          </p:cNvSpPr>
-          <p:nvPr>
-            <p:ph type="body" idx="1"/>
-          </p:nvPr>
-        </p:nvSpPr>
-        <p:spPr/>
-        <p:txBody>
-          <a:bodyPr/>
-          <a:lstStyle/>
-          <a:p>
-            <a:endParaRPr lang="ko-KR" altLang="en-US" dirty="0"/>
-          </a:p>
-        </p:txBody>
-      </p:sp>
-      <p:sp>
-        <p:nvSpPr>
-          <p:cNvPr id="4" name="슬라이드 번호 개체 틀 3"/>
-          <p:cNvSpPr>
-            <a:spLocks noGrp="1"/>
-          </p:cNvSpPr>
-          <p:nvPr>
-            <p:ph type="sldNum" sz="quarter" idx="5"/>
-          </p:nvPr>
-        </p:nvSpPr>
-        <p:spPr/>
-        <p:txBody>
-          <a:bodyPr/>
-          <a:lstStyle/>
-          <a:p>
-            <a:fld id="{D214AAF7-DC63-4E40-A190-3E088B223B59}" type="slidenum">
-              <a:rPr lang="ko-KR" altLang="en-US" smtClean="0"/>
-              <a:t>4</a:t>
             </a:fld>
             <a:endParaRPr lang="ko-KR" altLang="en-US"/>
           </a:p>
@@ -20705,7 +20620,7 @@
                 <a:defRPr/>
               </a:pPr>
               <a:r>
-                <a:rPr lang="ko-KR" altLang="en-US" sz="2800" kern="0" dirty="0">
+                <a:rPr lang="en-US" altLang="ko-KR" sz="2800" kern="0" dirty="0" err="1">
                   <a:solidFill>
                     <a:prstClr val="black">
                       <a:lumMod val="50000"/>
@@ -20715,8 +20630,18 @@
                   <a:latin typeface="나눔스퀘어 ExtraBold" panose="020B0600000101010101" pitchFamily="50" charset="-127"/>
                   <a:ea typeface="나눔스퀘어 ExtraBold" panose="020B0600000101010101" pitchFamily="50" charset="-127"/>
                 </a:rPr>
-                <a:t>바뀐 내용</a:t>
+                <a:t>Github</a:t>
               </a:r>
+              <a:endParaRPr lang="ko-KR" altLang="en-US" sz="2800" kern="0" dirty="0">
+                <a:solidFill>
+                  <a:prstClr val="black">
+                    <a:lumMod val="50000"/>
+                    <a:lumOff val="50000"/>
+                  </a:prstClr>
+                </a:solidFill>
+                <a:latin typeface="나눔스퀘어 ExtraBold" panose="020B0600000101010101" pitchFamily="50" charset="-127"/>
+                <a:ea typeface="나눔스퀘어 ExtraBold" panose="020B0600000101010101" pitchFamily="50" charset="-127"/>
+              </a:endParaRPr>
             </a:p>
           </p:txBody>
         </p:sp>
@@ -24161,5399 +24086,6 @@
           </a:p>
         </p:txBody>
       </p:sp>
-      <p:pic>
-        <p:nvPicPr>
-          <p:cNvPr id="9" name="그림 8" descr="다른, 묶음, 여러개, 정렬된이(가) 표시된 사진&#10;&#10;자동 생성된 설명">
-            <a:extLst>
-              <a:ext uri="{FF2B5EF4-FFF2-40B4-BE49-F238E27FC236}">
-                <a16:creationId xmlns:a16="http://schemas.microsoft.com/office/drawing/2014/main" id="{7F3DB155-743D-EEC1-F6C3-8426F388EB57}"/>
-              </a:ext>
-            </a:extLst>
-          </p:cNvPr>
-          <p:cNvPicPr>
-            <a:picLocks noChangeAspect="1"/>
-          </p:cNvPicPr>
-          <p:nvPr/>
-        </p:nvPicPr>
-        <p:blipFill rotWithShape="1">
-          <a:blip r:embed="rId3">
-            <a:extLst>
-              <a:ext uri="{28A0092B-C50C-407E-A947-70E740481C1C}">
-                <a14:useLocalDpi xmlns:a14="http://schemas.microsoft.com/office/drawing/2010/main" val="0"/>
-              </a:ext>
-            </a:extLst>
-          </a:blip>
-          <a:srcRect r="71839" b="75257"/>
-          <a:stretch/>
-        </p:blipFill>
-        <p:spPr>
-          <a:xfrm>
-            <a:off x="1052733" y="2232593"/>
-            <a:ext cx="1310654" cy="1337301"/>
-          </a:xfrm>
-          <a:prstGeom prst="rect">
-            <a:avLst/>
-          </a:prstGeom>
-        </p:spPr>
-      </p:pic>
-      <p:pic>
-        <p:nvPicPr>
-          <p:cNvPr id="15" name="그림 14" descr="건물, 창문이(가) 표시된 사진&#10;&#10;자동 생성된 설명">
-            <a:extLst>
-              <a:ext uri="{FF2B5EF4-FFF2-40B4-BE49-F238E27FC236}">
-                <a16:creationId xmlns:a16="http://schemas.microsoft.com/office/drawing/2014/main" id="{A8D1A64C-62BA-46D2-E1C3-C81E0D79EC3C}"/>
-              </a:ext>
-            </a:extLst>
-          </p:cNvPr>
-          <p:cNvPicPr>
-            <a:picLocks noChangeAspect="1"/>
-          </p:cNvPicPr>
-          <p:nvPr/>
-        </p:nvPicPr>
-        <p:blipFill rotWithShape="1">
-          <a:blip r:embed="rId4">
-            <a:extLst>
-              <a:ext uri="{28A0092B-C50C-407E-A947-70E740481C1C}">
-                <a14:useLocalDpi xmlns:a14="http://schemas.microsoft.com/office/drawing/2010/main" val="0"/>
-              </a:ext>
-            </a:extLst>
-          </a:blip>
-          <a:srcRect r="76251" b="75363"/>
-          <a:stretch/>
-        </p:blipFill>
-        <p:spPr>
-          <a:xfrm>
-            <a:off x="3070120" y="2160620"/>
-            <a:ext cx="1265760" cy="1500640"/>
-          </a:xfrm>
-          <a:prstGeom prst="rect">
-            <a:avLst/>
-          </a:prstGeom>
-        </p:spPr>
-      </p:pic>
-      <p:sp>
-        <p:nvSpPr>
-          <p:cNvPr id="16" name="화살표: 오른쪽 15">
-            <a:extLst>
-              <a:ext uri="{FF2B5EF4-FFF2-40B4-BE49-F238E27FC236}">
-                <a16:creationId xmlns:a16="http://schemas.microsoft.com/office/drawing/2014/main" id="{85692AF3-68C6-AC8B-2E6B-E3301DD8D7DF}"/>
-              </a:ext>
-            </a:extLst>
-          </p:cNvPr>
-          <p:cNvSpPr/>
-          <p:nvPr/>
-        </p:nvSpPr>
-        <p:spPr>
-          <a:xfrm>
-            <a:off x="2574273" y="2716537"/>
-            <a:ext cx="495847" cy="444133"/>
-          </a:xfrm>
-          <a:prstGeom prst="rightArrow">
-            <a:avLst/>
-          </a:prstGeom>
-        </p:spPr>
-        <p:style>
-          <a:lnRef idx="2">
-            <a:schemeClr val="dk1">
-              <a:shade val="50000"/>
-            </a:schemeClr>
-          </a:lnRef>
-          <a:fillRef idx="1">
-            <a:schemeClr val="dk1"/>
-          </a:fillRef>
-          <a:effectRef idx="0">
-            <a:schemeClr val="dk1"/>
-          </a:effectRef>
-          <a:fontRef idx="minor">
-            <a:schemeClr val="lt1"/>
-          </a:fontRef>
-        </p:style>
-        <p:txBody>
-          <a:bodyPr rtlCol="0" anchor="ctr"/>
-          <a:lstStyle/>
-          <a:p>
-            <a:pPr algn="ctr"/>
-            <a:endParaRPr lang="ko-KR" altLang="en-US"/>
-          </a:p>
-        </p:txBody>
-      </p:sp>
-      <p:sp>
-        <p:nvSpPr>
-          <p:cNvPr id="18" name="TextBox 17">
-            <a:extLst>
-              <a:ext uri="{FF2B5EF4-FFF2-40B4-BE49-F238E27FC236}">
-                <a16:creationId xmlns:a16="http://schemas.microsoft.com/office/drawing/2014/main" id="{57383329-765D-90EF-E3A8-26C940F4B0D6}"/>
-              </a:ext>
-            </a:extLst>
-          </p:cNvPr>
-          <p:cNvSpPr txBox="1"/>
-          <p:nvPr/>
-        </p:nvSpPr>
-        <p:spPr>
-          <a:xfrm>
-            <a:off x="365616" y="1167783"/>
-            <a:ext cx="4788276" cy="830997"/>
-          </a:xfrm>
-          <a:prstGeom prst="rect">
-            <a:avLst/>
-          </a:prstGeom>
-          <a:noFill/>
-        </p:spPr>
-        <p:txBody>
-          <a:bodyPr wrap="square">
-            <a:spAutoFit/>
-          </a:bodyPr>
-          <a:lstStyle/>
-          <a:p>
-            <a:pPr marL="457200" indent="-457200" algn="ctr" latinLnBrk="1">
-              <a:buAutoNum type="arabicPeriod"/>
-            </a:pPr>
-            <a:r>
-              <a:rPr lang="ko-KR" altLang="en-US" sz="2400" dirty="0">
-                <a:solidFill>
-                  <a:srgbClr val="663300"/>
-                </a:solidFill>
-                <a:latin typeface="나눔스퀘어 Bold" panose="020B0600000101010101" pitchFamily="50" charset="-127"/>
-                <a:ea typeface="나눔스퀘어 Bold" panose="020B0600000101010101" pitchFamily="50" charset="-127"/>
-              </a:rPr>
-              <a:t>배경과 어울리는 좀비 이미지로 </a:t>
-            </a:r>
-            <a:endParaRPr lang="en-US" altLang="ko-KR" sz="2400" dirty="0">
-              <a:solidFill>
-                <a:srgbClr val="663300"/>
-              </a:solidFill>
-              <a:latin typeface="나눔스퀘어 Bold" panose="020B0600000101010101" pitchFamily="50" charset="-127"/>
-              <a:ea typeface="나눔스퀘어 Bold" panose="020B0600000101010101" pitchFamily="50" charset="-127"/>
-            </a:endParaRPr>
-          </a:p>
-          <a:p>
-            <a:pPr algn="ctr" latinLnBrk="1"/>
-            <a:r>
-              <a:rPr lang="ko-KR" altLang="en-US" sz="2400" dirty="0">
-                <a:solidFill>
-                  <a:srgbClr val="663300"/>
-                </a:solidFill>
-                <a:latin typeface="나눔스퀘어 Bold" panose="020B0600000101010101" pitchFamily="50" charset="-127"/>
-                <a:ea typeface="나눔스퀘어 Bold" panose="020B0600000101010101" pitchFamily="50" charset="-127"/>
-              </a:rPr>
-              <a:t>몬스터 변경</a:t>
-            </a:r>
-            <a:r>
-              <a:rPr lang="en-US" altLang="ko-KR" sz="2400" dirty="0">
-                <a:solidFill>
-                  <a:srgbClr val="663300"/>
-                </a:solidFill>
-                <a:latin typeface="나눔스퀘어 Bold" panose="020B0600000101010101" pitchFamily="50" charset="-127"/>
-                <a:ea typeface="나눔스퀘어 Bold" panose="020B0600000101010101" pitchFamily="50" charset="-127"/>
-              </a:rPr>
-              <a:t>.</a:t>
-            </a:r>
-            <a:endParaRPr lang="ko-KR" altLang="en-US" sz="2400" dirty="0">
-              <a:solidFill>
-                <a:srgbClr val="663300"/>
-              </a:solidFill>
-              <a:latin typeface="나눔스퀘어 Bold" panose="020B0600000101010101" pitchFamily="50" charset="-127"/>
-              <a:ea typeface="나눔스퀘어 Bold" panose="020B0600000101010101" pitchFamily="50" charset="-127"/>
-            </a:endParaRPr>
-          </a:p>
-        </p:txBody>
-      </p:sp>
-      <p:sp>
-        <p:nvSpPr>
-          <p:cNvPr id="21" name="TextBox 20">
-            <a:extLst>
-              <a:ext uri="{FF2B5EF4-FFF2-40B4-BE49-F238E27FC236}">
-                <a16:creationId xmlns:a16="http://schemas.microsoft.com/office/drawing/2014/main" id="{ACEFB3D3-F10F-6334-B781-6279608480AA}"/>
-              </a:ext>
-            </a:extLst>
-          </p:cNvPr>
-          <p:cNvSpPr txBox="1"/>
-          <p:nvPr/>
-        </p:nvSpPr>
-        <p:spPr>
-          <a:xfrm>
-            <a:off x="6242830" y="2020922"/>
-            <a:ext cx="5446402" cy="1622047"/>
-          </a:xfrm>
-          <a:prstGeom prst="rect">
-            <a:avLst/>
-          </a:prstGeom>
-          <a:noFill/>
-        </p:spPr>
-        <p:txBody>
-          <a:bodyPr wrap="square">
-            <a:spAutoFit/>
-          </a:bodyPr>
-          <a:lstStyle/>
-          <a:p>
-            <a:pPr latinLnBrk="0">
-              <a:lnSpc>
-                <a:spcPct val="150000"/>
-              </a:lnSpc>
-              <a:defRPr/>
-            </a:pPr>
-            <a:r>
-              <a:rPr lang="en-US" altLang="ko-KR" sz="3200" kern="0" dirty="0">
-                <a:solidFill>
-                  <a:srgbClr val="663300"/>
-                </a:solidFill>
-                <a:latin typeface="나눔스퀘어 Bold" panose="020B0600000101010101" pitchFamily="50" charset="-127"/>
-                <a:ea typeface="나눔스퀘어 Bold" panose="020B0600000101010101" pitchFamily="50" charset="-127"/>
-              </a:rPr>
-              <a:t>2. </a:t>
-            </a:r>
-            <a:r>
-              <a:rPr lang="ko-KR" altLang="en-US" sz="3200" kern="0" dirty="0">
-                <a:solidFill>
-                  <a:srgbClr val="663300"/>
-                </a:solidFill>
-                <a:latin typeface="나눔스퀘어 Bold" panose="020B0600000101010101" pitchFamily="50" charset="-127"/>
-                <a:ea typeface="나눔스퀘어 Bold" panose="020B0600000101010101" pitchFamily="50" charset="-127"/>
-              </a:rPr>
-              <a:t>커피 종류 변경</a:t>
-            </a:r>
-            <a:endParaRPr lang="en-US" altLang="ko-KR" sz="3200" kern="0" dirty="0">
-              <a:solidFill>
-                <a:srgbClr val="663300"/>
-              </a:solidFill>
-              <a:latin typeface="나눔스퀘어 Bold" panose="020B0600000101010101" pitchFamily="50" charset="-127"/>
-              <a:ea typeface="나눔스퀘어 Bold" panose="020B0600000101010101" pitchFamily="50" charset="-127"/>
-            </a:endParaRPr>
-          </a:p>
-          <a:p>
-            <a:pPr latinLnBrk="0">
-              <a:lnSpc>
-                <a:spcPct val="150000"/>
-              </a:lnSpc>
-              <a:defRPr/>
-            </a:pPr>
-            <a:r>
-              <a:rPr lang="ko-KR" altLang="en-US" sz="1800" kern="0" dirty="0">
-                <a:solidFill>
-                  <a:srgbClr val="663300"/>
-                </a:solidFill>
-                <a:latin typeface="나눔스퀘어 Bold" panose="020B0600000101010101" pitchFamily="50" charset="-127"/>
-                <a:ea typeface="나눔스퀘어 Bold" panose="020B0600000101010101" pitchFamily="50" charset="-127"/>
-              </a:rPr>
-              <a:t>블러드 아메리카노</a:t>
-            </a:r>
-            <a:r>
-              <a:rPr lang="en-US" altLang="ko-KR" sz="1800" kern="0" dirty="0">
-                <a:solidFill>
-                  <a:srgbClr val="663300"/>
-                </a:solidFill>
-                <a:latin typeface="나눔스퀘어 Bold" panose="020B0600000101010101" pitchFamily="50" charset="-127"/>
-                <a:ea typeface="나눔스퀘어 Bold" panose="020B0600000101010101" pitchFamily="50" charset="-127"/>
-              </a:rPr>
-              <a:t>, </a:t>
-            </a:r>
-            <a:r>
-              <a:rPr lang="ko-KR" altLang="en-US" sz="1800" kern="0" dirty="0">
-                <a:solidFill>
-                  <a:srgbClr val="663300"/>
-                </a:solidFill>
-                <a:latin typeface="나눔스퀘어 Bold" panose="020B0600000101010101" pitchFamily="50" charset="-127"/>
-                <a:ea typeface="나눔스퀘어 Bold" panose="020B0600000101010101" pitchFamily="50" charset="-127"/>
-              </a:rPr>
-              <a:t>날계란 라떼</a:t>
-            </a:r>
-            <a:r>
-              <a:rPr lang="en-US" altLang="ko-KR" sz="1800" kern="0" dirty="0">
-                <a:solidFill>
-                  <a:srgbClr val="663300"/>
-                </a:solidFill>
-                <a:latin typeface="나눔스퀘어 Bold" panose="020B0600000101010101" pitchFamily="50" charset="-127"/>
-                <a:ea typeface="나눔스퀘어 Bold" panose="020B0600000101010101" pitchFamily="50" charset="-127"/>
-              </a:rPr>
-              <a:t>, </a:t>
-            </a:r>
-            <a:r>
-              <a:rPr lang="ko-KR" altLang="en-US" sz="1800" kern="0" dirty="0">
-                <a:solidFill>
-                  <a:srgbClr val="663300"/>
-                </a:solidFill>
-                <a:latin typeface="나눔스퀘어 Bold" panose="020B0600000101010101" pitchFamily="50" charset="-127"/>
-                <a:ea typeface="나눔스퀘어 Bold" panose="020B0600000101010101" pitchFamily="50" charset="-127"/>
-              </a:rPr>
-              <a:t>손가락 라떼</a:t>
-            </a:r>
-            <a:r>
-              <a:rPr lang="en-US" altLang="ko-KR" sz="1800" kern="0" dirty="0">
-                <a:solidFill>
-                  <a:srgbClr val="663300"/>
-                </a:solidFill>
-                <a:latin typeface="나눔스퀘어 Bold" panose="020B0600000101010101" pitchFamily="50" charset="-127"/>
-                <a:ea typeface="나눔스퀘어 Bold" panose="020B0600000101010101" pitchFamily="50" charset="-127"/>
-              </a:rPr>
-              <a:t>, </a:t>
-            </a:r>
-          </a:p>
-          <a:p>
-            <a:pPr latinLnBrk="0">
-              <a:lnSpc>
-                <a:spcPct val="150000"/>
-              </a:lnSpc>
-              <a:defRPr/>
-            </a:pPr>
-            <a:r>
-              <a:rPr lang="ko-KR" altLang="en-US" sz="1800" kern="0" dirty="0">
-                <a:solidFill>
-                  <a:srgbClr val="663300"/>
-                </a:solidFill>
-                <a:latin typeface="나눔스퀘어 Bold" panose="020B0600000101010101" pitchFamily="50" charset="-127"/>
-                <a:ea typeface="나눔스퀘어 Bold" panose="020B0600000101010101" pitchFamily="50" charset="-127"/>
-              </a:rPr>
-              <a:t>허파를 우린 차</a:t>
-            </a:r>
-            <a:r>
-              <a:rPr lang="en-US" altLang="ko-KR" sz="1800" kern="0" dirty="0">
-                <a:solidFill>
-                  <a:srgbClr val="663300"/>
-                </a:solidFill>
-                <a:latin typeface="나눔스퀘어 Bold" panose="020B0600000101010101" pitchFamily="50" charset="-127"/>
-                <a:ea typeface="나눔스퀘어 Bold" panose="020B0600000101010101" pitchFamily="50" charset="-127"/>
-              </a:rPr>
-              <a:t>, </a:t>
-            </a:r>
-            <a:r>
-              <a:rPr lang="ko-KR" altLang="en-US" sz="1800" kern="0" dirty="0">
-                <a:solidFill>
-                  <a:srgbClr val="663300"/>
-                </a:solidFill>
-                <a:latin typeface="나눔스퀘어 Bold" panose="020B0600000101010101" pitchFamily="50" charset="-127"/>
-                <a:ea typeface="나눔스퀘어 Bold" panose="020B0600000101010101" pitchFamily="50" charset="-127"/>
-              </a:rPr>
-              <a:t>척수 셰이크 </a:t>
-            </a:r>
-            <a:r>
-              <a:rPr lang="en-US" altLang="ko-KR" sz="1800" kern="0" dirty="0">
-                <a:solidFill>
-                  <a:srgbClr val="663300"/>
-                </a:solidFill>
-                <a:latin typeface="나눔스퀘어 Bold" panose="020B0600000101010101" pitchFamily="50" charset="-127"/>
-                <a:ea typeface="나눔스퀘어 Bold" panose="020B0600000101010101" pitchFamily="50" charset="-127"/>
-              </a:rPr>
-              <a:t>5</a:t>
-            </a:r>
-            <a:r>
-              <a:rPr lang="ko-KR" altLang="en-US" sz="1800" kern="0" dirty="0">
-                <a:solidFill>
-                  <a:srgbClr val="663300"/>
-                </a:solidFill>
-                <a:latin typeface="나눔스퀘어 Bold" panose="020B0600000101010101" pitchFamily="50" charset="-127"/>
-                <a:ea typeface="나눔스퀘어 Bold" panose="020B0600000101010101" pitchFamily="50" charset="-127"/>
-              </a:rPr>
-              <a:t>종류</a:t>
-            </a:r>
-            <a:endParaRPr lang="en-US" altLang="ko-KR" sz="1800" kern="0" dirty="0">
-              <a:solidFill>
-                <a:srgbClr val="663300"/>
-              </a:solidFill>
-              <a:latin typeface="나눔스퀘어 Bold" panose="020B0600000101010101" pitchFamily="50" charset="-127"/>
-              <a:ea typeface="나눔스퀘어 Bold" panose="020B0600000101010101" pitchFamily="50" charset="-127"/>
-            </a:endParaRPr>
-          </a:p>
-        </p:txBody>
-      </p:sp>
-      <p:sp>
-        <p:nvSpPr>
-          <p:cNvPr id="31" name="TextBox 30">
-            <a:extLst>
-              <a:ext uri="{FF2B5EF4-FFF2-40B4-BE49-F238E27FC236}">
-                <a16:creationId xmlns:a16="http://schemas.microsoft.com/office/drawing/2014/main" id="{FA0AD8D7-4254-AC60-1ED0-855D08A70800}"/>
-              </a:ext>
-            </a:extLst>
-          </p:cNvPr>
-          <p:cNvSpPr txBox="1"/>
-          <p:nvPr/>
-        </p:nvSpPr>
-        <p:spPr>
-          <a:xfrm>
-            <a:off x="736378" y="4152682"/>
-            <a:ext cx="9456456" cy="2129878"/>
-          </a:xfrm>
-          <a:custGeom>
-            <a:avLst/>
-            <a:gdLst>
-              <a:gd name="connsiteX0" fmla="*/ 0 w 9456456"/>
-              <a:gd name="connsiteY0" fmla="*/ 0 h 2129878"/>
-              <a:gd name="connsiteX1" fmla="*/ 9456456 w 9456456"/>
-              <a:gd name="connsiteY1" fmla="*/ 0 h 2129878"/>
-              <a:gd name="connsiteX2" fmla="*/ 9456456 w 9456456"/>
-              <a:gd name="connsiteY2" fmla="*/ 2129878 h 2129878"/>
-              <a:gd name="connsiteX3" fmla="*/ 0 w 9456456"/>
-              <a:gd name="connsiteY3" fmla="*/ 2129878 h 2129878"/>
-              <a:gd name="connsiteX4" fmla="*/ 0 w 9456456"/>
-              <a:gd name="connsiteY4" fmla="*/ 0 h 2129878"/>
-            </a:gdLst>
-            <a:ahLst/>
-            <a:cxnLst>
-              <a:cxn ang="0">
-                <a:pos x="connsiteX0" y="connsiteY0"/>
-              </a:cxn>
-              <a:cxn ang="0">
-                <a:pos x="connsiteX1" y="connsiteY1"/>
-              </a:cxn>
-              <a:cxn ang="0">
-                <a:pos x="connsiteX2" y="connsiteY2"/>
-              </a:cxn>
-              <a:cxn ang="0">
-                <a:pos x="connsiteX3" y="connsiteY3"/>
-              </a:cxn>
-              <a:cxn ang="0">
-                <a:pos x="connsiteX4" y="connsiteY4"/>
-              </a:cxn>
-            </a:cxnLst>
-            <a:rect l="l" t="t" r="r" b="b"/>
-            <a:pathLst>
-              <a:path w="9456456" h="2129878" extrusionOk="0">
-                <a:moveTo>
-                  <a:pt x="0" y="0"/>
-                </a:moveTo>
-                <a:cubicBezTo>
-                  <a:pt x="3271325" y="45028"/>
-                  <a:pt x="7728456" y="135448"/>
-                  <a:pt x="9456456" y="0"/>
-                </a:cubicBezTo>
-                <a:cubicBezTo>
-                  <a:pt x="9303695" y="835406"/>
-                  <a:pt x="9308820" y="1782940"/>
-                  <a:pt x="9456456" y="2129878"/>
-                </a:cubicBezTo>
-                <a:cubicBezTo>
-                  <a:pt x="7026295" y="2293341"/>
-                  <a:pt x="4726442" y="2250360"/>
-                  <a:pt x="0" y="2129878"/>
-                </a:cubicBezTo>
-                <a:cubicBezTo>
-                  <a:pt x="100382" y="1815573"/>
-                  <a:pt x="-24343" y="744040"/>
-                  <a:pt x="0" y="0"/>
-                </a:cubicBezTo>
-                <a:close/>
-              </a:path>
-            </a:pathLst>
-          </a:custGeom>
-          <a:noFill/>
-          <a:ln w="28575">
-            <a:solidFill>
-              <a:srgbClr val="7B4F23"/>
-            </a:solidFill>
-            <a:prstDash val="lgDash"/>
-            <a:extLst>
-              <a:ext uri="{C807C97D-BFC1-408E-A445-0C87EB9F89A2}">
-                <ask:lineSketchStyleProps xmlns:ask="http://schemas.microsoft.com/office/drawing/2018/sketchyshapes" sd="1112983230">
-                  <a:prstGeom prst="rect">
-                    <a:avLst/>
-                  </a:prstGeom>
-                  <ask:type>
-                    <ask:lineSketchCurved/>
-                  </ask:type>
-                </ask:lineSketchStyleProps>
-              </a:ext>
-            </a:extLst>
-          </a:ln>
-        </p:spPr>
-        <p:txBody>
-          <a:bodyPr wrap="square">
-            <a:spAutoFit/>
-          </a:bodyPr>
-          <a:lstStyle/>
-          <a:p>
-            <a:pPr latinLnBrk="0">
-              <a:lnSpc>
-                <a:spcPct val="150000"/>
-              </a:lnSpc>
-              <a:defRPr/>
-            </a:pPr>
-            <a:r>
-              <a:rPr lang="en-US" altLang="ko-KR" sz="1800" kern="0" dirty="0">
-                <a:solidFill>
-                  <a:srgbClr val="663300"/>
-                </a:solidFill>
-                <a:latin typeface="나눔스퀘어 Bold" panose="020B0600000101010101" pitchFamily="50" charset="-127"/>
-                <a:ea typeface="나눔스퀘어 Bold" panose="020B0600000101010101" pitchFamily="50" charset="-127"/>
-              </a:rPr>
-              <a:t>stage 1 : </a:t>
-            </a:r>
-            <a:r>
-              <a:rPr lang="ko-KR" altLang="en-US" sz="1800" kern="0" dirty="0">
-                <a:solidFill>
-                  <a:srgbClr val="663300"/>
-                </a:solidFill>
-                <a:latin typeface="나눔스퀘어 Bold" panose="020B0600000101010101" pitchFamily="50" charset="-127"/>
-                <a:ea typeface="나눔스퀘어 Bold" panose="020B0600000101010101" pitchFamily="50" charset="-127"/>
-              </a:rPr>
-              <a:t>블러드 아메리카노</a:t>
-            </a:r>
-            <a:r>
-              <a:rPr lang="en-US" altLang="ko-KR" sz="1800" kern="0" dirty="0">
-                <a:solidFill>
-                  <a:srgbClr val="663300"/>
-                </a:solidFill>
-                <a:latin typeface="나눔스퀘어 Bold" panose="020B0600000101010101" pitchFamily="50" charset="-127"/>
-                <a:ea typeface="나눔스퀘어 Bold" panose="020B0600000101010101" pitchFamily="50" charset="-127"/>
-              </a:rPr>
-              <a:t>,</a:t>
-            </a:r>
-            <a:r>
-              <a:rPr lang="ko-KR" altLang="en-US" sz="1800" kern="0" dirty="0">
-                <a:solidFill>
-                  <a:srgbClr val="FF0000"/>
-                </a:solidFill>
-                <a:latin typeface="나눔스퀘어 Bold" panose="020B0600000101010101" pitchFamily="50" charset="-127"/>
-                <a:ea typeface="나눔스퀘어 Bold" panose="020B0600000101010101" pitchFamily="50" charset="-127"/>
-              </a:rPr>
-              <a:t> </a:t>
-            </a:r>
-            <a:r>
-              <a:rPr lang="ko-KR" altLang="en-US" sz="1800" kern="0" dirty="0" err="1">
-                <a:solidFill>
-                  <a:srgbClr val="FF0000"/>
-                </a:solidFill>
-                <a:latin typeface="나눔스퀘어 Bold" panose="020B0600000101010101" pitchFamily="50" charset="-127"/>
-                <a:ea typeface="나눔스퀘어 Bold" panose="020B0600000101010101" pitchFamily="50" charset="-127"/>
-              </a:rPr>
-              <a:t>척수액</a:t>
-            </a:r>
-            <a:r>
-              <a:rPr lang="ko-KR" altLang="en-US" sz="1800" kern="0" dirty="0">
-                <a:solidFill>
-                  <a:srgbClr val="FF0000"/>
-                </a:solidFill>
-                <a:latin typeface="나눔스퀘어 Bold" panose="020B0600000101010101" pitchFamily="50" charset="-127"/>
-                <a:ea typeface="나눔스퀘어 Bold" panose="020B0600000101010101" pitchFamily="50" charset="-127"/>
-              </a:rPr>
-              <a:t> 라떼</a:t>
-            </a:r>
-            <a:endParaRPr lang="en-US" altLang="ko-KR" sz="1800" kern="0" dirty="0">
-              <a:solidFill>
-                <a:srgbClr val="FF0000"/>
-              </a:solidFill>
-              <a:latin typeface="나눔스퀘어 Bold" panose="020B0600000101010101" pitchFamily="50" charset="-127"/>
-              <a:ea typeface="나눔스퀘어 Bold" panose="020B0600000101010101" pitchFamily="50" charset="-127"/>
-            </a:endParaRPr>
-          </a:p>
-          <a:p>
-            <a:pPr latinLnBrk="0">
-              <a:lnSpc>
-                <a:spcPct val="150000"/>
-              </a:lnSpc>
-              <a:defRPr/>
-            </a:pPr>
-            <a:r>
-              <a:rPr lang="en-US" altLang="ko-KR" sz="1800" kern="0" dirty="0">
-                <a:solidFill>
-                  <a:srgbClr val="663300"/>
-                </a:solidFill>
-                <a:latin typeface="나눔스퀘어 Bold" panose="020B0600000101010101" pitchFamily="50" charset="-127"/>
-                <a:ea typeface="나눔스퀘어 Bold" panose="020B0600000101010101" pitchFamily="50" charset="-127"/>
-              </a:rPr>
-              <a:t>stage 2 : </a:t>
-            </a:r>
-            <a:r>
-              <a:rPr lang="ko-KR" altLang="en-US" sz="1800" kern="0" dirty="0">
-                <a:solidFill>
-                  <a:srgbClr val="663300"/>
-                </a:solidFill>
-                <a:latin typeface="나눔스퀘어 Bold" panose="020B0600000101010101" pitchFamily="50" charset="-127"/>
-                <a:ea typeface="나눔스퀘어 Bold" panose="020B0600000101010101" pitchFamily="50" charset="-127"/>
-              </a:rPr>
-              <a:t>블러드 아메리카노</a:t>
-            </a:r>
-            <a:r>
-              <a:rPr lang="en-US" altLang="ko-KR" sz="1800" kern="0" dirty="0">
-                <a:solidFill>
-                  <a:srgbClr val="663300"/>
-                </a:solidFill>
-                <a:latin typeface="나눔스퀘어 Bold" panose="020B0600000101010101" pitchFamily="50" charset="-127"/>
-                <a:ea typeface="나눔스퀘어 Bold" panose="020B0600000101010101" pitchFamily="50" charset="-127"/>
-              </a:rPr>
-              <a:t>,</a:t>
-            </a:r>
-            <a:r>
-              <a:rPr lang="ko-KR" altLang="en-US" sz="1800" kern="0" dirty="0">
-                <a:solidFill>
-                  <a:srgbClr val="FF0000"/>
-                </a:solidFill>
-                <a:latin typeface="나눔스퀘어 Bold" panose="020B0600000101010101" pitchFamily="50" charset="-127"/>
-                <a:ea typeface="나눔스퀘어 Bold" panose="020B0600000101010101" pitchFamily="50" charset="-127"/>
-              </a:rPr>
-              <a:t> </a:t>
-            </a:r>
-            <a:r>
-              <a:rPr lang="ko-KR" altLang="en-US" sz="1800" kern="0" dirty="0" err="1">
-                <a:solidFill>
-                  <a:srgbClr val="5F3B42"/>
-                </a:solidFill>
-                <a:latin typeface="나눔스퀘어 Bold" panose="020B0600000101010101" pitchFamily="50" charset="-127"/>
-                <a:ea typeface="나눔스퀘어 Bold" panose="020B0600000101010101" pitchFamily="50" charset="-127"/>
-              </a:rPr>
-              <a:t>척수액</a:t>
-            </a:r>
-            <a:r>
-              <a:rPr lang="ko-KR" altLang="en-US" sz="1800" kern="0" dirty="0">
-                <a:solidFill>
-                  <a:srgbClr val="5F3B42"/>
-                </a:solidFill>
-                <a:latin typeface="나눔스퀘어 Bold" panose="020B0600000101010101" pitchFamily="50" charset="-127"/>
-                <a:ea typeface="나눔스퀘어 Bold" panose="020B0600000101010101" pitchFamily="50" charset="-127"/>
-              </a:rPr>
-              <a:t> 라떼 </a:t>
-            </a:r>
-            <a:r>
-              <a:rPr lang="en-US" altLang="ko-KR" sz="1800" kern="0" dirty="0">
-                <a:solidFill>
-                  <a:srgbClr val="5F3B42"/>
-                </a:solidFill>
-                <a:latin typeface="나눔스퀘어 Bold" panose="020B0600000101010101" pitchFamily="50" charset="-127"/>
-                <a:ea typeface="나눔스퀘어 Bold" panose="020B0600000101010101" pitchFamily="50" charset="-127"/>
-              </a:rPr>
-              <a:t>, </a:t>
-            </a:r>
-            <a:r>
-              <a:rPr lang="ko-KR" altLang="en-US" sz="1800" kern="0" dirty="0">
-                <a:solidFill>
-                  <a:srgbClr val="FF0000"/>
-                </a:solidFill>
-                <a:latin typeface="나눔스퀘어 Bold" panose="020B0600000101010101" pitchFamily="50" charset="-127"/>
-                <a:ea typeface="나눔스퀘어 Bold" panose="020B0600000101010101" pitchFamily="50" charset="-127"/>
-              </a:rPr>
-              <a:t>날계란 라떼</a:t>
-            </a:r>
-            <a:endParaRPr lang="en-US" altLang="ko-KR" sz="1800" kern="0" dirty="0">
-              <a:solidFill>
-                <a:srgbClr val="FF0000"/>
-              </a:solidFill>
-              <a:latin typeface="나눔스퀘어 Bold" panose="020B0600000101010101" pitchFamily="50" charset="-127"/>
-              <a:ea typeface="나눔스퀘어 Bold" panose="020B0600000101010101" pitchFamily="50" charset="-127"/>
-            </a:endParaRPr>
-          </a:p>
-          <a:p>
-            <a:pPr latinLnBrk="0">
-              <a:lnSpc>
-                <a:spcPct val="150000"/>
-              </a:lnSpc>
-              <a:defRPr/>
-            </a:pPr>
-            <a:r>
-              <a:rPr lang="en-US" altLang="ko-KR" sz="1800" kern="0" dirty="0">
-                <a:solidFill>
-                  <a:srgbClr val="5F3B42"/>
-                </a:solidFill>
-                <a:latin typeface="나눔스퀘어 Bold" panose="020B0600000101010101" pitchFamily="50" charset="-127"/>
-                <a:ea typeface="나눔스퀘어 Bold" panose="020B0600000101010101" pitchFamily="50" charset="-127"/>
-              </a:rPr>
-              <a:t>stage 3:  </a:t>
-            </a:r>
-            <a:r>
-              <a:rPr lang="ko-KR" altLang="en-US" sz="1800" kern="0" dirty="0">
-                <a:solidFill>
-                  <a:srgbClr val="5F3B42"/>
-                </a:solidFill>
-                <a:latin typeface="나눔스퀘어 Bold" panose="020B0600000101010101" pitchFamily="50" charset="-127"/>
-                <a:ea typeface="나눔스퀘어 Bold" panose="020B0600000101010101" pitchFamily="50" charset="-127"/>
-              </a:rPr>
-              <a:t>블러드 아메리카노</a:t>
-            </a:r>
-            <a:r>
-              <a:rPr lang="en-US" altLang="ko-KR" sz="1800" kern="0" dirty="0">
-                <a:solidFill>
-                  <a:srgbClr val="5F3B42"/>
-                </a:solidFill>
-                <a:latin typeface="나눔스퀘어 Bold" panose="020B0600000101010101" pitchFamily="50" charset="-127"/>
-                <a:ea typeface="나눔스퀘어 Bold" panose="020B0600000101010101" pitchFamily="50" charset="-127"/>
-              </a:rPr>
-              <a:t>,</a:t>
-            </a:r>
-            <a:r>
-              <a:rPr lang="ko-KR" altLang="en-US" sz="1800" kern="0" dirty="0">
-                <a:solidFill>
-                  <a:srgbClr val="5F3B42"/>
-                </a:solidFill>
-                <a:latin typeface="나눔스퀘어 Bold" panose="020B0600000101010101" pitchFamily="50" charset="-127"/>
-                <a:ea typeface="나눔스퀘어 Bold" panose="020B0600000101010101" pitchFamily="50" charset="-127"/>
-              </a:rPr>
-              <a:t> </a:t>
-            </a:r>
-            <a:r>
-              <a:rPr lang="ko-KR" altLang="en-US" sz="1800" kern="0" dirty="0" err="1">
-                <a:solidFill>
-                  <a:srgbClr val="5F3B42"/>
-                </a:solidFill>
-                <a:latin typeface="나눔스퀘어 Bold" panose="020B0600000101010101" pitchFamily="50" charset="-127"/>
-                <a:ea typeface="나눔스퀘어 Bold" panose="020B0600000101010101" pitchFamily="50" charset="-127"/>
-              </a:rPr>
-              <a:t>척수액</a:t>
-            </a:r>
-            <a:r>
-              <a:rPr lang="ko-KR" altLang="en-US" sz="1800" kern="0" dirty="0">
-                <a:solidFill>
-                  <a:srgbClr val="5F3B42"/>
-                </a:solidFill>
-                <a:latin typeface="나눔스퀘어 Bold" panose="020B0600000101010101" pitchFamily="50" charset="-127"/>
-                <a:ea typeface="나눔스퀘어 Bold" panose="020B0600000101010101" pitchFamily="50" charset="-127"/>
-              </a:rPr>
-              <a:t> 라떼 </a:t>
-            </a:r>
-            <a:r>
-              <a:rPr lang="en-US" altLang="ko-KR" sz="1800" kern="0" dirty="0">
-                <a:solidFill>
-                  <a:srgbClr val="5F3B42"/>
-                </a:solidFill>
-                <a:latin typeface="나눔스퀘어 Bold" panose="020B0600000101010101" pitchFamily="50" charset="-127"/>
-                <a:ea typeface="나눔스퀘어 Bold" panose="020B0600000101010101" pitchFamily="50" charset="-127"/>
-              </a:rPr>
-              <a:t>, </a:t>
-            </a:r>
-            <a:r>
-              <a:rPr lang="ko-KR" altLang="en-US" sz="1800" kern="0" dirty="0">
-                <a:solidFill>
-                  <a:srgbClr val="5F3B42"/>
-                </a:solidFill>
-                <a:latin typeface="나눔스퀘어 Bold" panose="020B0600000101010101" pitchFamily="50" charset="-127"/>
-                <a:ea typeface="나눔스퀘어 Bold" panose="020B0600000101010101" pitchFamily="50" charset="-127"/>
-              </a:rPr>
-              <a:t>날계란 라떼</a:t>
-            </a:r>
-            <a:r>
-              <a:rPr lang="en-US" altLang="ko-KR" sz="1800" kern="0" dirty="0">
-                <a:solidFill>
-                  <a:srgbClr val="5F3B42"/>
-                </a:solidFill>
-                <a:latin typeface="나눔스퀘어 Bold" panose="020B0600000101010101" pitchFamily="50" charset="-127"/>
-                <a:ea typeface="나눔스퀘어 Bold" panose="020B0600000101010101" pitchFamily="50" charset="-127"/>
-              </a:rPr>
-              <a:t>, </a:t>
-            </a:r>
-            <a:r>
-              <a:rPr lang="ko-KR" altLang="en-US" sz="1800" kern="0" dirty="0">
-                <a:solidFill>
-                  <a:srgbClr val="FF0000"/>
-                </a:solidFill>
-                <a:latin typeface="나눔스퀘어 Bold" panose="020B0600000101010101" pitchFamily="50" charset="-127"/>
-                <a:ea typeface="나눔스퀘어 Bold" panose="020B0600000101010101" pitchFamily="50" charset="-127"/>
-              </a:rPr>
-              <a:t>허파 우린 물</a:t>
-            </a:r>
-            <a:endParaRPr lang="en-US" altLang="ko-KR" sz="1800" kern="0" dirty="0">
-              <a:solidFill>
-                <a:srgbClr val="FF0000"/>
-              </a:solidFill>
-              <a:latin typeface="나눔스퀘어 Bold" panose="020B0600000101010101" pitchFamily="50" charset="-127"/>
-              <a:ea typeface="나눔스퀘어 Bold" panose="020B0600000101010101" pitchFamily="50" charset="-127"/>
-            </a:endParaRPr>
-          </a:p>
-          <a:p>
-            <a:pPr latinLnBrk="0">
-              <a:lnSpc>
-                <a:spcPct val="150000"/>
-              </a:lnSpc>
-              <a:defRPr/>
-            </a:pPr>
-            <a:r>
-              <a:rPr lang="en-US" altLang="ko-KR" sz="1800" kern="0" dirty="0">
-                <a:solidFill>
-                  <a:srgbClr val="663300"/>
-                </a:solidFill>
-                <a:latin typeface="나눔스퀘어 Bold" panose="020B0600000101010101" pitchFamily="50" charset="-127"/>
-                <a:ea typeface="나눔스퀘어 Bold" panose="020B0600000101010101" pitchFamily="50" charset="-127"/>
-              </a:rPr>
-              <a:t>stage 4 : </a:t>
-            </a:r>
-            <a:r>
-              <a:rPr lang="ko-KR" altLang="en-US" sz="1800" kern="0" dirty="0">
-                <a:solidFill>
-                  <a:srgbClr val="663300"/>
-                </a:solidFill>
-                <a:latin typeface="나눔스퀘어 Bold" panose="020B0600000101010101" pitchFamily="50" charset="-127"/>
-                <a:ea typeface="나눔스퀘어 Bold" panose="020B0600000101010101" pitchFamily="50" charset="-127"/>
-              </a:rPr>
-              <a:t>블러드 아메리카노</a:t>
-            </a:r>
-            <a:r>
-              <a:rPr lang="en-US" altLang="ko-KR" sz="1800" kern="0" dirty="0">
-                <a:solidFill>
-                  <a:srgbClr val="663300"/>
-                </a:solidFill>
-                <a:latin typeface="나눔스퀘어 Bold" panose="020B0600000101010101" pitchFamily="50" charset="-127"/>
-                <a:ea typeface="나눔스퀘어 Bold" panose="020B0600000101010101" pitchFamily="50" charset="-127"/>
-              </a:rPr>
-              <a:t>,</a:t>
-            </a:r>
-            <a:r>
-              <a:rPr lang="ko-KR" altLang="en-US" sz="1800" kern="0" dirty="0">
-                <a:solidFill>
-                  <a:srgbClr val="FF0000"/>
-                </a:solidFill>
-                <a:latin typeface="나눔스퀘어 Bold" panose="020B0600000101010101" pitchFamily="50" charset="-127"/>
-                <a:ea typeface="나눔스퀘어 Bold" panose="020B0600000101010101" pitchFamily="50" charset="-127"/>
-              </a:rPr>
-              <a:t> </a:t>
-            </a:r>
-            <a:r>
-              <a:rPr lang="ko-KR" altLang="en-US" sz="1800" kern="0" dirty="0" err="1">
-                <a:solidFill>
-                  <a:srgbClr val="5F3B42"/>
-                </a:solidFill>
-                <a:latin typeface="나눔스퀘어 Bold" panose="020B0600000101010101" pitchFamily="50" charset="-127"/>
-                <a:ea typeface="나눔스퀘어 Bold" panose="020B0600000101010101" pitchFamily="50" charset="-127"/>
-              </a:rPr>
-              <a:t>척수액</a:t>
-            </a:r>
-            <a:r>
-              <a:rPr lang="ko-KR" altLang="en-US" sz="1800" kern="0" dirty="0">
-                <a:solidFill>
-                  <a:srgbClr val="5F3B42"/>
-                </a:solidFill>
-                <a:latin typeface="나눔스퀘어 Bold" panose="020B0600000101010101" pitchFamily="50" charset="-127"/>
-                <a:ea typeface="나눔스퀘어 Bold" panose="020B0600000101010101" pitchFamily="50" charset="-127"/>
-              </a:rPr>
-              <a:t> 라떼 </a:t>
-            </a:r>
-            <a:r>
-              <a:rPr lang="en-US" altLang="ko-KR" sz="1800" kern="0" dirty="0">
-                <a:solidFill>
-                  <a:srgbClr val="5F3B42"/>
-                </a:solidFill>
-                <a:latin typeface="나눔스퀘어 Bold" panose="020B0600000101010101" pitchFamily="50" charset="-127"/>
-                <a:ea typeface="나눔스퀘어 Bold" panose="020B0600000101010101" pitchFamily="50" charset="-127"/>
-              </a:rPr>
-              <a:t>, </a:t>
-            </a:r>
-            <a:r>
-              <a:rPr lang="ko-KR" altLang="en-US" sz="1800" kern="0" dirty="0">
-                <a:solidFill>
-                  <a:srgbClr val="5F3B42"/>
-                </a:solidFill>
-                <a:latin typeface="나눔스퀘어 Bold" panose="020B0600000101010101" pitchFamily="50" charset="-127"/>
-                <a:ea typeface="나눔스퀘어 Bold" panose="020B0600000101010101" pitchFamily="50" charset="-127"/>
-              </a:rPr>
-              <a:t>날계란 라떼</a:t>
-            </a:r>
-            <a:r>
-              <a:rPr lang="en-US" altLang="ko-KR" sz="1800" kern="0" dirty="0">
-                <a:solidFill>
-                  <a:srgbClr val="5F3B42"/>
-                </a:solidFill>
-                <a:latin typeface="나눔스퀘어 Bold" panose="020B0600000101010101" pitchFamily="50" charset="-127"/>
-                <a:ea typeface="나눔스퀘어 Bold" panose="020B0600000101010101" pitchFamily="50" charset="-127"/>
-              </a:rPr>
-              <a:t>,</a:t>
-            </a:r>
-            <a:r>
-              <a:rPr lang="ko-KR" altLang="en-US" sz="1800" kern="0" dirty="0">
-                <a:solidFill>
-                  <a:srgbClr val="FF0000"/>
-                </a:solidFill>
-                <a:latin typeface="나눔스퀘어 Bold" panose="020B0600000101010101" pitchFamily="50" charset="-127"/>
-                <a:ea typeface="나눔스퀘어 Bold" panose="020B0600000101010101" pitchFamily="50" charset="-127"/>
-              </a:rPr>
-              <a:t> </a:t>
-            </a:r>
-            <a:r>
-              <a:rPr lang="ko-KR" altLang="en-US" sz="1800" kern="0" dirty="0">
-                <a:solidFill>
-                  <a:srgbClr val="5F3B42"/>
-                </a:solidFill>
-                <a:latin typeface="나눔스퀘어 Bold" panose="020B0600000101010101" pitchFamily="50" charset="-127"/>
-                <a:ea typeface="나눔스퀘어 Bold" panose="020B0600000101010101" pitchFamily="50" charset="-127"/>
-              </a:rPr>
-              <a:t>허파 우린 물</a:t>
-            </a:r>
-            <a:r>
-              <a:rPr lang="en-US" altLang="ko-KR" sz="1800" kern="0" dirty="0">
-                <a:solidFill>
-                  <a:srgbClr val="5F3B42"/>
-                </a:solidFill>
-                <a:latin typeface="나눔스퀘어 Bold" panose="020B0600000101010101" pitchFamily="50" charset="-127"/>
-                <a:ea typeface="나눔스퀘어 Bold" panose="020B0600000101010101" pitchFamily="50" charset="-127"/>
-              </a:rPr>
-              <a:t>, </a:t>
-            </a:r>
-            <a:r>
-              <a:rPr lang="ko-KR" altLang="en-US" sz="1800" kern="0" dirty="0">
-                <a:solidFill>
-                  <a:srgbClr val="FF0000"/>
-                </a:solidFill>
-                <a:latin typeface="나눔스퀘어 Bold" panose="020B0600000101010101" pitchFamily="50" charset="-127"/>
-                <a:ea typeface="나눔스퀘어 Bold" panose="020B0600000101010101" pitchFamily="50" charset="-127"/>
-              </a:rPr>
-              <a:t>척수 셰이크</a:t>
-            </a:r>
-            <a:endParaRPr lang="en-US" altLang="ko-KR" kern="0" dirty="0">
-              <a:solidFill>
-                <a:srgbClr val="FF0000"/>
-              </a:solidFill>
-              <a:latin typeface="나눔스퀘어 Bold" panose="020B0600000101010101" pitchFamily="50" charset="-127"/>
-              <a:ea typeface="나눔스퀘어 Bold" panose="020B0600000101010101" pitchFamily="50" charset="-127"/>
-            </a:endParaRPr>
-          </a:p>
-          <a:p>
-            <a:pPr latinLnBrk="0">
-              <a:lnSpc>
-                <a:spcPct val="150000"/>
-              </a:lnSpc>
-              <a:defRPr/>
-            </a:pPr>
-            <a:r>
-              <a:rPr lang="en-US" altLang="ko-KR" sz="1800" kern="0" dirty="0">
-                <a:solidFill>
-                  <a:srgbClr val="663300"/>
-                </a:solidFill>
-                <a:latin typeface="나눔스퀘어 Bold" panose="020B0600000101010101" pitchFamily="50" charset="-127"/>
-                <a:ea typeface="나눔스퀘어 Bold" panose="020B0600000101010101" pitchFamily="50" charset="-127"/>
-              </a:rPr>
-              <a:t>stage 5 : </a:t>
-            </a:r>
-            <a:r>
-              <a:rPr lang="ko-KR" altLang="en-US" sz="1800" kern="0" dirty="0">
-                <a:solidFill>
-                  <a:srgbClr val="663300"/>
-                </a:solidFill>
-                <a:latin typeface="나눔스퀘어 Bold" panose="020B0600000101010101" pitchFamily="50" charset="-127"/>
-                <a:ea typeface="나눔스퀘어 Bold" panose="020B0600000101010101" pitchFamily="50" charset="-127"/>
-              </a:rPr>
-              <a:t>블러드 아메리카노</a:t>
-            </a:r>
-            <a:r>
-              <a:rPr lang="en-US" altLang="ko-KR" sz="1800" kern="0" dirty="0">
-                <a:solidFill>
-                  <a:srgbClr val="663300"/>
-                </a:solidFill>
-                <a:latin typeface="나눔스퀘어 Bold" panose="020B0600000101010101" pitchFamily="50" charset="-127"/>
-                <a:ea typeface="나눔스퀘어 Bold" panose="020B0600000101010101" pitchFamily="50" charset="-127"/>
-              </a:rPr>
-              <a:t>,</a:t>
-            </a:r>
-            <a:r>
-              <a:rPr lang="ko-KR" altLang="en-US" sz="1800" kern="0" dirty="0">
-                <a:solidFill>
-                  <a:srgbClr val="FF0000"/>
-                </a:solidFill>
-                <a:latin typeface="나눔스퀘어 Bold" panose="020B0600000101010101" pitchFamily="50" charset="-127"/>
-                <a:ea typeface="나눔스퀘어 Bold" panose="020B0600000101010101" pitchFamily="50" charset="-127"/>
-              </a:rPr>
-              <a:t> </a:t>
-            </a:r>
-            <a:r>
-              <a:rPr lang="ko-KR" altLang="en-US" sz="1800" kern="0" dirty="0" err="1">
-                <a:solidFill>
-                  <a:srgbClr val="5F3B42"/>
-                </a:solidFill>
-                <a:latin typeface="나눔스퀘어 Bold" panose="020B0600000101010101" pitchFamily="50" charset="-127"/>
-                <a:ea typeface="나눔스퀘어 Bold" panose="020B0600000101010101" pitchFamily="50" charset="-127"/>
-              </a:rPr>
-              <a:t>척수액</a:t>
-            </a:r>
-            <a:r>
-              <a:rPr lang="ko-KR" altLang="en-US" sz="1800" kern="0" dirty="0">
-                <a:solidFill>
-                  <a:srgbClr val="5F3B42"/>
-                </a:solidFill>
-                <a:latin typeface="나눔스퀘어 Bold" panose="020B0600000101010101" pitchFamily="50" charset="-127"/>
-                <a:ea typeface="나눔스퀘어 Bold" panose="020B0600000101010101" pitchFamily="50" charset="-127"/>
-              </a:rPr>
-              <a:t> 라떼 </a:t>
-            </a:r>
-            <a:r>
-              <a:rPr lang="en-US" altLang="ko-KR" sz="1800" kern="0" dirty="0">
-                <a:solidFill>
-                  <a:srgbClr val="5F3B42"/>
-                </a:solidFill>
-                <a:latin typeface="나눔스퀘어 Bold" panose="020B0600000101010101" pitchFamily="50" charset="-127"/>
-                <a:ea typeface="나눔스퀘어 Bold" panose="020B0600000101010101" pitchFamily="50" charset="-127"/>
-              </a:rPr>
-              <a:t>, </a:t>
-            </a:r>
-            <a:r>
-              <a:rPr lang="ko-KR" altLang="en-US" sz="1800" kern="0" dirty="0">
-                <a:solidFill>
-                  <a:srgbClr val="5F3B42"/>
-                </a:solidFill>
-                <a:latin typeface="나눔스퀘어 Bold" panose="020B0600000101010101" pitchFamily="50" charset="-127"/>
-                <a:ea typeface="나눔스퀘어 Bold" panose="020B0600000101010101" pitchFamily="50" charset="-127"/>
-              </a:rPr>
-              <a:t>날계란 라떼</a:t>
-            </a:r>
-            <a:r>
-              <a:rPr lang="en-US" altLang="ko-KR" sz="1800" kern="0" dirty="0">
-                <a:solidFill>
-                  <a:srgbClr val="5F3B42"/>
-                </a:solidFill>
-                <a:latin typeface="나눔스퀘어 Bold" panose="020B0600000101010101" pitchFamily="50" charset="-127"/>
-                <a:ea typeface="나눔스퀘어 Bold" panose="020B0600000101010101" pitchFamily="50" charset="-127"/>
-              </a:rPr>
-              <a:t>,</a:t>
-            </a:r>
-            <a:r>
-              <a:rPr lang="en-US" altLang="ko-KR" sz="1800" kern="0" dirty="0">
-                <a:solidFill>
-                  <a:srgbClr val="FF0000"/>
-                </a:solidFill>
-                <a:latin typeface="나눔스퀘어 Bold" panose="020B0600000101010101" pitchFamily="50" charset="-127"/>
-                <a:ea typeface="나눔스퀘어 Bold" panose="020B0600000101010101" pitchFamily="50" charset="-127"/>
-              </a:rPr>
-              <a:t> </a:t>
-            </a:r>
-            <a:r>
-              <a:rPr lang="ko-KR" altLang="en-US" sz="1800" kern="0" dirty="0">
-                <a:solidFill>
-                  <a:srgbClr val="5F3B42"/>
-                </a:solidFill>
-                <a:latin typeface="나눔스퀘어 Bold" panose="020B0600000101010101" pitchFamily="50" charset="-127"/>
-                <a:ea typeface="나눔스퀘어 Bold" panose="020B0600000101010101" pitchFamily="50" charset="-127"/>
-              </a:rPr>
-              <a:t>허파 우린 물</a:t>
-            </a:r>
-            <a:r>
-              <a:rPr lang="en-US" altLang="ko-KR" sz="1800" kern="0" dirty="0">
-                <a:solidFill>
-                  <a:srgbClr val="5F3B42"/>
-                </a:solidFill>
-                <a:latin typeface="나눔스퀘어 Bold" panose="020B0600000101010101" pitchFamily="50" charset="-127"/>
-                <a:ea typeface="나눔스퀘어 Bold" panose="020B0600000101010101" pitchFamily="50" charset="-127"/>
-              </a:rPr>
-              <a:t>,</a:t>
-            </a:r>
-            <a:r>
-              <a:rPr lang="ko-KR" altLang="en-US" sz="1800" kern="0" dirty="0">
-                <a:solidFill>
-                  <a:srgbClr val="663300"/>
-                </a:solidFill>
-                <a:latin typeface="나눔스퀘어 Bold" panose="020B0600000101010101" pitchFamily="50" charset="-127"/>
-                <a:ea typeface="나눔스퀘어 Bold" panose="020B0600000101010101" pitchFamily="50" charset="-127"/>
-              </a:rPr>
-              <a:t> 척수 셰이크</a:t>
-            </a:r>
-            <a:r>
-              <a:rPr lang="en-US" altLang="ko-KR" sz="1800" kern="0" dirty="0">
-                <a:solidFill>
-                  <a:srgbClr val="663300"/>
-                </a:solidFill>
-                <a:latin typeface="나눔스퀘어 Bold" panose="020B0600000101010101" pitchFamily="50" charset="-127"/>
-                <a:ea typeface="나눔스퀘어 Bold" panose="020B0600000101010101" pitchFamily="50" charset="-127"/>
-              </a:rPr>
-              <a:t>,</a:t>
-            </a:r>
-            <a:r>
-              <a:rPr lang="ko-KR" altLang="en-US" sz="1800" kern="0" dirty="0">
-                <a:solidFill>
-                  <a:srgbClr val="FF0000"/>
-                </a:solidFill>
-                <a:latin typeface="나눔스퀘어 Bold" panose="020B0600000101010101" pitchFamily="50" charset="-127"/>
-                <a:ea typeface="나눔스퀘어 Bold" panose="020B0600000101010101" pitchFamily="50" charset="-127"/>
-              </a:rPr>
-              <a:t> 손가락 파르페</a:t>
-            </a:r>
-            <a:endParaRPr lang="en-US" altLang="ko-KR" sz="1800" kern="0" dirty="0">
-              <a:solidFill>
-                <a:srgbClr val="663300"/>
-              </a:solidFill>
-              <a:latin typeface="나눔스퀘어 Bold" panose="020B0600000101010101" pitchFamily="50" charset="-127"/>
-              <a:ea typeface="나눔스퀘어 Bold" panose="020B0600000101010101" pitchFamily="50" charset="-127"/>
-            </a:endParaRPr>
-          </a:p>
-        </p:txBody>
-      </p:sp>
-      <p:sp>
-        <p:nvSpPr>
-          <p:cNvPr id="39" name="화살표: 오른쪽 38">
-            <a:extLst>
-              <a:ext uri="{FF2B5EF4-FFF2-40B4-BE49-F238E27FC236}">
-                <a16:creationId xmlns:a16="http://schemas.microsoft.com/office/drawing/2014/main" id="{8B34E040-A3B0-1195-0665-43A209166AE0}"/>
-              </a:ext>
-            </a:extLst>
-          </p:cNvPr>
-          <p:cNvSpPr/>
-          <p:nvPr/>
-        </p:nvSpPr>
-        <p:spPr>
-          <a:xfrm rot="8334089">
-            <a:off x="5475975" y="3835937"/>
-            <a:ext cx="946391" cy="486147"/>
-          </a:xfrm>
-          <a:prstGeom prst="rightArrow">
-            <a:avLst/>
-          </a:prstGeom>
-        </p:spPr>
-        <p:style>
-          <a:lnRef idx="2">
-            <a:schemeClr val="dk1">
-              <a:shade val="50000"/>
-            </a:schemeClr>
-          </a:lnRef>
-          <a:fillRef idx="1">
-            <a:schemeClr val="dk1"/>
-          </a:fillRef>
-          <a:effectRef idx="0">
-            <a:schemeClr val="dk1"/>
-          </a:effectRef>
-          <a:fontRef idx="minor">
-            <a:schemeClr val="lt1"/>
-          </a:fontRef>
-        </p:style>
-        <p:txBody>
-          <a:bodyPr rtlCol="0" anchor="ctr"/>
-          <a:lstStyle/>
-          <a:p>
-            <a:pPr algn="ctr"/>
-            <a:endParaRPr lang="ko-KR" altLang="en-US"/>
-          </a:p>
-        </p:txBody>
-      </p:sp>
-      <p:sp>
-        <p:nvSpPr>
-          <p:cNvPr id="40" name="TextBox 39">
-            <a:extLst>
-              <a:ext uri="{FF2B5EF4-FFF2-40B4-BE49-F238E27FC236}">
-                <a16:creationId xmlns:a16="http://schemas.microsoft.com/office/drawing/2014/main" id="{4B311E36-341D-0E1D-C724-087CBB8C54AE}"/>
-              </a:ext>
-            </a:extLst>
-          </p:cNvPr>
-          <p:cNvSpPr txBox="1"/>
-          <p:nvPr/>
-        </p:nvSpPr>
-        <p:spPr>
-          <a:xfrm>
-            <a:off x="1235608" y="3594694"/>
-            <a:ext cx="1000056" cy="467885"/>
-          </a:xfrm>
-          <a:prstGeom prst="rect">
-            <a:avLst/>
-          </a:prstGeom>
-          <a:noFill/>
-        </p:spPr>
-        <p:txBody>
-          <a:bodyPr wrap="square">
-            <a:spAutoFit/>
-          </a:bodyPr>
-          <a:lstStyle/>
-          <a:p>
-            <a:pPr latinLnBrk="0">
-              <a:lnSpc>
-                <a:spcPct val="150000"/>
-              </a:lnSpc>
-              <a:defRPr/>
-            </a:pPr>
-            <a:r>
-              <a:rPr lang="en-US" altLang="ko-KR" sz="1800" kern="0">
-                <a:solidFill>
-                  <a:srgbClr val="663300"/>
-                </a:solidFill>
-                <a:latin typeface="나눔스퀘어 Bold" panose="020B0600000101010101" pitchFamily="50" charset="-127"/>
-                <a:ea typeface="나눔스퀘어 Bold" panose="020B0600000101010101" pitchFamily="50" charset="-127"/>
-              </a:rPr>
-              <a:t>6</a:t>
-            </a:r>
-            <a:r>
-              <a:rPr lang="ko-KR" altLang="en-US" sz="1800" kern="0" dirty="0">
-                <a:solidFill>
-                  <a:srgbClr val="663300"/>
-                </a:solidFill>
-                <a:latin typeface="나눔스퀘어 Bold" panose="020B0600000101010101" pitchFamily="50" charset="-127"/>
-                <a:ea typeface="나눔스퀘어 Bold" panose="020B0600000101010101" pitchFamily="50" charset="-127"/>
-              </a:rPr>
-              <a:t>종류</a:t>
-            </a:r>
-            <a:endParaRPr lang="en-US" altLang="ko-KR" sz="1800" kern="0" dirty="0">
-              <a:solidFill>
-                <a:srgbClr val="663300"/>
-              </a:solidFill>
-              <a:latin typeface="나눔스퀘어 Bold" panose="020B0600000101010101" pitchFamily="50" charset="-127"/>
-              <a:ea typeface="나눔스퀘어 Bold" panose="020B0600000101010101" pitchFamily="50" charset="-127"/>
-            </a:endParaRPr>
-          </a:p>
-        </p:txBody>
-      </p:sp>
-      <p:sp>
-        <p:nvSpPr>
-          <p:cNvPr id="41" name="TextBox 40">
-            <a:extLst>
-              <a:ext uri="{FF2B5EF4-FFF2-40B4-BE49-F238E27FC236}">
-                <a16:creationId xmlns:a16="http://schemas.microsoft.com/office/drawing/2014/main" id="{1ACD1A5D-A4B1-31CE-3CC9-575FF90AEAEB}"/>
-              </a:ext>
-            </a:extLst>
-          </p:cNvPr>
-          <p:cNvSpPr txBox="1"/>
-          <p:nvPr/>
-        </p:nvSpPr>
-        <p:spPr>
-          <a:xfrm>
-            <a:off x="3873952" y="3527849"/>
-            <a:ext cx="1000056" cy="467885"/>
-          </a:xfrm>
-          <a:prstGeom prst="rect">
-            <a:avLst/>
-          </a:prstGeom>
-          <a:noFill/>
-        </p:spPr>
-        <p:txBody>
-          <a:bodyPr wrap="square">
-            <a:spAutoFit/>
-          </a:bodyPr>
-          <a:lstStyle/>
-          <a:p>
-            <a:pPr latinLnBrk="0">
-              <a:lnSpc>
-                <a:spcPct val="150000"/>
-              </a:lnSpc>
-              <a:defRPr/>
-            </a:pPr>
-            <a:r>
-              <a:rPr lang="en-US" altLang="ko-KR" sz="1800" kern="0" dirty="0">
-                <a:solidFill>
-                  <a:srgbClr val="663300"/>
-                </a:solidFill>
-                <a:latin typeface="나눔스퀘어 Bold" panose="020B0600000101010101" pitchFamily="50" charset="-127"/>
-                <a:ea typeface="나눔스퀘어 Bold" panose="020B0600000101010101" pitchFamily="50" charset="-127"/>
-              </a:rPr>
-              <a:t>2</a:t>
-            </a:r>
-            <a:r>
-              <a:rPr lang="ko-KR" altLang="en-US" sz="1800" kern="0" dirty="0">
-                <a:solidFill>
-                  <a:srgbClr val="663300"/>
-                </a:solidFill>
-                <a:latin typeface="나눔스퀘어 Bold" panose="020B0600000101010101" pitchFamily="50" charset="-127"/>
-                <a:ea typeface="나눔스퀘어 Bold" panose="020B0600000101010101" pitchFamily="50" charset="-127"/>
-              </a:rPr>
-              <a:t>종류</a:t>
-            </a:r>
-            <a:endParaRPr lang="en-US" altLang="ko-KR" sz="1800" kern="0" dirty="0">
-              <a:solidFill>
-                <a:srgbClr val="663300"/>
-              </a:solidFill>
-              <a:latin typeface="나눔스퀘어 Bold" panose="020B0600000101010101" pitchFamily="50" charset="-127"/>
-              <a:ea typeface="나눔스퀘어 Bold" panose="020B0600000101010101" pitchFamily="50" charset="-127"/>
-            </a:endParaRPr>
-          </a:p>
-        </p:txBody>
-      </p:sp>
-      <p:pic>
-        <p:nvPicPr>
-          <p:cNvPr id="43" name="그림 42" descr="창문, 건물, 묶음, 다른이(가) 표시된 사진&#10;&#10;자동 생성된 설명">
-            <a:extLst>
-              <a:ext uri="{FF2B5EF4-FFF2-40B4-BE49-F238E27FC236}">
-                <a16:creationId xmlns:a16="http://schemas.microsoft.com/office/drawing/2014/main" id="{DB76FA33-60B1-9CE9-0FCB-479F3DA286E1}"/>
-              </a:ext>
-            </a:extLst>
-          </p:cNvPr>
-          <p:cNvPicPr>
-            <a:picLocks noChangeAspect="1"/>
-          </p:cNvPicPr>
-          <p:nvPr/>
-        </p:nvPicPr>
-        <p:blipFill rotWithShape="1">
-          <a:blip r:embed="rId5">
-            <a:extLst>
-              <a:ext uri="{28A0092B-C50C-407E-A947-70E740481C1C}">
-                <a14:useLocalDpi xmlns:a14="http://schemas.microsoft.com/office/drawing/2010/main" val="0"/>
-              </a:ext>
-            </a:extLst>
-          </a:blip>
-          <a:srcRect r="77834" b="76168"/>
-          <a:stretch/>
-        </p:blipFill>
-        <p:spPr>
-          <a:xfrm>
-            <a:off x="4085669" y="2186718"/>
-            <a:ext cx="1225674" cy="1506051"/>
-          </a:xfrm>
-          <a:prstGeom prst="rect">
-            <a:avLst/>
-          </a:prstGeom>
-        </p:spPr>
-      </p:pic>
-    </p:spTree>
-    <p:extLst>
-      <p:ext uri="{BB962C8B-B14F-4D97-AF65-F5344CB8AC3E}">
-        <p14:creationId xmlns:p14="http://schemas.microsoft.com/office/powerpoint/2010/main" val="3156158331"/>
-      </p:ext>
-    </p:extLst>
-  </p:cSld>
-  <p:clrMapOvr>
-    <a:masterClrMapping/>
-  </p:clrMapOvr>
-</p:sld>
-</file>
-
-<file path=ppt/slides/slide4.xml><?xml version="1.0" encoding="utf-8"?>
-<p:sld xmlns:a="http://schemas.openxmlformats.org/drawingml/2006/main" xmlns:r="http://schemas.openxmlformats.org/officeDocument/2006/relationships" xmlns:p="http://schemas.openxmlformats.org/presentationml/2006/main">
-  <p:cSld>
-    <p:bg>
-      <p:bgPr>
-        <a:solidFill>
-          <a:srgbClr val="F9F9F9"/>
-        </a:solidFill>
-        <a:effectLst/>
-      </p:bgPr>
-    </p:bg>
-    <p:spTree>
-      <p:nvGrpSpPr>
-        <p:cNvPr id="1" name=""/>
-        <p:cNvGrpSpPr/>
-        <p:nvPr/>
-      </p:nvGrpSpPr>
-      <p:grpSpPr>
-        <a:xfrm>
-          <a:off x="0" y="0"/>
-          <a:ext cx="0" cy="0"/>
-          <a:chOff x="0" y="0"/>
-          <a:chExt cx="0" cy="0"/>
-        </a:xfrm>
-      </p:grpSpPr>
-      <p:grpSp>
-        <p:nvGrpSpPr>
-          <p:cNvPr id="2" name="그룹 1"/>
-          <p:cNvGrpSpPr/>
-          <p:nvPr/>
-        </p:nvGrpSpPr>
-        <p:grpSpPr>
-          <a:xfrm>
-            <a:off x="200025" y="200024"/>
-            <a:ext cx="11753850" cy="6486525"/>
-            <a:chOff x="200025" y="200024"/>
-            <a:chExt cx="11753850" cy="6486525"/>
-          </a:xfrm>
-        </p:grpSpPr>
-        <p:sp>
-          <p:nvSpPr>
-            <p:cNvPr id="5" name="양쪽 모서리가 둥근 사각형 4"/>
-            <p:cNvSpPr/>
-            <p:nvPr/>
-          </p:nvSpPr>
-          <p:spPr>
-            <a:xfrm>
-              <a:off x="200025" y="200024"/>
-              <a:ext cx="11753850" cy="6486525"/>
-            </a:xfrm>
-            <a:prstGeom prst="round2SameRect">
-              <a:avLst>
-                <a:gd name="adj1" fmla="val 981"/>
-                <a:gd name="adj2" fmla="val 0"/>
-              </a:avLst>
-            </a:prstGeom>
-            <a:gradFill>
-              <a:gsLst>
-                <a:gs pos="8000">
-                  <a:srgbClr val="B7D4E7"/>
-                </a:gs>
-                <a:gs pos="2000">
-                  <a:srgbClr val="9BC1DA"/>
-                </a:gs>
-                <a:gs pos="29000">
-                  <a:srgbClr val="D6E9F5"/>
-                </a:gs>
-                <a:gs pos="29000">
-                  <a:srgbClr val="B3D7EC"/>
-                </a:gs>
-              </a:gsLst>
-              <a:lin ang="5400000" scaled="1"/>
-            </a:gradFill>
-            <a:ln w="6350">
-              <a:solidFill>
-                <a:schemeClr val="tx1"/>
-              </a:solidFill>
-            </a:ln>
-            <a:effectLst>
-              <a:outerShdw blurRad="203200" dist="38100" dir="5400000" algn="t" rotWithShape="0">
-                <a:prstClr val="black">
-                  <a:alpha val="40000"/>
-                </a:prstClr>
-              </a:outerShdw>
-            </a:effectLst>
-          </p:spPr>
-          <p:style>
-            <a:lnRef idx="2">
-              <a:schemeClr val="accent1">
-                <a:shade val="50000"/>
-              </a:schemeClr>
-            </a:lnRef>
-            <a:fillRef idx="1">
-              <a:schemeClr val="accent1"/>
-            </a:fillRef>
-            <a:effectRef idx="0">
-              <a:schemeClr val="accent1"/>
-            </a:effectRef>
-            <a:fontRef idx="minor">
-              <a:schemeClr val="lt1"/>
-            </a:fontRef>
-          </p:style>
-          <p:txBody>
-            <a:bodyPr rtlCol="0" anchor="ctr"/>
-            <a:lstStyle/>
-            <a:p>
-              <a:pPr algn="ctr"/>
-              <a:endParaRPr lang="ko-KR" altLang="en-US">
-                <a:solidFill>
-                  <a:prstClr val="white"/>
-                </a:solidFill>
-              </a:endParaRPr>
-            </a:p>
-          </p:txBody>
-        </p:sp>
-        <p:grpSp>
-          <p:nvGrpSpPr>
-            <p:cNvPr id="13" name="그룹 12"/>
-            <p:cNvGrpSpPr/>
-            <p:nvPr/>
-          </p:nvGrpSpPr>
-          <p:grpSpPr>
-            <a:xfrm>
-              <a:off x="291525" y="475764"/>
-              <a:ext cx="360000" cy="360000"/>
-              <a:chOff x="291525" y="577238"/>
-              <a:chExt cx="360000" cy="360000"/>
-            </a:xfrm>
-          </p:grpSpPr>
-          <p:sp>
-            <p:nvSpPr>
-              <p:cNvPr id="8" name="타원 7"/>
-              <p:cNvSpPr/>
-              <p:nvPr/>
-            </p:nvSpPr>
-            <p:spPr>
-              <a:xfrm>
-                <a:off x="291525" y="577238"/>
-                <a:ext cx="360000" cy="360000"/>
-              </a:xfrm>
-              <a:prstGeom prst="ellipse">
-                <a:avLst/>
-              </a:prstGeom>
-              <a:gradFill flip="none" rotWithShape="1">
-                <a:gsLst>
-                  <a:gs pos="33000">
-                    <a:srgbClr val="00AAD5"/>
-                  </a:gs>
-                  <a:gs pos="100000">
-                    <a:srgbClr val="0094C9"/>
-                  </a:gs>
-                </a:gsLst>
-                <a:path path="shape">
-                  <a:fillToRect l="50000" t="50000" r="50000" b="50000"/>
-                </a:path>
-                <a:tileRect/>
-              </a:gradFill>
-              <a:ln w="6350">
-                <a:solidFill>
-                  <a:schemeClr val="tx1">
-                    <a:lumMod val="50000"/>
-                    <a:lumOff val="50000"/>
-                  </a:schemeClr>
-                </a:solidFill>
-              </a:ln>
-            </p:spPr>
-            <p:style>
-              <a:lnRef idx="2">
-                <a:schemeClr val="accent1">
-                  <a:shade val="50000"/>
-                </a:schemeClr>
-              </a:lnRef>
-              <a:fillRef idx="1">
-                <a:schemeClr val="accent1"/>
-              </a:fillRef>
-              <a:effectRef idx="0">
-                <a:schemeClr val="accent1"/>
-              </a:effectRef>
-              <a:fontRef idx="minor">
-                <a:schemeClr val="lt1"/>
-              </a:fontRef>
-            </p:style>
-            <p:txBody>
-              <a:bodyPr rtlCol="0" anchor="ctr"/>
-              <a:lstStyle/>
-              <a:p>
-                <a:pPr algn="ctr"/>
-                <a:endParaRPr lang="ko-KR" altLang="en-US" dirty="0">
-                  <a:solidFill>
-                    <a:prstClr val="white"/>
-                  </a:solidFill>
-                </a:endParaRPr>
-              </a:p>
-            </p:txBody>
-          </p:sp>
-          <p:grpSp>
-            <p:nvGrpSpPr>
-              <p:cNvPr id="12" name="그룹 11"/>
-              <p:cNvGrpSpPr/>
-              <p:nvPr/>
-            </p:nvGrpSpPr>
-            <p:grpSpPr>
-              <a:xfrm>
-                <a:off x="391049" y="695832"/>
-                <a:ext cx="180000" cy="122813"/>
-                <a:chOff x="391553" y="695240"/>
-                <a:chExt cx="180000" cy="122813"/>
-              </a:xfrm>
-            </p:grpSpPr>
-            <p:sp>
-              <p:nvSpPr>
-                <p:cNvPr id="10" name="L 도형 9"/>
-                <p:cNvSpPr/>
-                <p:nvPr/>
-              </p:nvSpPr>
-              <p:spPr>
-                <a:xfrm rot="2700000">
-                  <a:off x="391555" y="695240"/>
-                  <a:ext cx="122813" cy="122813"/>
-                </a:xfrm>
-                <a:prstGeom prst="corner">
-                  <a:avLst>
-                    <a:gd name="adj1" fmla="val 28070"/>
-                    <a:gd name="adj2" fmla="val 25851"/>
-                  </a:avLst>
-                </a:prstGeom>
-                <a:solidFill>
-                  <a:schemeClr val="bg1"/>
-                </a:solidFill>
-                <a:ln>
-                  <a:noFill/>
-                </a:ln>
-              </p:spPr>
-              <p:style>
-                <a:lnRef idx="2">
-                  <a:schemeClr val="accent1">
-                    <a:shade val="50000"/>
-                  </a:schemeClr>
-                </a:lnRef>
-                <a:fillRef idx="1">
-                  <a:schemeClr val="accent1"/>
-                </a:fillRef>
-                <a:effectRef idx="0">
-                  <a:schemeClr val="accent1"/>
-                </a:effectRef>
-                <a:fontRef idx="minor">
-                  <a:schemeClr val="lt1"/>
-                </a:fontRef>
-              </p:style>
-              <p:txBody>
-                <a:bodyPr rtlCol="0" anchor="ctr"/>
-                <a:lstStyle/>
-                <a:p>
-                  <a:pPr algn="ctr"/>
-                  <a:endParaRPr lang="ko-KR" altLang="en-US">
-                    <a:solidFill>
-                      <a:prstClr val="white"/>
-                    </a:solidFill>
-                  </a:endParaRPr>
-                </a:p>
-              </p:txBody>
-            </p:sp>
-            <p:sp>
-              <p:nvSpPr>
-                <p:cNvPr id="11" name="직사각형 10"/>
-                <p:cNvSpPr/>
-                <p:nvPr/>
-              </p:nvSpPr>
-              <p:spPr>
-                <a:xfrm>
-                  <a:off x="391553" y="734476"/>
-                  <a:ext cx="180000" cy="36000"/>
-                </a:xfrm>
-                <a:prstGeom prst="rect">
-                  <a:avLst/>
-                </a:prstGeom>
-                <a:solidFill>
-                  <a:schemeClr val="bg1"/>
-                </a:solidFill>
-                <a:ln>
-                  <a:noFill/>
-                </a:ln>
-              </p:spPr>
-              <p:style>
-                <a:lnRef idx="2">
-                  <a:schemeClr val="accent1">
-                    <a:shade val="50000"/>
-                  </a:schemeClr>
-                </a:lnRef>
-                <a:fillRef idx="1">
-                  <a:schemeClr val="accent1"/>
-                </a:fillRef>
-                <a:effectRef idx="0">
-                  <a:schemeClr val="accent1"/>
-                </a:effectRef>
-                <a:fontRef idx="minor">
-                  <a:schemeClr val="lt1"/>
-                </a:fontRef>
-              </p:style>
-              <p:txBody>
-                <a:bodyPr rtlCol="0" anchor="ctr"/>
-                <a:lstStyle/>
-                <a:p>
-                  <a:pPr algn="ctr"/>
-                  <a:endParaRPr lang="ko-KR" altLang="en-US">
-                    <a:solidFill>
-                      <a:prstClr val="white"/>
-                    </a:solidFill>
-                  </a:endParaRPr>
-                </a:p>
-              </p:txBody>
-            </p:sp>
-          </p:grpSp>
-        </p:grpSp>
-        <p:grpSp>
-          <p:nvGrpSpPr>
-            <p:cNvPr id="23" name="그룹 22"/>
-            <p:cNvGrpSpPr/>
-            <p:nvPr/>
-          </p:nvGrpSpPr>
-          <p:grpSpPr>
-            <a:xfrm>
-              <a:off x="733972" y="504669"/>
-              <a:ext cx="288000" cy="288000"/>
-              <a:chOff x="743025" y="606143"/>
-              <a:chExt cx="288000" cy="288000"/>
-            </a:xfrm>
-          </p:grpSpPr>
-          <p:sp>
-            <p:nvSpPr>
-              <p:cNvPr id="20" name="타원 19"/>
-              <p:cNvSpPr/>
-              <p:nvPr/>
-            </p:nvSpPr>
-            <p:spPr>
-              <a:xfrm>
-                <a:off x="743025" y="606143"/>
-                <a:ext cx="288000" cy="288000"/>
-              </a:xfrm>
-              <a:prstGeom prst="ellipse">
-                <a:avLst/>
-              </a:prstGeom>
-              <a:gradFill flip="none" rotWithShape="1">
-                <a:gsLst>
-                  <a:gs pos="14000">
-                    <a:srgbClr val="B7D4E7"/>
-                  </a:gs>
-                  <a:gs pos="50000">
-                    <a:srgbClr val="D6E9F5"/>
-                  </a:gs>
-                  <a:gs pos="50000">
-                    <a:srgbClr val="B3D7EC"/>
-                  </a:gs>
-                </a:gsLst>
-                <a:lin ang="5400000" scaled="1"/>
-                <a:tileRect/>
-              </a:gradFill>
-              <a:ln w="6350">
-                <a:solidFill>
-                  <a:schemeClr val="tx1">
-                    <a:lumMod val="50000"/>
-                    <a:lumOff val="50000"/>
-                  </a:schemeClr>
-                </a:solidFill>
-              </a:ln>
-            </p:spPr>
-            <p:style>
-              <a:lnRef idx="2">
-                <a:schemeClr val="accent1">
-                  <a:shade val="50000"/>
-                </a:schemeClr>
-              </a:lnRef>
-              <a:fillRef idx="1">
-                <a:schemeClr val="accent1"/>
-              </a:fillRef>
-              <a:effectRef idx="0">
-                <a:schemeClr val="accent1"/>
-              </a:effectRef>
-              <a:fontRef idx="minor">
-                <a:schemeClr val="lt1"/>
-              </a:fontRef>
-            </p:style>
-            <p:txBody>
-              <a:bodyPr rtlCol="0" anchor="ctr"/>
-              <a:lstStyle/>
-              <a:p>
-                <a:pPr algn="ctr"/>
-                <a:endParaRPr lang="ko-KR" altLang="en-US">
-                  <a:solidFill>
-                    <a:prstClr val="white"/>
-                  </a:solidFill>
-                </a:endParaRPr>
-              </a:p>
-            </p:txBody>
-          </p:sp>
-          <p:sp>
-            <p:nvSpPr>
-              <p:cNvPr id="22" name="자유형 21"/>
-              <p:cNvSpPr/>
-              <p:nvPr/>
-            </p:nvSpPr>
-            <p:spPr>
-              <a:xfrm flipH="1">
-                <a:off x="807038" y="690774"/>
-                <a:ext cx="161093" cy="140662"/>
-              </a:xfrm>
-              <a:custGeom>
-                <a:avLst/>
-                <a:gdLst>
-                  <a:gd name="connsiteX0" fmla="*/ 76368 w 174921"/>
-                  <a:gd name="connsiteY0" fmla="*/ 0 h 152736"/>
-                  <a:gd name="connsiteX1" fmla="*/ 0 w 174921"/>
-                  <a:gd name="connsiteY1" fmla="*/ 76368 h 152736"/>
-                  <a:gd name="connsiteX2" fmla="*/ 76368 w 174921"/>
-                  <a:gd name="connsiteY2" fmla="*/ 152736 h 152736"/>
-                  <a:gd name="connsiteX3" fmla="*/ 102566 w 174921"/>
-                  <a:gd name="connsiteY3" fmla="*/ 126537 h 152736"/>
-                  <a:gd name="connsiteX4" fmla="*/ 66366 w 174921"/>
-                  <a:gd name="connsiteY4" fmla="*/ 90337 h 152736"/>
-                  <a:gd name="connsiteX5" fmla="*/ 174921 w 174921"/>
-                  <a:gd name="connsiteY5" fmla="*/ 90337 h 152736"/>
-                  <a:gd name="connsiteX6" fmla="*/ 174921 w 174921"/>
-                  <a:gd name="connsiteY6" fmla="*/ 54337 h 152736"/>
-                  <a:gd name="connsiteX7" fmla="*/ 71040 w 174921"/>
-                  <a:gd name="connsiteY7" fmla="*/ 54337 h 152736"/>
-                  <a:gd name="connsiteX8" fmla="*/ 100872 w 174921"/>
-                  <a:gd name="connsiteY8" fmla="*/ 24505 h 152736"/>
-                </a:gdLst>
-                <a:ahLst/>
-                <a:cxnLst>
-                  <a:cxn ang="0">
-                    <a:pos x="connsiteX0" y="connsiteY0"/>
-                  </a:cxn>
-                  <a:cxn ang="0">
-                    <a:pos x="connsiteX1" y="connsiteY1"/>
-                  </a:cxn>
-                  <a:cxn ang="0">
-                    <a:pos x="connsiteX2" y="connsiteY2"/>
-                  </a:cxn>
-                  <a:cxn ang="0">
-                    <a:pos x="connsiteX3" y="connsiteY3"/>
-                  </a:cxn>
-                  <a:cxn ang="0">
-                    <a:pos x="connsiteX4" y="connsiteY4"/>
-                  </a:cxn>
-                  <a:cxn ang="0">
-                    <a:pos x="connsiteX5" y="connsiteY5"/>
-                  </a:cxn>
-                  <a:cxn ang="0">
-                    <a:pos x="connsiteX6" y="connsiteY6"/>
-                  </a:cxn>
-                  <a:cxn ang="0">
-                    <a:pos x="connsiteX7" y="connsiteY7"/>
-                  </a:cxn>
-                  <a:cxn ang="0">
-                    <a:pos x="connsiteX8" y="connsiteY8"/>
-                  </a:cxn>
-                </a:cxnLst>
-                <a:rect l="l" t="t" r="r" b="b"/>
-                <a:pathLst>
-                  <a:path w="174921" h="152736">
-                    <a:moveTo>
-                      <a:pt x="76368" y="0"/>
-                    </a:moveTo>
-                    <a:lnTo>
-                      <a:pt x="0" y="76368"/>
-                    </a:lnTo>
-                    <a:lnTo>
-                      <a:pt x="76368" y="152736"/>
-                    </a:lnTo>
-                    <a:lnTo>
-                      <a:pt x="102566" y="126537"/>
-                    </a:lnTo>
-                    <a:lnTo>
-                      <a:pt x="66366" y="90337"/>
-                    </a:lnTo>
-                    <a:lnTo>
-                      <a:pt x="174921" y="90337"/>
-                    </a:lnTo>
-                    <a:lnTo>
-                      <a:pt x="174921" y="54337"/>
-                    </a:lnTo>
-                    <a:lnTo>
-                      <a:pt x="71040" y="54337"/>
-                    </a:lnTo>
-                    <a:lnTo>
-                      <a:pt x="100872" y="24505"/>
-                    </a:lnTo>
-                    <a:close/>
-                  </a:path>
-                </a:pathLst>
-              </a:custGeom>
-              <a:solidFill>
-                <a:srgbClr val="EBF3FA"/>
-              </a:solidFill>
-              <a:ln w="3175">
-                <a:solidFill>
-                  <a:schemeClr val="tx1">
-                    <a:lumMod val="50000"/>
-                    <a:lumOff val="50000"/>
-                  </a:schemeClr>
-                </a:solidFill>
-              </a:ln>
-            </p:spPr>
-            <p:style>
-              <a:lnRef idx="2">
-                <a:schemeClr val="accent1">
-                  <a:shade val="50000"/>
-                </a:schemeClr>
-              </a:lnRef>
-              <a:fillRef idx="1">
-                <a:schemeClr val="accent1"/>
-              </a:fillRef>
-              <a:effectRef idx="0">
-                <a:schemeClr val="accent1"/>
-              </a:effectRef>
-              <a:fontRef idx="minor">
-                <a:schemeClr val="lt1"/>
-              </a:fontRef>
-            </p:style>
-            <p:txBody>
-              <a:bodyPr rtlCol="0" anchor="ctr"/>
-              <a:lstStyle/>
-              <a:p>
-                <a:pPr algn="ctr"/>
-                <a:endParaRPr lang="ko-KR" altLang="en-US">
-                  <a:solidFill>
-                    <a:prstClr val="white"/>
-                  </a:solidFill>
-                </a:endParaRPr>
-              </a:p>
-            </p:txBody>
-          </p:sp>
-        </p:grpSp>
-        <p:sp>
-          <p:nvSpPr>
-            <p:cNvPr id="30" name="직사각형 29"/>
-            <p:cNvSpPr/>
-            <p:nvPr/>
-          </p:nvSpPr>
-          <p:spPr>
-            <a:xfrm>
-              <a:off x="8055984" y="489670"/>
-              <a:ext cx="1820094" cy="402627"/>
-            </a:xfrm>
-            <a:prstGeom prst="rect">
-              <a:avLst/>
-            </a:prstGeom>
-            <a:solidFill>
-              <a:schemeClr val="bg1"/>
-            </a:solidFill>
-            <a:ln w="6350">
-              <a:solidFill>
-                <a:schemeClr val="tx1"/>
-              </a:solidFill>
-            </a:ln>
-          </p:spPr>
-          <p:style>
-            <a:lnRef idx="2">
-              <a:schemeClr val="accent1">
-                <a:shade val="50000"/>
-              </a:schemeClr>
-            </a:lnRef>
-            <a:fillRef idx="1">
-              <a:schemeClr val="accent1"/>
-            </a:fillRef>
-            <a:effectRef idx="0">
-              <a:schemeClr val="accent1"/>
-            </a:effectRef>
-            <a:fontRef idx="minor">
-              <a:schemeClr val="lt1"/>
-            </a:fontRef>
-          </p:style>
-          <p:txBody>
-            <a:bodyPr rtlCol="0" anchor="ctr"/>
-            <a:lstStyle/>
-            <a:p>
-              <a:pPr latinLnBrk="0">
-                <a:defRPr/>
-              </a:pPr>
-              <a:r>
-                <a:rPr lang="en-US" altLang="ko-KR" sz="2800" kern="0" dirty="0" err="1">
-                  <a:solidFill>
-                    <a:prstClr val="black">
-                      <a:lumMod val="50000"/>
-                      <a:lumOff val="50000"/>
-                    </a:prstClr>
-                  </a:solidFill>
-                  <a:latin typeface="나눔스퀘어 ExtraBold" panose="020B0600000101010101" pitchFamily="50" charset="-127"/>
-                  <a:ea typeface="나눔스퀘어 ExtraBold" panose="020B0600000101010101" pitchFamily="50" charset="-127"/>
-                </a:rPr>
-                <a:t>Github</a:t>
-              </a:r>
-              <a:endParaRPr lang="ko-KR" altLang="en-US" sz="2800" kern="0" dirty="0">
-                <a:solidFill>
-                  <a:prstClr val="black">
-                    <a:lumMod val="50000"/>
-                    <a:lumOff val="50000"/>
-                  </a:prstClr>
-                </a:solidFill>
-                <a:latin typeface="나눔스퀘어 ExtraBold" panose="020B0600000101010101" pitchFamily="50" charset="-127"/>
-                <a:ea typeface="나눔스퀘어 ExtraBold" panose="020B0600000101010101" pitchFamily="50" charset="-127"/>
-              </a:endParaRPr>
-            </a:p>
-          </p:txBody>
-        </p:sp>
-        <p:sp>
-          <p:nvSpPr>
-            <p:cNvPr id="32" name="직사각형 31"/>
-            <p:cNvSpPr/>
-            <p:nvPr/>
-          </p:nvSpPr>
-          <p:spPr>
-            <a:xfrm>
-              <a:off x="9876078" y="488262"/>
-              <a:ext cx="398222" cy="404035"/>
-            </a:xfrm>
-            <a:prstGeom prst="rect">
-              <a:avLst/>
-            </a:prstGeom>
-            <a:gradFill flip="none" rotWithShape="1">
-              <a:gsLst>
-                <a:gs pos="0">
-                  <a:srgbClr val="D6E9F5"/>
-                </a:gs>
-                <a:gs pos="100000">
-                  <a:srgbClr val="B3D7EC"/>
-                </a:gs>
-              </a:gsLst>
-              <a:lin ang="16200000" scaled="1"/>
-              <a:tileRect/>
-            </a:gradFill>
-            <a:ln w="6350">
-              <a:solidFill>
-                <a:schemeClr val="tx1">
-                  <a:lumMod val="50000"/>
-                  <a:lumOff val="50000"/>
-                </a:schemeClr>
-              </a:solidFill>
-            </a:ln>
-          </p:spPr>
-          <p:style>
-            <a:lnRef idx="2">
-              <a:schemeClr val="accent1">
-                <a:shade val="50000"/>
-              </a:schemeClr>
-            </a:lnRef>
-            <a:fillRef idx="1">
-              <a:schemeClr val="accent1"/>
-            </a:fillRef>
-            <a:effectRef idx="0">
-              <a:schemeClr val="accent1"/>
-            </a:effectRef>
-            <a:fontRef idx="minor">
-              <a:schemeClr val="lt1"/>
-            </a:fontRef>
-          </p:style>
-          <p:txBody>
-            <a:bodyPr rtlCol="0" anchor="ctr"/>
-            <a:lstStyle/>
-            <a:p>
-              <a:pPr algn="ctr"/>
-              <a:endParaRPr lang="ko-KR" altLang="en-US">
-                <a:solidFill>
-                  <a:prstClr val="white"/>
-                </a:solidFill>
-              </a:endParaRPr>
-            </a:p>
-          </p:txBody>
-        </p:sp>
-        <p:grpSp>
-          <p:nvGrpSpPr>
-            <p:cNvPr id="60" name="그룹 59"/>
-            <p:cNvGrpSpPr/>
-            <p:nvPr/>
-          </p:nvGrpSpPr>
-          <p:grpSpPr>
-            <a:xfrm>
-              <a:off x="10554660" y="271668"/>
-              <a:ext cx="1077857" cy="516319"/>
-              <a:chOff x="10554660" y="309768"/>
-              <a:chExt cx="1077857" cy="516319"/>
-            </a:xfrm>
-          </p:grpSpPr>
-          <p:sp>
-            <p:nvSpPr>
-              <p:cNvPr id="33" name="모서리가 둥근 직사각형 32"/>
-              <p:cNvSpPr/>
-              <p:nvPr/>
-            </p:nvSpPr>
-            <p:spPr>
-              <a:xfrm>
-                <a:off x="10554660" y="309768"/>
-                <a:ext cx="322889" cy="152040"/>
-              </a:xfrm>
-              <a:prstGeom prst="roundRect">
-                <a:avLst/>
-              </a:prstGeom>
-              <a:gradFill flip="none" rotWithShape="1">
-                <a:gsLst>
-                  <a:gs pos="14000">
-                    <a:srgbClr val="B7D4E7"/>
-                  </a:gs>
-                  <a:gs pos="50000">
-                    <a:srgbClr val="D6E9F5"/>
-                  </a:gs>
-                  <a:gs pos="50000">
-                    <a:srgbClr val="B3D7EC"/>
-                  </a:gs>
-                </a:gsLst>
-                <a:lin ang="5400000" scaled="1"/>
-                <a:tileRect/>
-              </a:gradFill>
-              <a:ln w="9525">
-                <a:solidFill>
-                  <a:schemeClr val="tx1">
-                    <a:lumMod val="50000"/>
-                    <a:lumOff val="50000"/>
-                  </a:schemeClr>
-                </a:solidFill>
-              </a:ln>
-            </p:spPr>
-            <p:style>
-              <a:lnRef idx="2">
-                <a:schemeClr val="accent1">
-                  <a:shade val="50000"/>
-                </a:schemeClr>
-              </a:lnRef>
-              <a:fillRef idx="1">
-                <a:schemeClr val="accent1"/>
-              </a:fillRef>
-              <a:effectRef idx="0">
-                <a:schemeClr val="accent1"/>
-              </a:effectRef>
-              <a:fontRef idx="minor">
-                <a:schemeClr val="lt1"/>
-              </a:fontRef>
-            </p:style>
-            <p:txBody>
-              <a:bodyPr rtlCol="0" anchor="ctr"/>
-              <a:lstStyle/>
-              <a:p>
-                <a:pPr algn="ctr"/>
-                <a:endParaRPr lang="ko-KR" altLang="en-US">
-                  <a:solidFill>
-                    <a:prstClr val="white"/>
-                  </a:solidFill>
-                </a:endParaRPr>
-              </a:p>
-            </p:txBody>
-          </p:sp>
-          <p:sp>
-            <p:nvSpPr>
-              <p:cNvPr id="34" name="모서리가 둥근 직사각형 33"/>
-              <p:cNvSpPr/>
-              <p:nvPr/>
-            </p:nvSpPr>
-            <p:spPr>
-              <a:xfrm>
-                <a:off x="10626104" y="385788"/>
-                <a:ext cx="180000" cy="36000"/>
-              </a:xfrm>
-              <a:prstGeom prst="roundRect">
-                <a:avLst/>
-              </a:prstGeom>
-              <a:solidFill>
-                <a:schemeClr val="bg1"/>
-              </a:solidFill>
-              <a:ln w="9525">
-                <a:solidFill>
-                  <a:schemeClr val="tx1">
-                    <a:lumMod val="50000"/>
-                    <a:lumOff val="50000"/>
-                  </a:schemeClr>
-                </a:solidFill>
-              </a:ln>
-            </p:spPr>
-            <p:style>
-              <a:lnRef idx="2">
-                <a:schemeClr val="accent1">
-                  <a:shade val="50000"/>
-                </a:schemeClr>
-              </a:lnRef>
-              <a:fillRef idx="1">
-                <a:schemeClr val="accent1"/>
-              </a:fillRef>
-              <a:effectRef idx="0">
-                <a:schemeClr val="accent1"/>
-              </a:effectRef>
-              <a:fontRef idx="minor">
-                <a:schemeClr val="lt1"/>
-              </a:fontRef>
-            </p:style>
-            <p:txBody>
-              <a:bodyPr rtlCol="0" anchor="ctr"/>
-              <a:lstStyle/>
-              <a:p>
-                <a:pPr algn="ctr"/>
-                <a:endParaRPr lang="ko-KR" altLang="en-US">
-                  <a:solidFill>
-                    <a:prstClr val="white"/>
-                  </a:solidFill>
-                </a:endParaRPr>
-              </a:p>
-            </p:txBody>
-          </p:sp>
-          <p:sp>
-            <p:nvSpPr>
-              <p:cNvPr id="35" name="모서리가 둥근 직사각형 34"/>
-              <p:cNvSpPr/>
-              <p:nvPr/>
-            </p:nvSpPr>
-            <p:spPr>
-              <a:xfrm>
-                <a:off x="10932144" y="309768"/>
-                <a:ext cx="322889" cy="152040"/>
-              </a:xfrm>
-              <a:prstGeom prst="roundRect">
-                <a:avLst/>
-              </a:prstGeom>
-              <a:gradFill flip="none" rotWithShape="1">
-                <a:gsLst>
-                  <a:gs pos="14000">
-                    <a:srgbClr val="B7D4E7"/>
-                  </a:gs>
-                  <a:gs pos="50000">
-                    <a:srgbClr val="D6E9F5"/>
-                  </a:gs>
-                  <a:gs pos="50000">
-                    <a:srgbClr val="B3D7EC"/>
-                  </a:gs>
-                </a:gsLst>
-                <a:lin ang="5400000" scaled="1"/>
-                <a:tileRect/>
-              </a:gradFill>
-              <a:ln w="9525">
-                <a:solidFill>
-                  <a:schemeClr val="tx1">
-                    <a:lumMod val="50000"/>
-                    <a:lumOff val="50000"/>
-                  </a:schemeClr>
-                </a:solidFill>
-              </a:ln>
-            </p:spPr>
-            <p:style>
-              <a:lnRef idx="2">
-                <a:schemeClr val="accent1">
-                  <a:shade val="50000"/>
-                </a:schemeClr>
-              </a:lnRef>
-              <a:fillRef idx="1">
-                <a:schemeClr val="accent1"/>
-              </a:fillRef>
-              <a:effectRef idx="0">
-                <a:schemeClr val="accent1"/>
-              </a:effectRef>
-              <a:fontRef idx="minor">
-                <a:schemeClr val="lt1"/>
-              </a:fontRef>
-            </p:style>
-            <p:txBody>
-              <a:bodyPr rtlCol="0" anchor="ctr"/>
-              <a:lstStyle/>
-              <a:p>
-                <a:pPr algn="ctr"/>
-                <a:endParaRPr lang="ko-KR" altLang="en-US">
-                  <a:solidFill>
-                    <a:prstClr val="white"/>
-                  </a:solidFill>
-                </a:endParaRPr>
-              </a:p>
-            </p:txBody>
-          </p:sp>
-          <p:sp>
-            <p:nvSpPr>
-              <p:cNvPr id="36" name="액자 35"/>
-              <p:cNvSpPr/>
-              <p:nvPr/>
-            </p:nvSpPr>
-            <p:spPr>
-              <a:xfrm>
-                <a:off x="11041116" y="345281"/>
-                <a:ext cx="104943" cy="76507"/>
-              </a:xfrm>
-              <a:prstGeom prst="frame">
-                <a:avLst>
-                  <a:gd name="adj1" fmla="val 34286"/>
-                </a:avLst>
-              </a:prstGeom>
-              <a:solidFill>
-                <a:schemeClr val="bg1"/>
-              </a:solidFill>
-              <a:ln w="9525">
-                <a:solidFill>
-                  <a:schemeClr val="tx1">
-                    <a:lumMod val="50000"/>
-                    <a:lumOff val="50000"/>
-                  </a:schemeClr>
-                </a:solidFill>
-              </a:ln>
-            </p:spPr>
-            <p:style>
-              <a:lnRef idx="2">
-                <a:schemeClr val="accent1">
-                  <a:shade val="50000"/>
-                </a:schemeClr>
-              </a:lnRef>
-              <a:fillRef idx="1">
-                <a:schemeClr val="accent1"/>
-              </a:fillRef>
-              <a:effectRef idx="0">
-                <a:schemeClr val="accent1"/>
-              </a:effectRef>
-              <a:fontRef idx="minor">
-                <a:schemeClr val="lt1"/>
-              </a:fontRef>
-            </p:style>
-            <p:txBody>
-              <a:bodyPr rtlCol="0" anchor="ctr"/>
-              <a:lstStyle/>
-              <a:p>
-                <a:pPr algn="ctr"/>
-                <a:endParaRPr lang="ko-KR" altLang="en-US">
-                  <a:solidFill>
-                    <a:prstClr val="white"/>
-                  </a:solidFill>
-                </a:endParaRPr>
-              </a:p>
-            </p:txBody>
-          </p:sp>
-          <p:sp>
-            <p:nvSpPr>
-              <p:cNvPr id="37" name="모서리가 둥근 직사각형 36"/>
-              <p:cNvSpPr/>
-              <p:nvPr/>
-            </p:nvSpPr>
-            <p:spPr>
-              <a:xfrm>
-                <a:off x="11309628" y="309768"/>
-                <a:ext cx="322889" cy="152040"/>
-              </a:xfrm>
-              <a:prstGeom prst="roundRect">
-                <a:avLst/>
-              </a:prstGeom>
-              <a:gradFill flip="none" rotWithShape="1">
-                <a:gsLst>
-                  <a:gs pos="50000">
-                    <a:srgbClr val="FA9E93"/>
-                  </a:gs>
-                  <a:gs pos="50000">
-                    <a:srgbClr val="E66958"/>
-                  </a:gs>
-                </a:gsLst>
-                <a:lin ang="5400000" scaled="1"/>
-                <a:tileRect/>
-              </a:gradFill>
-              <a:ln w="9525">
-                <a:solidFill>
-                  <a:schemeClr val="tx1">
-                    <a:lumMod val="50000"/>
-                    <a:lumOff val="50000"/>
-                  </a:schemeClr>
-                </a:solidFill>
-              </a:ln>
-            </p:spPr>
-            <p:style>
-              <a:lnRef idx="2">
-                <a:schemeClr val="accent1">
-                  <a:shade val="50000"/>
-                </a:schemeClr>
-              </a:lnRef>
-              <a:fillRef idx="1">
-                <a:schemeClr val="accent1"/>
-              </a:fillRef>
-              <a:effectRef idx="0">
-                <a:schemeClr val="accent1"/>
-              </a:effectRef>
-              <a:fontRef idx="minor">
-                <a:schemeClr val="lt1"/>
-              </a:fontRef>
-            </p:style>
-            <p:txBody>
-              <a:bodyPr rtlCol="0" anchor="ctr"/>
-              <a:lstStyle/>
-              <a:p>
-                <a:pPr algn="ctr"/>
-                <a:endParaRPr lang="ko-KR" altLang="en-US">
-                  <a:solidFill>
-                    <a:prstClr val="white"/>
-                  </a:solidFill>
-                </a:endParaRPr>
-              </a:p>
-            </p:txBody>
-          </p:sp>
-          <p:sp>
-            <p:nvSpPr>
-              <p:cNvPr id="38" name="덧셈 기호 37"/>
-              <p:cNvSpPr/>
-              <p:nvPr/>
-            </p:nvSpPr>
-            <p:spPr>
-              <a:xfrm rot="2700000">
-                <a:off x="11402111" y="320249"/>
-                <a:ext cx="137922" cy="137922"/>
-              </a:xfrm>
-              <a:prstGeom prst="mathPlus">
-                <a:avLst>
-                  <a:gd name="adj1" fmla="val 15175"/>
-                </a:avLst>
-              </a:prstGeom>
-              <a:solidFill>
-                <a:schemeClr val="bg1"/>
-              </a:solidFill>
-              <a:ln w="9525">
-                <a:solidFill>
-                  <a:schemeClr val="tx1">
-                    <a:lumMod val="50000"/>
-                    <a:lumOff val="50000"/>
-                  </a:schemeClr>
-                </a:solidFill>
-              </a:ln>
-            </p:spPr>
-            <p:style>
-              <a:lnRef idx="2">
-                <a:schemeClr val="accent1">
-                  <a:shade val="50000"/>
-                </a:schemeClr>
-              </a:lnRef>
-              <a:fillRef idx="1">
-                <a:schemeClr val="accent1"/>
-              </a:fillRef>
-              <a:effectRef idx="0">
-                <a:schemeClr val="accent1"/>
-              </a:effectRef>
-              <a:fontRef idx="minor">
-                <a:schemeClr val="lt1"/>
-              </a:fontRef>
-            </p:style>
-            <p:txBody>
-              <a:bodyPr rtlCol="0" anchor="ctr"/>
-              <a:lstStyle/>
-              <a:p>
-                <a:pPr algn="ctr"/>
-                <a:endParaRPr lang="ko-KR" altLang="en-US">
-                  <a:solidFill>
-                    <a:prstClr val="white"/>
-                  </a:solidFill>
-                </a:endParaRPr>
-              </a:p>
-            </p:txBody>
-          </p:sp>
-          <p:sp>
-            <p:nvSpPr>
-              <p:cNvPr id="53" name="Freeform 9"/>
-              <p:cNvSpPr>
-                <a:spLocks noEditPoints="1"/>
-              </p:cNvSpPr>
-              <p:nvPr/>
-            </p:nvSpPr>
-            <p:spPr bwMode="auto">
-              <a:xfrm>
-                <a:off x="11449385" y="647299"/>
-                <a:ext cx="178924" cy="178788"/>
-              </a:xfrm>
-              <a:custGeom>
-                <a:avLst/>
-                <a:gdLst>
-                  <a:gd name="T0" fmla="*/ 11090 w 13233"/>
-                  <a:gd name="T1" fmla="*/ 4455 h 13229"/>
-                  <a:gd name="T2" fmla="*/ 11990 w 13233"/>
-                  <a:gd name="T3" fmla="*/ 2957 h 13229"/>
-                  <a:gd name="T4" fmla="*/ 11323 w 13233"/>
-                  <a:gd name="T5" fmla="*/ 1949 h 13229"/>
-                  <a:gd name="T6" fmla="*/ 10821 w 13233"/>
-                  <a:gd name="T7" fmla="*/ 1758 h 13229"/>
-                  <a:gd name="T8" fmla="*/ 9177 w 13233"/>
-                  <a:gd name="T9" fmla="*/ 2363 h 13229"/>
-                  <a:gd name="T10" fmla="*/ 7918 w 13233"/>
-                  <a:gd name="T11" fmla="*/ 1831 h 13229"/>
-                  <a:gd name="T12" fmla="*/ 7428 w 13233"/>
-                  <a:gd name="T13" fmla="*/ 171 h 13229"/>
-                  <a:gd name="T14" fmla="*/ 6230 w 13233"/>
-                  <a:gd name="T15" fmla="*/ 0 h 13229"/>
-                  <a:gd name="T16" fmla="*/ 5755 w 13233"/>
-                  <a:gd name="T17" fmla="*/ 248 h 13229"/>
-                  <a:gd name="T18" fmla="*/ 5163 w 13233"/>
-                  <a:gd name="T19" fmla="*/ 1878 h 13229"/>
-                  <a:gd name="T20" fmla="*/ 4128 w 13233"/>
-                  <a:gd name="T21" fmla="*/ 2332 h 13229"/>
-                  <a:gd name="T22" fmla="*/ 2648 w 13233"/>
-                  <a:gd name="T23" fmla="*/ 1511 h 13229"/>
-                  <a:gd name="T24" fmla="*/ 1681 w 13233"/>
-                  <a:gd name="T25" fmla="*/ 2236 h 13229"/>
-                  <a:gd name="T26" fmla="*/ 1521 w 13233"/>
-                  <a:gd name="T27" fmla="*/ 2748 h 13229"/>
-                  <a:gd name="T28" fmla="*/ 2245 w 13233"/>
-                  <a:gd name="T29" fmla="*/ 4292 h 13229"/>
-                  <a:gd name="T30" fmla="*/ 1832 w 13233"/>
-                  <a:gd name="T31" fmla="*/ 5339 h 13229"/>
-                  <a:gd name="T32" fmla="*/ 171 w 13233"/>
-                  <a:gd name="T33" fmla="*/ 5811 h 13229"/>
-                  <a:gd name="T34" fmla="*/ 0 w 13233"/>
-                  <a:gd name="T35" fmla="*/ 7007 h 13229"/>
-                  <a:gd name="T36" fmla="*/ 248 w 13233"/>
-                  <a:gd name="T37" fmla="*/ 7483 h 13229"/>
-                  <a:gd name="T38" fmla="*/ 1941 w 13233"/>
-                  <a:gd name="T39" fmla="*/ 8249 h 13229"/>
-                  <a:gd name="T40" fmla="*/ 1331 w 13233"/>
-                  <a:gd name="T41" fmla="*/ 10120 h 13229"/>
-                  <a:gd name="T42" fmla="*/ 1397 w 13233"/>
-                  <a:gd name="T43" fmla="*/ 10695 h 13229"/>
-                  <a:gd name="T44" fmla="*/ 2254 w 13233"/>
-                  <a:gd name="T45" fmla="*/ 11503 h 13229"/>
-                  <a:gd name="T46" fmla="*/ 3830 w 13233"/>
-                  <a:gd name="T47" fmla="*/ 10713 h 13229"/>
-                  <a:gd name="T48" fmla="*/ 4905 w 13233"/>
-                  <a:gd name="T49" fmla="*/ 11265 h 13229"/>
-                  <a:gd name="T50" fmla="*/ 5704 w 13233"/>
-                  <a:gd name="T51" fmla="*/ 12894 h 13229"/>
-                  <a:gd name="T52" fmla="*/ 6177 w 13233"/>
-                  <a:gd name="T53" fmla="*/ 13228 h 13229"/>
-                  <a:gd name="T54" fmla="*/ 7351 w 13233"/>
-                  <a:gd name="T55" fmla="*/ 13123 h 13229"/>
-                  <a:gd name="T56" fmla="*/ 7807 w 13233"/>
-                  <a:gd name="T57" fmla="*/ 11428 h 13229"/>
-                  <a:gd name="T58" fmla="*/ 8775 w 13233"/>
-                  <a:gd name="T59" fmla="*/ 11080 h 13229"/>
-                  <a:gd name="T60" fmla="*/ 10429 w 13233"/>
-                  <a:gd name="T61" fmla="*/ 11726 h 13229"/>
-                  <a:gd name="T62" fmla="*/ 11000 w 13233"/>
-                  <a:gd name="T63" fmla="*/ 11627 h 13229"/>
-                  <a:gd name="T64" fmla="*/ 11755 w 13233"/>
-                  <a:gd name="T65" fmla="*/ 10723 h 13229"/>
-                  <a:gd name="T66" fmla="*/ 10864 w 13233"/>
-                  <a:gd name="T67" fmla="*/ 9182 h 13229"/>
-                  <a:gd name="T68" fmla="*/ 11303 w 13233"/>
-                  <a:gd name="T69" fmla="*/ 8253 h 13229"/>
-                  <a:gd name="T70" fmla="*/ 12898 w 13233"/>
-                  <a:gd name="T71" fmla="*/ 7533 h 13229"/>
-                  <a:gd name="T72" fmla="*/ 13232 w 13233"/>
-                  <a:gd name="T73" fmla="*/ 7060 h 13229"/>
-                  <a:gd name="T74" fmla="*/ 13126 w 13233"/>
-                  <a:gd name="T75" fmla="*/ 5887 h 13229"/>
-                  <a:gd name="T76" fmla="*/ 6637 w 13233"/>
-                  <a:gd name="T77" fmla="*/ 9096 h 13229"/>
-                  <a:gd name="T78" fmla="*/ 5958 w 13233"/>
-                  <a:gd name="T79" fmla="*/ 9002 h 13229"/>
-                  <a:gd name="T80" fmla="*/ 5300 w 13233"/>
-                  <a:gd name="T81" fmla="*/ 8705 h 13229"/>
-                  <a:gd name="T82" fmla="*/ 4761 w 13233"/>
-                  <a:gd name="T83" fmla="*/ 8239 h 13229"/>
-                  <a:gd name="T84" fmla="*/ 4375 w 13233"/>
-                  <a:gd name="T85" fmla="*/ 7635 h 13229"/>
-                  <a:gd name="T86" fmla="*/ 4176 w 13233"/>
-                  <a:gd name="T87" fmla="*/ 6931 h 13229"/>
-                  <a:gd name="T88" fmla="*/ 4176 w 13233"/>
-                  <a:gd name="T89" fmla="*/ 6299 h 13229"/>
-                  <a:gd name="T90" fmla="*/ 4375 w 13233"/>
-                  <a:gd name="T91" fmla="*/ 5594 h 13229"/>
-                  <a:gd name="T92" fmla="*/ 4761 w 13233"/>
-                  <a:gd name="T93" fmla="*/ 4992 h 13229"/>
-                  <a:gd name="T94" fmla="*/ 5300 w 13233"/>
-                  <a:gd name="T95" fmla="*/ 4525 h 13229"/>
-                  <a:gd name="T96" fmla="*/ 5958 w 13233"/>
-                  <a:gd name="T97" fmla="*/ 4228 h 13229"/>
-                  <a:gd name="T98" fmla="*/ 6637 w 13233"/>
-                  <a:gd name="T99" fmla="*/ 4135 h 13229"/>
-                  <a:gd name="T100" fmla="*/ 7316 w 13233"/>
-                  <a:gd name="T101" fmla="*/ 4228 h 13229"/>
-                  <a:gd name="T102" fmla="*/ 7974 w 13233"/>
-                  <a:gd name="T103" fmla="*/ 4525 h 13229"/>
-                  <a:gd name="T104" fmla="*/ 8513 w 13233"/>
-                  <a:gd name="T105" fmla="*/ 4992 h 13229"/>
-                  <a:gd name="T106" fmla="*/ 8899 w 13233"/>
-                  <a:gd name="T107" fmla="*/ 5594 h 13229"/>
-                  <a:gd name="T108" fmla="*/ 9098 w 13233"/>
-                  <a:gd name="T109" fmla="*/ 6299 h 13229"/>
-                  <a:gd name="T110" fmla="*/ 9098 w 13233"/>
-                  <a:gd name="T111" fmla="*/ 6931 h 13229"/>
-                  <a:gd name="T112" fmla="*/ 8899 w 13233"/>
-                  <a:gd name="T113" fmla="*/ 7635 h 13229"/>
-                  <a:gd name="T114" fmla="*/ 8513 w 13233"/>
-                  <a:gd name="T115" fmla="*/ 8239 h 13229"/>
-                  <a:gd name="T116" fmla="*/ 7974 w 13233"/>
-                  <a:gd name="T117" fmla="*/ 8705 h 13229"/>
-                  <a:gd name="T118" fmla="*/ 7316 w 13233"/>
-                  <a:gd name="T119" fmla="*/ 9002 h 13229"/>
-                  <a:gd name="T120" fmla="*/ 6637 w 13233"/>
-                  <a:gd name="T121" fmla="*/ 9096 h 13229"/>
-                </a:gdLst>
-                <a:ahLst/>
-                <a:cxnLst>
-                  <a:cxn ang="0">
-                    <a:pos x="T0" y="T1"/>
-                  </a:cxn>
-                  <a:cxn ang="0">
-                    <a:pos x="T2" y="T3"/>
-                  </a:cxn>
-                  <a:cxn ang="0">
-                    <a:pos x="T4" y="T5"/>
-                  </a:cxn>
-                  <a:cxn ang="0">
-                    <a:pos x="T6" y="T7"/>
-                  </a:cxn>
-                  <a:cxn ang="0">
-                    <a:pos x="T8" y="T9"/>
-                  </a:cxn>
-                  <a:cxn ang="0">
-                    <a:pos x="T10" y="T11"/>
-                  </a:cxn>
-                  <a:cxn ang="0">
-                    <a:pos x="T12" y="T13"/>
-                  </a:cxn>
-                  <a:cxn ang="0">
-                    <a:pos x="T14" y="T15"/>
-                  </a:cxn>
-                  <a:cxn ang="0">
-                    <a:pos x="T16" y="T17"/>
-                  </a:cxn>
-                  <a:cxn ang="0">
-                    <a:pos x="T18" y="T19"/>
-                  </a:cxn>
-                  <a:cxn ang="0">
-                    <a:pos x="T20" y="T21"/>
-                  </a:cxn>
-                  <a:cxn ang="0">
-                    <a:pos x="T22" y="T23"/>
-                  </a:cxn>
-                  <a:cxn ang="0">
-                    <a:pos x="T24" y="T25"/>
-                  </a:cxn>
-                  <a:cxn ang="0">
-                    <a:pos x="T26" y="T27"/>
-                  </a:cxn>
-                  <a:cxn ang="0">
-                    <a:pos x="T28" y="T29"/>
-                  </a:cxn>
-                  <a:cxn ang="0">
-                    <a:pos x="T30" y="T31"/>
-                  </a:cxn>
-                  <a:cxn ang="0">
-                    <a:pos x="T32" y="T33"/>
-                  </a:cxn>
-                  <a:cxn ang="0">
-                    <a:pos x="T34" y="T35"/>
-                  </a:cxn>
-                  <a:cxn ang="0">
-                    <a:pos x="T36" y="T37"/>
-                  </a:cxn>
-                  <a:cxn ang="0">
-                    <a:pos x="T38" y="T39"/>
-                  </a:cxn>
-                  <a:cxn ang="0">
-                    <a:pos x="T40" y="T41"/>
-                  </a:cxn>
-                  <a:cxn ang="0">
-                    <a:pos x="T42" y="T43"/>
-                  </a:cxn>
-                  <a:cxn ang="0">
-                    <a:pos x="T44" y="T45"/>
-                  </a:cxn>
-                  <a:cxn ang="0">
-                    <a:pos x="T46" y="T47"/>
-                  </a:cxn>
-                  <a:cxn ang="0">
-                    <a:pos x="T48" y="T49"/>
-                  </a:cxn>
-                  <a:cxn ang="0">
-                    <a:pos x="T50" y="T51"/>
-                  </a:cxn>
-                  <a:cxn ang="0">
-                    <a:pos x="T52" y="T53"/>
-                  </a:cxn>
-                  <a:cxn ang="0">
-                    <a:pos x="T54" y="T55"/>
-                  </a:cxn>
-                  <a:cxn ang="0">
-                    <a:pos x="T56" y="T57"/>
-                  </a:cxn>
-                  <a:cxn ang="0">
-                    <a:pos x="T58" y="T59"/>
-                  </a:cxn>
-                  <a:cxn ang="0">
-                    <a:pos x="T60" y="T61"/>
-                  </a:cxn>
-                  <a:cxn ang="0">
-                    <a:pos x="T62" y="T63"/>
-                  </a:cxn>
-                  <a:cxn ang="0">
-                    <a:pos x="T64" y="T65"/>
-                  </a:cxn>
-                  <a:cxn ang="0">
-                    <a:pos x="T66" y="T67"/>
-                  </a:cxn>
-                  <a:cxn ang="0">
-                    <a:pos x="T68" y="T69"/>
-                  </a:cxn>
-                  <a:cxn ang="0">
-                    <a:pos x="T70" y="T71"/>
-                  </a:cxn>
-                  <a:cxn ang="0">
-                    <a:pos x="T72" y="T73"/>
-                  </a:cxn>
-                  <a:cxn ang="0">
-                    <a:pos x="T74" y="T75"/>
-                  </a:cxn>
-                  <a:cxn ang="0">
-                    <a:pos x="T76" y="T77"/>
-                  </a:cxn>
-                  <a:cxn ang="0">
-                    <a:pos x="T78" y="T79"/>
-                  </a:cxn>
-                  <a:cxn ang="0">
-                    <a:pos x="T80" y="T81"/>
-                  </a:cxn>
-                  <a:cxn ang="0">
-                    <a:pos x="T82" y="T83"/>
-                  </a:cxn>
-                  <a:cxn ang="0">
-                    <a:pos x="T84" y="T85"/>
-                  </a:cxn>
-                  <a:cxn ang="0">
-                    <a:pos x="T86" y="T87"/>
-                  </a:cxn>
-                  <a:cxn ang="0">
-                    <a:pos x="T88" y="T89"/>
-                  </a:cxn>
-                  <a:cxn ang="0">
-                    <a:pos x="T90" y="T91"/>
-                  </a:cxn>
-                  <a:cxn ang="0">
-                    <a:pos x="T92" y="T93"/>
-                  </a:cxn>
-                  <a:cxn ang="0">
-                    <a:pos x="T94" y="T95"/>
-                  </a:cxn>
-                  <a:cxn ang="0">
-                    <a:pos x="T96" y="T97"/>
-                  </a:cxn>
-                  <a:cxn ang="0">
-                    <a:pos x="T98" y="T99"/>
-                  </a:cxn>
-                  <a:cxn ang="0">
-                    <a:pos x="T100" y="T101"/>
-                  </a:cxn>
-                  <a:cxn ang="0">
-                    <a:pos x="T102" y="T103"/>
-                  </a:cxn>
-                  <a:cxn ang="0">
-                    <a:pos x="T104" y="T105"/>
-                  </a:cxn>
-                  <a:cxn ang="0">
-                    <a:pos x="T106" y="T107"/>
-                  </a:cxn>
-                  <a:cxn ang="0">
-                    <a:pos x="T108" y="T109"/>
-                  </a:cxn>
-                  <a:cxn ang="0">
-                    <a:pos x="T110" y="T111"/>
-                  </a:cxn>
-                  <a:cxn ang="0">
-                    <a:pos x="T112" y="T113"/>
-                  </a:cxn>
-                  <a:cxn ang="0">
-                    <a:pos x="T114" y="T115"/>
-                  </a:cxn>
-                  <a:cxn ang="0">
-                    <a:pos x="T116" y="T117"/>
-                  </a:cxn>
-                  <a:cxn ang="0">
-                    <a:pos x="T118" y="T119"/>
-                  </a:cxn>
-                  <a:cxn ang="0">
-                    <a:pos x="T120" y="T121"/>
-                  </a:cxn>
-                </a:cxnLst>
-                <a:rect l="0" t="0" r="r" b="b"/>
-                <a:pathLst>
-                  <a:path w="13233" h="13229">
-                    <a:moveTo>
-                      <a:pt x="12749" y="5652"/>
-                    </a:moveTo>
-                    <a:lnTo>
-                      <a:pt x="11437" y="5433"/>
-                    </a:lnTo>
-                    <a:lnTo>
-                      <a:pt x="11401" y="5288"/>
-                    </a:lnTo>
-                    <a:lnTo>
-                      <a:pt x="11313" y="5002"/>
-                    </a:lnTo>
-                    <a:lnTo>
-                      <a:pt x="11209" y="4725"/>
-                    </a:lnTo>
-                    <a:lnTo>
-                      <a:pt x="11090" y="4455"/>
-                    </a:lnTo>
-                    <a:lnTo>
-                      <a:pt x="11023" y="4324"/>
-                    </a:lnTo>
-                    <a:lnTo>
-                      <a:pt x="11862" y="3285"/>
-                    </a:lnTo>
-                    <a:lnTo>
-                      <a:pt x="11894" y="3243"/>
-                    </a:lnTo>
-                    <a:lnTo>
-                      <a:pt x="11944" y="3152"/>
-                    </a:lnTo>
-                    <a:lnTo>
-                      <a:pt x="11976" y="3056"/>
-                    </a:lnTo>
-                    <a:lnTo>
-                      <a:pt x="11990" y="2957"/>
-                    </a:lnTo>
-                    <a:lnTo>
-                      <a:pt x="11988" y="2857"/>
-                    </a:lnTo>
-                    <a:lnTo>
-                      <a:pt x="11968" y="2759"/>
-                    </a:lnTo>
-                    <a:lnTo>
-                      <a:pt x="11931" y="2664"/>
-                    </a:lnTo>
-                    <a:lnTo>
-                      <a:pt x="11878" y="2577"/>
-                    </a:lnTo>
-                    <a:lnTo>
-                      <a:pt x="11844" y="2536"/>
-                    </a:lnTo>
-                    <a:lnTo>
-                      <a:pt x="11323" y="1949"/>
-                    </a:lnTo>
-                    <a:lnTo>
-                      <a:pt x="11287" y="1910"/>
-                    </a:lnTo>
-                    <a:lnTo>
-                      <a:pt x="11205" y="1847"/>
-                    </a:lnTo>
-                    <a:lnTo>
-                      <a:pt x="11115" y="1800"/>
-                    </a:lnTo>
-                    <a:lnTo>
-                      <a:pt x="11020" y="1769"/>
-                    </a:lnTo>
-                    <a:lnTo>
-                      <a:pt x="10921" y="1754"/>
-                    </a:lnTo>
-                    <a:lnTo>
-                      <a:pt x="10821" y="1758"/>
-                    </a:lnTo>
-                    <a:lnTo>
-                      <a:pt x="10722" y="1779"/>
-                    </a:lnTo>
-                    <a:lnTo>
-                      <a:pt x="10627" y="1816"/>
-                    </a:lnTo>
-                    <a:lnTo>
-                      <a:pt x="10581" y="1844"/>
-                    </a:lnTo>
-                    <a:lnTo>
-                      <a:pt x="9460" y="2548"/>
-                    </a:lnTo>
-                    <a:lnTo>
-                      <a:pt x="9367" y="2484"/>
-                    </a:lnTo>
-                    <a:lnTo>
-                      <a:pt x="9177" y="2363"/>
-                    </a:lnTo>
-                    <a:lnTo>
-                      <a:pt x="8980" y="2251"/>
-                    </a:lnTo>
-                    <a:lnTo>
-                      <a:pt x="8778" y="2148"/>
-                    </a:lnTo>
-                    <a:lnTo>
-                      <a:pt x="8570" y="2055"/>
-                    </a:lnTo>
-                    <a:lnTo>
-                      <a:pt x="8358" y="1970"/>
-                    </a:lnTo>
-                    <a:lnTo>
-                      <a:pt x="8141" y="1896"/>
-                    </a:lnTo>
-                    <a:lnTo>
-                      <a:pt x="7918" y="1831"/>
-                    </a:lnTo>
-                    <a:lnTo>
-                      <a:pt x="7807" y="1802"/>
-                    </a:lnTo>
-                    <a:lnTo>
-                      <a:pt x="7587" y="484"/>
-                    </a:lnTo>
-                    <a:lnTo>
-                      <a:pt x="7577" y="432"/>
-                    </a:lnTo>
-                    <a:lnTo>
-                      <a:pt x="7542" y="336"/>
-                    </a:lnTo>
-                    <a:lnTo>
-                      <a:pt x="7492" y="248"/>
-                    </a:lnTo>
-                    <a:lnTo>
-                      <a:pt x="7428" y="171"/>
-                    </a:lnTo>
-                    <a:lnTo>
-                      <a:pt x="7351" y="107"/>
-                    </a:lnTo>
-                    <a:lnTo>
-                      <a:pt x="7265" y="56"/>
-                    </a:lnTo>
-                    <a:lnTo>
-                      <a:pt x="7171" y="20"/>
-                    </a:lnTo>
-                    <a:lnTo>
-                      <a:pt x="7069" y="3"/>
-                    </a:lnTo>
-                    <a:lnTo>
-                      <a:pt x="7016" y="0"/>
-                    </a:lnTo>
-                    <a:lnTo>
-                      <a:pt x="6230" y="0"/>
-                    </a:lnTo>
-                    <a:lnTo>
-                      <a:pt x="6177" y="3"/>
-                    </a:lnTo>
-                    <a:lnTo>
-                      <a:pt x="6076" y="20"/>
-                    </a:lnTo>
-                    <a:lnTo>
-                      <a:pt x="5981" y="56"/>
-                    </a:lnTo>
-                    <a:lnTo>
-                      <a:pt x="5895" y="107"/>
-                    </a:lnTo>
-                    <a:lnTo>
-                      <a:pt x="5818" y="171"/>
-                    </a:lnTo>
-                    <a:lnTo>
-                      <a:pt x="5755" y="248"/>
-                    </a:lnTo>
-                    <a:lnTo>
-                      <a:pt x="5704" y="336"/>
-                    </a:lnTo>
-                    <a:lnTo>
-                      <a:pt x="5670" y="432"/>
-                    </a:lnTo>
-                    <a:lnTo>
-                      <a:pt x="5660" y="484"/>
-                    </a:lnTo>
-                    <a:lnTo>
-                      <a:pt x="5440" y="1802"/>
-                    </a:lnTo>
-                    <a:lnTo>
-                      <a:pt x="5347" y="1825"/>
-                    </a:lnTo>
-                    <a:lnTo>
-                      <a:pt x="5163" y="1878"/>
-                    </a:lnTo>
-                    <a:lnTo>
-                      <a:pt x="4982" y="1938"/>
-                    </a:lnTo>
-                    <a:lnTo>
-                      <a:pt x="4805" y="2003"/>
-                    </a:lnTo>
-                    <a:lnTo>
-                      <a:pt x="4630" y="2077"/>
-                    </a:lnTo>
-                    <a:lnTo>
-                      <a:pt x="4459" y="2155"/>
-                    </a:lnTo>
-                    <a:lnTo>
-                      <a:pt x="4292" y="2240"/>
-                    </a:lnTo>
-                    <a:lnTo>
-                      <a:pt x="4128" y="2332"/>
-                    </a:lnTo>
-                    <a:lnTo>
-                      <a:pt x="4048" y="2380"/>
-                    </a:lnTo>
-                    <a:lnTo>
-                      <a:pt x="2982" y="1619"/>
-                    </a:lnTo>
-                    <a:lnTo>
-                      <a:pt x="2939" y="1590"/>
-                    </a:lnTo>
-                    <a:lnTo>
-                      <a:pt x="2845" y="1546"/>
-                    </a:lnTo>
-                    <a:lnTo>
-                      <a:pt x="2748" y="1521"/>
-                    </a:lnTo>
-                    <a:lnTo>
-                      <a:pt x="2648" y="1511"/>
-                    </a:lnTo>
-                    <a:lnTo>
-                      <a:pt x="2549" y="1520"/>
-                    </a:lnTo>
-                    <a:lnTo>
-                      <a:pt x="2451" y="1545"/>
-                    </a:lnTo>
-                    <a:lnTo>
-                      <a:pt x="2359" y="1586"/>
-                    </a:lnTo>
-                    <a:lnTo>
-                      <a:pt x="2275" y="1645"/>
-                    </a:lnTo>
-                    <a:lnTo>
-                      <a:pt x="2236" y="1681"/>
-                    </a:lnTo>
-                    <a:lnTo>
-                      <a:pt x="1681" y="2236"/>
-                    </a:lnTo>
-                    <a:lnTo>
-                      <a:pt x="1645" y="2275"/>
-                    </a:lnTo>
-                    <a:lnTo>
-                      <a:pt x="1586" y="2360"/>
-                    </a:lnTo>
-                    <a:lnTo>
-                      <a:pt x="1545" y="2452"/>
-                    </a:lnTo>
-                    <a:lnTo>
-                      <a:pt x="1520" y="2548"/>
-                    </a:lnTo>
-                    <a:lnTo>
-                      <a:pt x="1511" y="2648"/>
-                    </a:lnTo>
-                    <a:lnTo>
-                      <a:pt x="1521" y="2748"/>
-                    </a:lnTo>
-                    <a:lnTo>
-                      <a:pt x="1546" y="2845"/>
-                    </a:lnTo>
-                    <a:lnTo>
-                      <a:pt x="1591" y="2938"/>
-                    </a:lnTo>
-                    <a:lnTo>
-                      <a:pt x="1620" y="2982"/>
-                    </a:lnTo>
-                    <a:lnTo>
-                      <a:pt x="2382" y="4050"/>
-                    </a:lnTo>
-                    <a:lnTo>
-                      <a:pt x="2335" y="4129"/>
-                    </a:lnTo>
-                    <a:lnTo>
-                      <a:pt x="2245" y="4292"/>
-                    </a:lnTo>
-                    <a:lnTo>
-                      <a:pt x="2160" y="4458"/>
-                    </a:lnTo>
-                    <a:lnTo>
-                      <a:pt x="2082" y="4628"/>
-                    </a:lnTo>
-                    <a:lnTo>
-                      <a:pt x="2010" y="4800"/>
-                    </a:lnTo>
-                    <a:lnTo>
-                      <a:pt x="1944" y="4977"/>
-                    </a:lnTo>
-                    <a:lnTo>
-                      <a:pt x="1885" y="5156"/>
-                    </a:lnTo>
-                    <a:lnTo>
-                      <a:pt x="1832" y="5339"/>
-                    </a:lnTo>
-                    <a:lnTo>
-                      <a:pt x="1809" y="5431"/>
-                    </a:lnTo>
-                    <a:lnTo>
-                      <a:pt x="484" y="5652"/>
-                    </a:lnTo>
-                    <a:lnTo>
-                      <a:pt x="432" y="5662"/>
-                    </a:lnTo>
-                    <a:lnTo>
-                      <a:pt x="336" y="5696"/>
-                    </a:lnTo>
-                    <a:lnTo>
-                      <a:pt x="248" y="5747"/>
-                    </a:lnTo>
-                    <a:lnTo>
-                      <a:pt x="171" y="5811"/>
-                    </a:lnTo>
-                    <a:lnTo>
-                      <a:pt x="106" y="5887"/>
-                    </a:lnTo>
-                    <a:lnTo>
-                      <a:pt x="55" y="5973"/>
-                    </a:lnTo>
-                    <a:lnTo>
-                      <a:pt x="20" y="6068"/>
-                    </a:lnTo>
-                    <a:lnTo>
-                      <a:pt x="1" y="6170"/>
-                    </a:lnTo>
-                    <a:lnTo>
-                      <a:pt x="0" y="6222"/>
-                    </a:lnTo>
-                    <a:lnTo>
-                      <a:pt x="0" y="7007"/>
-                    </a:lnTo>
-                    <a:lnTo>
-                      <a:pt x="1" y="7060"/>
-                    </a:lnTo>
-                    <a:lnTo>
-                      <a:pt x="20" y="7161"/>
-                    </a:lnTo>
-                    <a:lnTo>
-                      <a:pt x="55" y="7256"/>
-                    </a:lnTo>
-                    <a:lnTo>
-                      <a:pt x="106" y="7343"/>
-                    </a:lnTo>
-                    <a:lnTo>
-                      <a:pt x="171" y="7419"/>
-                    </a:lnTo>
-                    <a:lnTo>
-                      <a:pt x="248" y="7483"/>
-                    </a:lnTo>
-                    <a:lnTo>
-                      <a:pt x="336" y="7533"/>
-                    </a:lnTo>
-                    <a:lnTo>
-                      <a:pt x="432" y="7568"/>
-                    </a:lnTo>
-                    <a:lnTo>
-                      <a:pt x="484" y="7579"/>
-                    </a:lnTo>
-                    <a:lnTo>
-                      <a:pt x="1809" y="7799"/>
-                    </a:lnTo>
-                    <a:lnTo>
-                      <a:pt x="1849" y="7951"/>
-                    </a:lnTo>
-                    <a:lnTo>
-                      <a:pt x="1941" y="8249"/>
-                    </a:lnTo>
-                    <a:lnTo>
-                      <a:pt x="2050" y="8538"/>
-                    </a:lnTo>
-                    <a:lnTo>
-                      <a:pt x="2176" y="8818"/>
-                    </a:lnTo>
-                    <a:lnTo>
-                      <a:pt x="2247" y="8953"/>
-                    </a:lnTo>
-                    <a:lnTo>
-                      <a:pt x="1412" y="9987"/>
-                    </a:lnTo>
-                    <a:lnTo>
-                      <a:pt x="1381" y="10029"/>
-                    </a:lnTo>
-                    <a:lnTo>
-                      <a:pt x="1331" y="10120"/>
-                    </a:lnTo>
-                    <a:lnTo>
-                      <a:pt x="1299" y="10215"/>
-                    </a:lnTo>
-                    <a:lnTo>
-                      <a:pt x="1285" y="10315"/>
-                    </a:lnTo>
-                    <a:lnTo>
-                      <a:pt x="1287" y="10415"/>
-                    </a:lnTo>
-                    <a:lnTo>
-                      <a:pt x="1306" y="10513"/>
-                    </a:lnTo>
-                    <a:lnTo>
-                      <a:pt x="1342" y="10607"/>
-                    </a:lnTo>
-                    <a:lnTo>
-                      <a:pt x="1397" y="10695"/>
-                    </a:lnTo>
-                    <a:lnTo>
-                      <a:pt x="1430" y="10736"/>
-                    </a:lnTo>
-                    <a:lnTo>
-                      <a:pt x="1952" y="11323"/>
-                    </a:lnTo>
-                    <a:lnTo>
-                      <a:pt x="1988" y="11360"/>
-                    </a:lnTo>
-                    <a:lnTo>
-                      <a:pt x="2069" y="11424"/>
-                    </a:lnTo>
-                    <a:lnTo>
-                      <a:pt x="2159" y="11472"/>
-                    </a:lnTo>
-                    <a:lnTo>
-                      <a:pt x="2254" y="11503"/>
-                    </a:lnTo>
-                    <a:lnTo>
-                      <a:pt x="2353" y="11516"/>
-                    </a:lnTo>
-                    <a:lnTo>
-                      <a:pt x="2453" y="11514"/>
-                    </a:lnTo>
-                    <a:lnTo>
-                      <a:pt x="2552" y="11493"/>
-                    </a:lnTo>
-                    <a:lnTo>
-                      <a:pt x="2647" y="11454"/>
-                    </a:lnTo>
-                    <a:lnTo>
-                      <a:pt x="2693" y="11428"/>
-                    </a:lnTo>
-                    <a:lnTo>
-                      <a:pt x="3830" y="10713"/>
-                    </a:lnTo>
-                    <a:lnTo>
-                      <a:pt x="3921" y="10774"/>
-                    </a:lnTo>
-                    <a:lnTo>
-                      <a:pt x="4107" y="10890"/>
-                    </a:lnTo>
-                    <a:lnTo>
-                      <a:pt x="4299" y="10997"/>
-                    </a:lnTo>
-                    <a:lnTo>
-                      <a:pt x="4496" y="11094"/>
-                    </a:lnTo>
-                    <a:lnTo>
-                      <a:pt x="4697" y="11184"/>
-                    </a:lnTo>
-                    <a:lnTo>
-                      <a:pt x="4905" y="11265"/>
-                    </a:lnTo>
-                    <a:lnTo>
-                      <a:pt x="5115" y="11337"/>
-                    </a:lnTo>
-                    <a:lnTo>
-                      <a:pt x="5331" y="11400"/>
-                    </a:lnTo>
-                    <a:lnTo>
-                      <a:pt x="5440" y="11428"/>
-                    </a:lnTo>
-                    <a:lnTo>
-                      <a:pt x="5660" y="12745"/>
-                    </a:lnTo>
-                    <a:lnTo>
-                      <a:pt x="5670" y="12797"/>
-                    </a:lnTo>
-                    <a:lnTo>
-                      <a:pt x="5704" y="12894"/>
-                    </a:lnTo>
-                    <a:lnTo>
-                      <a:pt x="5755" y="12982"/>
-                    </a:lnTo>
-                    <a:lnTo>
-                      <a:pt x="5818" y="13059"/>
-                    </a:lnTo>
-                    <a:lnTo>
-                      <a:pt x="5895" y="13123"/>
-                    </a:lnTo>
-                    <a:lnTo>
-                      <a:pt x="5981" y="13174"/>
-                    </a:lnTo>
-                    <a:lnTo>
-                      <a:pt x="6076" y="13209"/>
-                    </a:lnTo>
-                    <a:lnTo>
-                      <a:pt x="6177" y="13228"/>
-                    </a:lnTo>
-                    <a:lnTo>
-                      <a:pt x="6230" y="13229"/>
-                    </a:lnTo>
-                    <a:lnTo>
-                      <a:pt x="7016" y="13229"/>
-                    </a:lnTo>
-                    <a:lnTo>
-                      <a:pt x="7069" y="13228"/>
-                    </a:lnTo>
-                    <a:lnTo>
-                      <a:pt x="7171" y="13209"/>
-                    </a:lnTo>
-                    <a:lnTo>
-                      <a:pt x="7265" y="13174"/>
-                    </a:lnTo>
-                    <a:lnTo>
-                      <a:pt x="7351" y="13123"/>
-                    </a:lnTo>
-                    <a:lnTo>
-                      <a:pt x="7428" y="13059"/>
-                    </a:lnTo>
-                    <a:lnTo>
-                      <a:pt x="7492" y="12982"/>
-                    </a:lnTo>
-                    <a:lnTo>
-                      <a:pt x="7542" y="12894"/>
-                    </a:lnTo>
-                    <a:lnTo>
-                      <a:pt x="7577" y="12797"/>
-                    </a:lnTo>
-                    <a:lnTo>
-                      <a:pt x="7587" y="12745"/>
-                    </a:lnTo>
-                    <a:lnTo>
-                      <a:pt x="7807" y="11428"/>
-                    </a:lnTo>
-                    <a:lnTo>
-                      <a:pt x="7898" y="11404"/>
-                    </a:lnTo>
-                    <a:lnTo>
-                      <a:pt x="8080" y="11352"/>
-                    </a:lnTo>
-                    <a:lnTo>
-                      <a:pt x="8258" y="11295"/>
-                    </a:lnTo>
-                    <a:lnTo>
-                      <a:pt x="8435" y="11229"/>
-                    </a:lnTo>
-                    <a:lnTo>
-                      <a:pt x="8606" y="11158"/>
-                    </a:lnTo>
-                    <a:lnTo>
-                      <a:pt x="8775" y="11080"/>
-                    </a:lnTo>
-                    <a:lnTo>
-                      <a:pt x="8941" y="10997"/>
-                    </a:lnTo>
-                    <a:lnTo>
-                      <a:pt x="9102" y="10907"/>
-                    </a:lnTo>
-                    <a:lnTo>
-                      <a:pt x="9182" y="10860"/>
-                    </a:lnTo>
-                    <a:lnTo>
-                      <a:pt x="10292" y="11652"/>
-                    </a:lnTo>
-                    <a:lnTo>
-                      <a:pt x="10336" y="11681"/>
-                    </a:lnTo>
-                    <a:lnTo>
-                      <a:pt x="10429" y="11726"/>
-                    </a:lnTo>
-                    <a:lnTo>
-                      <a:pt x="10527" y="11752"/>
-                    </a:lnTo>
-                    <a:lnTo>
-                      <a:pt x="10627" y="11761"/>
-                    </a:lnTo>
-                    <a:lnTo>
-                      <a:pt x="10726" y="11753"/>
-                    </a:lnTo>
-                    <a:lnTo>
-                      <a:pt x="10823" y="11728"/>
-                    </a:lnTo>
-                    <a:lnTo>
-                      <a:pt x="10915" y="11686"/>
-                    </a:lnTo>
-                    <a:lnTo>
-                      <a:pt x="11000" y="11627"/>
-                    </a:lnTo>
-                    <a:lnTo>
-                      <a:pt x="11039" y="11590"/>
-                    </a:lnTo>
-                    <a:lnTo>
-                      <a:pt x="11594" y="11036"/>
-                    </a:lnTo>
-                    <a:lnTo>
-                      <a:pt x="11629" y="10997"/>
-                    </a:lnTo>
-                    <a:lnTo>
-                      <a:pt x="11688" y="10913"/>
-                    </a:lnTo>
-                    <a:lnTo>
-                      <a:pt x="11730" y="10821"/>
-                    </a:lnTo>
-                    <a:lnTo>
-                      <a:pt x="11755" y="10723"/>
-                    </a:lnTo>
-                    <a:lnTo>
-                      <a:pt x="11764" y="10625"/>
-                    </a:lnTo>
-                    <a:lnTo>
-                      <a:pt x="11754" y="10525"/>
-                    </a:lnTo>
-                    <a:lnTo>
-                      <a:pt x="11729" y="10427"/>
-                    </a:lnTo>
-                    <a:lnTo>
-                      <a:pt x="11684" y="10334"/>
-                    </a:lnTo>
-                    <a:lnTo>
-                      <a:pt x="11654" y="10290"/>
-                    </a:lnTo>
-                    <a:lnTo>
-                      <a:pt x="10864" y="9182"/>
-                    </a:lnTo>
-                    <a:lnTo>
-                      <a:pt x="10911" y="9102"/>
-                    </a:lnTo>
-                    <a:lnTo>
-                      <a:pt x="11002" y="8940"/>
-                    </a:lnTo>
-                    <a:lnTo>
-                      <a:pt x="11087" y="8772"/>
-                    </a:lnTo>
-                    <a:lnTo>
-                      <a:pt x="11165" y="8603"/>
-                    </a:lnTo>
-                    <a:lnTo>
-                      <a:pt x="11238" y="8429"/>
-                    </a:lnTo>
-                    <a:lnTo>
-                      <a:pt x="11303" y="8253"/>
-                    </a:lnTo>
-                    <a:lnTo>
-                      <a:pt x="11362" y="8073"/>
-                    </a:lnTo>
-                    <a:lnTo>
-                      <a:pt x="11415" y="7890"/>
-                    </a:lnTo>
-                    <a:lnTo>
-                      <a:pt x="11438" y="7797"/>
-                    </a:lnTo>
-                    <a:lnTo>
-                      <a:pt x="12749" y="7579"/>
-                    </a:lnTo>
-                    <a:lnTo>
-                      <a:pt x="12801" y="7568"/>
-                    </a:lnTo>
-                    <a:lnTo>
-                      <a:pt x="12898" y="7533"/>
-                    </a:lnTo>
-                    <a:lnTo>
-                      <a:pt x="12986" y="7483"/>
-                    </a:lnTo>
-                    <a:lnTo>
-                      <a:pt x="13062" y="7419"/>
-                    </a:lnTo>
-                    <a:lnTo>
-                      <a:pt x="13126" y="7343"/>
-                    </a:lnTo>
-                    <a:lnTo>
-                      <a:pt x="13177" y="7256"/>
-                    </a:lnTo>
-                    <a:lnTo>
-                      <a:pt x="13213" y="7161"/>
-                    </a:lnTo>
-                    <a:lnTo>
-                      <a:pt x="13232" y="7060"/>
-                    </a:lnTo>
-                    <a:lnTo>
-                      <a:pt x="13233" y="7007"/>
-                    </a:lnTo>
-                    <a:lnTo>
-                      <a:pt x="13233" y="6222"/>
-                    </a:lnTo>
-                    <a:lnTo>
-                      <a:pt x="13231" y="6170"/>
-                    </a:lnTo>
-                    <a:lnTo>
-                      <a:pt x="13213" y="6068"/>
-                    </a:lnTo>
-                    <a:lnTo>
-                      <a:pt x="13177" y="5973"/>
-                    </a:lnTo>
-                    <a:lnTo>
-                      <a:pt x="13126" y="5887"/>
-                    </a:lnTo>
-                    <a:lnTo>
-                      <a:pt x="13062" y="5811"/>
-                    </a:lnTo>
-                    <a:lnTo>
-                      <a:pt x="12985" y="5747"/>
-                    </a:lnTo>
-                    <a:lnTo>
-                      <a:pt x="12897" y="5696"/>
-                    </a:lnTo>
-                    <a:lnTo>
-                      <a:pt x="12801" y="5662"/>
-                    </a:lnTo>
-                    <a:lnTo>
-                      <a:pt x="12749" y="5652"/>
-                    </a:lnTo>
-                    <a:close/>
-                    <a:moveTo>
-                      <a:pt x="6637" y="9096"/>
-                    </a:moveTo>
-                    <a:lnTo>
-                      <a:pt x="6573" y="9095"/>
-                    </a:lnTo>
-                    <a:lnTo>
-                      <a:pt x="6446" y="9088"/>
-                    </a:lnTo>
-                    <a:lnTo>
-                      <a:pt x="6321" y="9076"/>
-                    </a:lnTo>
-                    <a:lnTo>
-                      <a:pt x="6198" y="9057"/>
-                    </a:lnTo>
-                    <a:lnTo>
-                      <a:pt x="6076" y="9033"/>
-                    </a:lnTo>
-                    <a:lnTo>
-                      <a:pt x="5958" y="9002"/>
-                    </a:lnTo>
-                    <a:lnTo>
-                      <a:pt x="5842" y="8965"/>
-                    </a:lnTo>
-                    <a:lnTo>
-                      <a:pt x="5728" y="8923"/>
-                    </a:lnTo>
-                    <a:lnTo>
-                      <a:pt x="5616" y="8876"/>
-                    </a:lnTo>
-                    <a:lnTo>
-                      <a:pt x="5507" y="8824"/>
-                    </a:lnTo>
-                    <a:lnTo>
-                      <a:pt x="5402" y="8767"/>
-                    </a:lnTo>
-                    <a:lnTo>
-                      <a:pt x="5300" y="8705"/>
-                    </a:lnTo>
-                    <a:lnTo>
-                      <a:pt x="5201" y="8637"/>
-                    </a:lnTo>
-                    <a:lnTo>
-                      <a:pt x="5105" y="8566"/>
-                    </a:lnTo>
-                    <a:lnTo>
-                      <a:pt x="5013" y="8490"/>
-                    </a:lnTo>
-                    <a:lnTo>
-                      <a:pt x="4926" y="8410"/>
-                    </a:lnTo>
-                    <a:lnTo>
-                      <a:pt x="4841" y="8326"/>
-                    </a:lnTo>
-                    <a:lnTo>
-                      <a:pt x="4761" y="8239"/>
-                    </a:lnTo>
-                    <a:lnTo>
-                      <a:pt x="4685" y="8147"/>
-                    </a:lnTo>
-                    <a:lnTo>
-                      <a:pt x="4613" y="8050"/>
-                    </a:lnTo>
-                    <a:lnTo>
-                      <a:pt x="4547" y="7952"/>
-                    </a:lnTo>
-                    <a:lnTo>
-                      <a:pt x="4485" y="7850"/>
-                    </a:lnTo>
-                    <a:lnTo>
-                      <a:pt x="4427" y="7744"/>
-                    </a:lnTo>
-                    <a:lnTo>
-                      <a:pt x="4375" y="7635"/>
-                    </a:lnTo>
-                    <a:lnTo>
-                      <a:pt x="4327" y="7524"/>
-                    </a:lnTo>
-                    <a:lnTo>
-                      <a:pt x="4287" y="7410"/>
-                    </a:lnTo>
-                    <a:lnTo>
-                      <a:pt x="4250" y="7294"/>
-                    </a:lnTo>
-                    <a:lnTo>
-                      <a:pt x="4219" y="7175"/>
-                    </a:lnTo>
-                    <a:lnTo>
-                      <a:pt x="4195" y="7054"/>
-                    </a:lnTo>
-                    <a:lnTo>
-                      <a:pt x="4176" y="6931"/>
-                    </a:lnTo>
-                    <a:lnTo>
-                      <a:pt x="4164" y="6806"/>
-                    </a:lnTo>
-                    <a:lnTo>
-                      <a:pt x="4157" y="6678"/>
-                    </a:lnTo>
-                    <a:lnTo>
-                      <a:pt x="4156" y="6615"/>
-                    </a:lnTo>
-                    <a:lnTo>
-                      <a:pt x="4157" y="6551"/>
-                    </a:lnTo>
-                    <a:lnTo>
-                      <a:pt x="4164" y="6424"/>
-                    </a:lnTo>
-                    <a:lnTo>
-                      <a:pt x="4176" y="6299"/>
-                    </a:lnTo>
-                    <a:lnTo>
-                      <a:pt x="4195" y="6176"/>
-                    </a:lnTo>
-                    <a:lnTo>
-                      <a:pt x="4219" y="6055"/>
-                    </a:lnTo>
-                    <a:lnTo>
-                      <a:pt x="4250" y="5935"/>
-                    </a:lnTo>
-                    <a:lnTo>
-                      <a:pt x="4287" y="5819"/>
-                    </a:lnTo>
-                    <a:lnTo>
-                      <a:pt x="4327" y="5705"/>
-                    </a:lnTo>
-                    <a:lnTo>
-                      <a:pt x="4375" y="5594"/>
-                    </a:lnTo>
-                    <a:lnTo>
-                      <a:pt x="4427" y="5486"/>
-                    </a:lnTo>
-                    <a:lnTo>
-                      <a:pt x="4485" y="5381"/>
-                    </a:lnTo>
-                    <a:lnTo>
-                      <a:pt x="4547" y="5278"/>
-                    </a:lnTo>
-                    <a:lnTo>
-                      <a:pt x="4613" y="5179"/>
-                    </a:lnTo>
-                    <a:lnTo>
-                      <a:pt x="4685" y="5084"/>
-                    </a:lnTo>
-                    <a:lnTo>
-                      <a:pt x="4761" y="4992"/>
-                    </a:lnTo>
-                    <a:lnTo>
-                      <a:pt x="4841" y="4903"/>
-                    </a:lnTo>
-                    <a:lnTo>
-                      <a:pt x="4926" y="4819"/>
-                    </a:lnTo>
-                    <a:lnTo>
-                      <a:pt x="5013" y="4740"/>
-                    </a:lnTo>
-                    <a:lnTo>
-                      <a:pt x="5105" y="4663"/>
-                    </a:lnTo>
-                    <a:lnTo>
-                      <a:pt x="5201" y="4592"/>
-                    </a:lnTo>
-                    <a:lnTo>
-                      <a:pt x="5300" y="4525"/>
-                    </a:lnTo>
-                    <a:lnTo>
-                      <a:pt x="5402" y="4463"/>
-                    </a:lnTo>
-                    <a:lnTo>
-                      <a:pt x="5507" y="4406"/>
-                    </a:lnTo>
-                    <a:lnTo>
-                      <a:pt x="5616" y="4353"/>
-                    </a:lnTo>
-                    <a:lnTo>
-                      <a:pt x="5728" y="4307"/>
-                    </a:lnTo>
-                    <a:lnTo>
-                      <a:pt x="5842" y="4265"/>
-                    </a:lnTo>
-                    <a:lnTo>
-                      <a:pt x="5958" y="4228"/>
-                    </a:lnTo>
-                    <a:lnTo>
-                      <a:pt x="6076" y="4198"/>
-                    </a:lnTo>
-                    <a:lnTo>
-                      <a:pt x="6198" y="4173"/>
-                    </a:lnTo>
-                    <a:lnTo>
-                      <a:pt x="6321" y="4154"/>
-                    </a:lnTo>
-                    <a:lnTo>
-                      <a:pt x="6446" y="4142"/>
-                    </a:lnTo>
-                    <a:lnTo>
-                      <a:pt x="6573" y="4135"/>
-                    </a:lnTo>
-                    <a:lnTo>
-                      <a:pt x="6637" y="4135"/>
-                    </a:lnTo>
-                    <a:lnTo>
-                      <a:pt x="6701" y="4135"/>
-                    </a:lnTo>
-                    <a:lnTo>
-                      <a:pt x="6829" y="4142"/>
-                    </a:lnTo>
-                    <a:lnTo>
-                      <a:pt x="6954" y="4154"/>
-                    </a:lnTo>
-                    <a:lnTo>
-                      <a:pt x="7077" y="4173"/>
-                    </a:lnTo>
-                    <a:lnTo>
-                      <a:pt x="7197" y="4198"/>
-                    </a:lnTo>
-                    <a:lnTo>
-                      <a:pt x="7316" y="4228"/>
-                    </a:lnTo>
-                    <a:lnTo>
-                      <a:pt x="7433" y="4265"/>
-                    </a:lnTo>
-                    <a:lnTo>
-                      <a:pt x="7547" y="4307"/>
-                    </a:lnTo>
-                    <a:lnTo>
-                      <a:pt x="7658" y="4353"/>
-                    </a:lnTo>
-                    <a:lnTo>
-                      <a:pt x="7767" y="4406"/>
-                    </a:lnTo>
-                    <a:lnTo>
-                      <a:pt x="7872" y="4463"/>
-                    </a:lnTo>
-                    <a:lnTo>
-                      <a:pt x="7974" y="4525"/>
-                    </a:lnTo>
-                    <a:lnTo>
-                      <a:pt x="8073" y="4592"/>
-                    </a:lnTo>
-                    <a:lnTo>
-                      <a:pt x="8169" y="4663"/>
-                    </a:lnTo>
-                    <a:lnTo>
-                      <a:pt x="8261" y="4740"/>
-                    </a:lnTo>
-                    <a:lnTo>
-                      <a:pt x="8349" y="4819"/>
-                    </a:lnTo>
-                    <a:lnTo>
-                      <a:pt x="8433" y="4903"/>
-                    </a:lnTo>
-                    <a:lnTo>
-                      <a:pt x="8513" y="4992"/>
-                    </a:lnTo>
-                    <a:lnTo>
-                      <a:pt x="8590" y="5084"/>
-                    </a:lnTo>
-                    <a:lnTo>
-                      <a:pt x="8661" y="5179"/>
-                    </a:lnTo>
-                    <a:lnTo>
-                      <a:pt x="8727" y="5278"/>
-                    </a:lnTo>
-                    <a:lnTo>
-                      <a:pt x="8790" y="5381"/>
-                    </a:lnTo>
-                    <a:lnTo>
-                      <a:pt x="8847" y="5486"/>
-                    </a:lnTo>
-                    <a:lnTo>
-                      <a:pt x="8899" y="5594"/>
-                    </a:lnTo>
-                    <a:lnTo>
-                      <a:pt x="8946" y="5705"/>
-                    </a:lnTo>
-                    <a:lnTo>
-                      <a:pt x="8988" y="5819"/>
-                    </a:lnTo>
-                    <a:lnTo>
-                      <a:pt x="9024" y="5935"/>
-                    </a:lnTo>
-                    <a:lnTo>
-                      <a:pt x="9055" y="6055"/>
-                    </a:lnTo>
-                    <a:lnTo>
-                      <a:pt x="9079" y="6176"/>
-                    </a:lnTo>
-                    <a:lnTo>
-                      <a:pt x="9098" y="6299"/>
-                    </a:lnTo>
-                    <a:lnTo>
-                      <a:pt x="9111" y="6424"/>
-                    </a:lnTo>
-                    <a:lnTo>
-                      <a:pt x="9118" y="6551"/>
-                    </a:lnTo>
-                    <a:lnTo>
-                      <a:pt x="9118" y="6615"/>
-                    </a:lnTo>
-                    <a:lnTo>
-                      <a:pt x="9118" y="6678"/>
-                    </a:lnTo>
-                    <a:lnTo>
-                      <a:pt x="9111" y="6806"/>
-                    </a:lnTo>
-                    <a:lnTo>
-                      <a:pt x="9098" y="6931"/>
-                    </a:lnTo>
-                    <a:lnTo>
-                      <a:pt x="9079" y="7054"/>
-                    </a:lnTo>
-                    <a:lnTo>
-                      <a:pt x="9055" y="7175"/>
-                    </a:lnTo>
-                    <a:lnTo>
-                      <a:pt x="9024" y="7294"/>
-                    </a:lnTo>
-                    <a:lnTo>
-                      <a:pt x="8988" y="7410"/>
-                    </a:lnTo>
-                    <a:lnTo>
-                      <a:pt x="8946" y="7524"/>
-                    </a:lnTo>
-                    <a:lnTo>
-                      <a:pt x="8899" y="7635"/>
-                    </a:lnTo>
-                    <a:lnTo>
-                      <a:pt x="8847" y="7744"/>
-                    </a:lnTo>
-                    <a:lnTo>
-                      <a:pt x="8790" y="7850"/>
-                    </a:lnTo>
-                    <a:lnTo>
-                      <a:pt x="8727" y="7952"/>
-                    </a:lnTo>
-                    <a:lnTo>
-                      <a:pt x="8661" y="8050"/>
-                    </a:lnTo>
-                    <a:lnTo>
-                      <a:pt x="8590" y="8147"/>
-                    </a:lnTo>
-                    <a:lnTo>
-                      <a:pt x="8513" y="8239"/>
-                    </a:lnTo>
-                    <a:lnTo>
-                      <a:pt x="8433" y="8326"/>
-                    </a:lnTo>
-                    <a:lnTo>
-                      <a:pt x="8349" y="8410"/>
-                    </a:lnTo>
-                    <a:lnTo>
-                      <a:pt x="8261" y="8490"/>
-                    </a:lnTo>
-                    <a:lnTo>
-                      <a:pt x="8169" y="8566"/>
-                    </a:lnTo>
-                    <a:lnTo>
-                      <a:pt x="8073" y="8637"/>
-                    </a:lnTo>
-                    <a:lnTo>
-                      <a:pt x="7974" y="8705"/>
-                    </a:lnTo>
-                    <a:lnTo>
-                      <a:pt x="7872" y="8767"/>
-                    </a:lnTo>
-                    <a:lnTo>
-                      <a:pt x="7767" y="8824"/>
-                    </a:lnTo>
-                    <a:lnTo>
-                      <a:pt x="7658" y="8876"/>
-                    </a:lnTo>
-                    <a:lnTo>
-                      <a:pt x="7547" y="8923"/>
-                    </a:lnTo>
-                    <a:lnTo>
-                      <a:pt x="7433" y="8965"/>
-                    </a:lnTo>
-                    <a:lnTo>
-                      <a:pt x="7316" y="9002"/>
-                    </a:lnTo>
-                    <a:lnTo>
-                      <a:pt x="7197" y="9033"/>
-                    </a:lnTo>
-                    <a:lnTo>
-                      <a:pt x="7077" y="9057"/>
-                    </a:lnTo>
-                    <a:lnTo>
-                      <a:pt x="6954" y="9076"/>
-                    </a:lnTo>
-                    <a:lnTo>
-                      <a:pt x="6829" y="9088"/>
-                    </a:lnTo>
-                    <a:lnTo>
-                      <a:pt x="6701" y="9095"/>
-                    </a:lnTo>
-                    <a:lnTo>
-                      <a:pt x="6637" y="9096"/>
-                    </a:lnTo>
-                    <a:close/>
-                  </a:path>
-                </a:pathLst>
-              </a:custGeom>
-              <a:solidFill>
-                <a:schemeClr val="bg1"/>
-              </a:solidFill>
-              <a:ln w="6350">
-                <a:solidFill>
-                  <a:schemeClr val="tx1">
-                    <a:lumMod val="50000"/>
-                    <a:lumOff val="50000"/>
-                  </a:schemeClr>
-                </a:solidFill>
-              </a:ln>
-            </p:spPr>
-            <p:txBody>
-              <a:bodyPr vert="horz" wrap="square" lIns="91440" tIns="45720" rIns="91440" bIns="45720" numCol="1" anchor="t" anchorCtr="0" compatLnSpc="1">
-                <a:prstTxWarp prst="textNoShape">
-                  <a:avLst/>
-                </a:prstTxWarp>
-              </a:bodyPr>
-              <a:lstStyle/>
-              <a:p>
-                <a:endParaRPr lang="ko-KR" altLang="en-US">
-                  <a:solidFill>
-                    <a:prstClr val="black"/>
-                  </a:solidFill>
-                </a:endParaRPr>
-              </a:p>
-            </p:txBody>
-          </p:sp>
-          <p:grpSp>
-            <p:nvGrpSpPr>
-              <p:cNvPr id="54" name="Group 12"/>
-              <p:cNvGrpSpPr>
-                <a:grpSpLocks noChangeAspect="1"/>
-              </p:cNvGrpSpPr>
-              <p:nvPr/>
-            </p:nvGrpSpPr>
-            <p:grpSpPr bwMode="auto">
-              <a:xfrm>
-                <a:off x="10864951" y="643633"/>
-                <a:ext cx="218340" cy="173685"/>
-                <a:chOff x="2015" y="2759"/>
-                <a:chExt cx="841" cy="669"/>
-              </a:xfrm>
-              <a:solidFill>
-                <a:schemeClr val="bg1"/>
-              </a:solidFill>
-            </p:grpSpPr>
-            <p:sp>
-              <p:nvSpPr>
-                <p:cNvPr id="56" name="Freeform 13"/>
-                <p:cNvSpPr>
-                  <a:spLocks/>
-                </p:cNvSpPr>
-                <p:nvPr/>
-              </p:nvSpPr>
-              <p:spPr bwMode="auto">
-                <a:xfrm>
-                  <a:off x="2135" y="2894"/>
-                  <a:ext cx="601" cy="534"/>
-                </a:xfrm>
-                <a:custGeom>
-                  <a:avLst/>
-                  <a:gdLst>
-                    <a:gd name="T0" fmla="*/ 902 w 1802"/>
-                    <a:gd name="T1" fmla="*/ 0 h 1602"/>
-                    <a:gd name="T2" fmla="*/ 2 w 1802"/>
-                    <a:gd name="T3" fmla="*/ 742 h 1602"/>
-                    <a:gd name="T4" fmla="*/ 2 w 1802"/>
-                    <a:gd name="T5" fmla="*/ 743 h 1602"/>
-                    <a:gd name="T6" fmla="*/ 2 w 1802"/>
-                    <a:gd name="T7" fmla="*/ 746 h 1602"/>
-                    <a:gd name="T8" fmla="*/ 0 w 1802"/>
-                    <a:gd name="T9" fmla="*/ 749 h 1602"/>
-                    <a:gd name="T10" fmla="*/ 0 w 1802"/>
-                    <a:gd name="T11" fmla="*/ 751 h 1602"/>
-                    <a:gd name="T12" fmla="*/ 0 w 1802"/>
-                    <a:gd name="T13" fmla="*/ 1501 h 1602"/>
-                    <a:gd name="T14" fmla="*/ 2 w 1802"/>
-                    <a:gd name="T15" fmla="*/ 1521 h 1602"/>
-                    <a:gd name="T16" fmla="*/ 16 w 1802"/>
-                    <a:gd name="T17" fmla="*/ 1557 h 1602"/>
-                    <a:gd name="T18" fmla="*/ 30 w 1802"/>
-                    <a:gd name="T19" fmla="*/ 1572 h 1602"/>
-                    <a:gd name="T20" fmla="*/ 45 w 1802"/>
-                    <a:gd name="T21" fmla="*/ 1586 h 1602"/>
-                    <a:gd name="T22" fmla="*/ 81 w 1802"/>
-                    <a:gd name="T23" fmla="*/ 1601 h 1602"/>
-                    <a:gd name="T24" fmla="*/ 100 w 1802"/>
-                    <a:gd name="T25" fmla="*/ 1602 h 1602"/>
-                    <a:gd name="T26" fmla="*/ 702 w 1802"/>
-                    <a:gd name="T27" fmla="*/ 1602 h 1602"/>
-                    <a:gd name="T28" fmla="*/ 702 w 1802"/>
-                    <a:gd name="T29" fmla="*/ 1001 h 1602"/>
-                    <a:gd name="T30" fmla="*/ 1102 w 1802"/>
-                    <a:gd name="T31" fmla="*/ 1001 h 1602"/>
-                    <a:gd name="T32" fmla="*/ 1102 w 1802"/>
-                    <a:gd name="T33" fmla="*/ 1602 h 1602"/>
-                    <a:gd name="T34" fmla="*/ 1703 w 1802"/>
-                    <a:gd name="T35" fmla="*/ 1602 h 1602"/>
-                    <a:gd name="T36" fmla="*/ 1723 w 1802"/>
-                    <a:gd name="T37" fmla="*/ 1601 h 1602"/>
-                    <a:gd name="T38" fmla="*/ 1758 w 1802"/>
-                    <a:gd name="T39" fmla="*/ 1586 h 1602"/>
-                    <a:gd name="T40" fmla="*/ 1773 w 1802"/>
-                    <a:gd name="T41" fmla="*/ 1572 h 1602"/>
-                    <a:gd name="T42" fmla="*/ 1786 w 1802"/>
-                    <a:gd name="T43" fmla="*/ 1557 h 1602"/>
-                    <a:gd name="T44" fmla="*/ 1802 w 1802"/>
-                    <a:gd name="T45" fmla="*/ 1521 h 1602"/>
-                    <a:gd name="T46" fmla="*/ 1802 w 1802"/>
-                    <a:gd name="T47" fmla="*/ 1501 h 1602"/>
-                    <a:gd name="T48" fmla="*/ 1802 w 1802"/>
-                    <a:gd name="T49" fmla="*/ 751 h 1602"/>
-                    <a:gd name="T50" fmla="*/ 1802 w 1802"/>
-                    <a:gd name="T51" fmla="*/ 745 h 1602"/>
-                    <a:gd name="T52" fmla="*/ 1801 w 1802"/>
-                    <a:gd name="T53" fmla="*/ 742 h 1602"/>
-                    <a:gd name="T54" fmla="*/ 902 w 1802"/>
-                    <a:gd name="T55" fmla="*/ 0 h 1602"/>
-                  </a:gdLst>
-                  <a:ahLst/>
-                  <a:cxnLst>
-                    <a:cxn ang="0">
-                      <a:pos x="T0" y="T1"/>
-                    </a:cxn>
-                    <a:cxn ang="0">
-                      <a:pos x="T2" y="T3"/>
-                    </a:cxn>
-                    <a:cxn ang="0">
-                      <a:pos x="T4" y="T5"/>
-                    </a:cxn>
-                    <a:cxn ang="0">
-                      <a:pos x="T6" y="T7"/>
-                    </a:cxn>
-                    <a:cxn ang="0">
-                      <a:pos x="T8" y="T9"/>
-                    </a:cxn>
-                    <a:cxn ang="0">
-                      <a:pos x="T10" y="T11"/>
-                    </a:cxn>
-                    <a:cxn ang="0">
-                      <a:pos x="T12" y="T13"/>
-                    </a:cxn>
-                    <a:cxn ang="0">
-                      <a:pos x="T14" y="T15"/>
-                    </a:cxn>
-                    <a:cxn ang="0">
-                      <a:pos x="T16" y="T17"/>
-                    </a:cxn>
-                    <a:cxn ang="0">
-                      <a:pos x="T18" y="T19"/>
-                    </a:cxn>
-                    <a:cxn ang="0">
-                      <a:pos x="T20" y="T21"/>
-                    </a:cxn>
-                    <a:cxn ang="0">
-                      <a:pos x="T22" y="T23"/>
-                    </a:cxn>
-                    <a:cxn ang="0">
-                      <a:pos x="T24" y="T25"/>
-                    </a:cxn>
-                    <a:cxn ang="0">
-                      <a:pos x="T26" y="T27"/>
-                    </a:cxn>
-                    <a:cxn ang="0">
-                      <a:pos x="T28" y="T29"/>
-                    </a:cxn>
-                    <a:cxn ang="0">
-                      <a:pos x="T30" y="T31"/>
-                    </a:cxn>
-                    <a:cxn ang="0">
-                      <a:pos x="T32" y="T33"/>
-                    </a:cxn>
-                    <a:cxn ang="0">
-                      <a:pos x="T34" y="T35"/>
-                    </a:cxn>
-                    <a:cxn ang="0">
-                      <a:pos x="T36" y="T37"/>
-                    </a:cxn>
-                    <a:cxn ang="0">
-                      <a:pos x="T38" y="T39"/>
-                    </a:cxn>
-                    <a:cxn ang="0">
-                      <a:pos x="T40" y="T41"/>
-                    </a:cxn>
-                    <a:cxn ang="0">
-                      <a:pos x="T42" y="T43"/>
-                    </a:cxn>
-                    <a:cxn ang="0">
-                      <a:pos x="T44" y="T45"/>
-                    </a:cxn>
-                    <a:cxn ang="0">
-                      <a:pos x="T46" y="T47"/>
-                    </a:cxn>
-                    <a:cxn ang="0">
-                      <a:pos x="T48" y="T49"/>
-                    </a:cxn>
-                    <a:cxn ang="0">
-                      <a:pos x="T50" y="T51"/>
-                    </a:cxn>
-                    <a:cxn ang="0">
-                      <a:pos x="T52" y="T53"/>
-                    </a:cxn>
-                    <a:cxn ang="0">
-                      <a:pos x="T54" y="T55"/>
-                    </a:cxn>
-                  </a:cxnLst>
-                  <a:rect l="0" t="0" r="r" b="b"/>
-                  <a:pathLst>
-                    <a:path w="1802" h="1602">
-                      <a:moveTo>
-                        <a:pt x="902" y="0"/>
-                      </a:moveTo>
-                      <a:lnTo>
-                        <a:pt x="2" y="742"/>
-                      </a:lnTo>
-                      <a:lnTo>
-                        <a:pt x="2" y="743"/>
-                      </a:lnTo>
-                      <a:lnTo>
-                        <a:pt x="2" y="746"/>
-                      </a:lnTo>
-                      <a:lnTo>
-                        <a:pt x="0" y="749"/>
-                      </a:lnTo>
-                      <a:lnTo>
-                        <a:pt x="0" y="751"/>
-                      </a:lnTo>
-                      <a:lnTo>
-                        <a:pt x="0" y="1501"/>
-                      </a:lnTo>
-                      <a:lnTo>
-                        <a:pt x="2" y="1521"/>
-                      </a:lnTo>
-                      <a:lnTo>
-                        <a:pt x="16" y="1557"/>
-                      </a:lnTo>
-                      <a:lnTo>
-                        <a:pt x="30" y="1572"/>
-                      </a:lnTo>
-                      <a:lnTo>
-                        <a:pt x="45" y="1586"/>
-                      </a:lnTo>
-                      <a:lnTo>
-                        <a:pt x="81" y="1601"/>
-                      </a:lnTo>
-                      <a:lnTo>
-                        <a:pt x="100" y="1602"/>
-                      </a:lnTo>
-                      <a:lnTo>
-                        <a:pt x="702" y="1602"/>
-                      </a:lnTo>
-                      <a:lnTo>
-                        <a:pt x="702" y="1001"/>
-                      </a:lnTo>
-                      <a:lnTo>
-                        <a:pt x="1102" y="1001"/>
-                      </a:lnTo>
-                      <a:lnTo>
-                        <a:pt x="1102" y="1602"/>
-                      </a:lnTo>
-                      <a:lnTo>
-                        <a:pt x="1703" y="1602"/>
-                      </a:lnTo>
-                      <a:lnTo>
-                        <a:pt x="1723" y="1601"/>
-                      </a:lnTo>
-                      <a:lnTo>
-                        <a:pt x="1758" y="1586"/>
-                      </a:lnTo>
-                      <a:lnTo>
-                        <a:pt x="1773" y="1572"/>
-                      </a:lnTo>
-                      <a:lnTo>
-                        <a:pt x="1786" y="1557"/>
-                      </a:lnTo>
-                      <a:lnTo>
-                        <a:pt x="1802" y="1521"/>
-                      </a:lnTo>
-                      <a:lnTo>
-                        <a:pt x="1802" y="1501"/>
-                      </a:lnTo>
-                      <a:lnTo>
-                        <a:pt x="1802" y="751"/>
-                      </a:lnTo>
-                      <a:lnTo>
-                        <a:pt x="1802" y="745"/>
-                      </a:lnTo>
-                      <a:lnTo>
-                        <a:pt x="1801" y="742"/>
-                      </a:lnTo>
-                      <a:lnTo>
-                        <a:pt x="902" y="0"/>
-                      </a:lnTo>
-                      <a:close/>
-                    </a:path>
-                  </a:pathLst>
-                </a:custGeom>
-                <a:grpFill/>
-                <a:ln w="6350">
-                  <a:solidFill>
-                    <a:schemeClr val="tx1">
-                      <a:lumMod val="50000"/>
-                      <a:lumOff val="50000"/>
-                    </a:schemeClr>
-                  </a:solidFill>
-                  <a:round/>
-                  <a:headEnd/>
-                  <a:tailEnd/>
-                </a:ln>
-              </p:spPr>
-              <p:txBody>
-                <a:bodyPr vert="horz" wrap="square" lIns="91440" tIns="45720" rIns="91440" bIns="45720" numCol="1" anchor="t" anchorCtr="0" compatLnSpc="1">
-                  <a:prstTxWarp prst="textNoShape">
-                    <a:avLst/>
-                  </a:prstTxWarp>
-                </a:bodyPr>
-                <a:lstStyle/>
-                <a:p>
-                  <a:endParaRPr lang="ko-KR" altLang="en-US">
-                    <a:solidFill>
-                      <a:prstClr val="black"/>
-                    </a:solidFill>
-                  </a:endParaRPr>
-                </a:p>
-              </p:txBody>
-            </p:sp>
-            <p:sp>
-              <p:nvSpPr>
-                <p:cNvPr id="57" name="Freeform 14"/>
-                <p:cNvSpPr>
-                  <a:spLocks/>
-                </p:cNvSpPr>
-                <p:nvPr/>
-              </p:nvSpPr>
-              <p:spPr bwMode="auto">
-                <a:xfrm>
-                  <a:off x="2015" y="2759"/>
-                  <a:ext cx="841" cy="394"/>
-                </a:xfrm>
-                <a:custGeom>
-                  <a:avLst/>
-                  <a:gdLst>
-                    <a:gd name="T0" fmla="*/ 2505 w 2522"/>
-                    <a:gd name="T1" fmla="*/ 978 h 1181"/>
-                    <a:gd name="T2" fmla="*/ 2162 w 2522"/>
-                    <a:gd name="T3" fmla="*/ 694 h 1181"/>
-                    <a:gd name="T4" fmla="*/ 2162 w 2522"/>
-                    <a:gd name="T5" fmla="*/ 54 h 1181"/>
-                    <a:gd name="T6" fmla="*/ 2162 w 2522"/>
-                    <a:gd name="T7" fmla="*/ 44 h 1181"/>
-                    <a:gd name="T8" fmla="*/ 2155 w 2522"/>
-                    <a:gd name="T9" fmla="*/ 26 h 1181"/>
-                    <a:gd name="T10" fmla="*/ 2149 w 2522"/>
-                    <a:gd name="T11" fmla="*/ 18 h 1181"/>
-                    <a:gd name="T12" fmla="*/ 2141 w 2522"/>
-                    <a:gd name="T13" fmla="*/ 13 h 1181"/>
-                    <a:gd name="T14" fmla="*/ 2123 w 2522"/>
-                    <a:gd name="T15" fmla="*/ 5 h 1181"/>
-                    <a:gd name="T16" fmla="*/ 2113 w 2522"/>
-                    <a:gd name="T17" fmla="*/ 5 h 1181"/>
-                    <a:gd name="T18" fmla="*/ 1812 w 2522"/>
-                    <a:gd name="T19" fmla="*/ 5 h 1181"/>
-                    <a:gd name="T20" fmla="*/ 1802 w 2522"/>
-                    <a:gd name="T21" fmla="*/ 5 h 1181"/>
-                    <a:gd name="T22" fmla="*/ 1783 w 2522"/>
-                    <a:gd name="T23" fmla="*/ 13 h 1181"/>
-                    <a:gd name="T24" fmla="*/ 1776 w 2522"/>
-                    <a:gd name="T25" fmla="*/ 18 h 1181"/>
-                    <a:gd name="T26" fmla="*/ 1770 w 2522"/>
-                    <a:gd name="T27" fmla="*/ 26 h 1181"/>
-                    <a:gd name="T28" fmla="*/ 1763 w 2522"/>
-                    <a:gd name="T29" fmla="*/ 44 h 1181"/>
-                    <a:gd name="T30" fmla="*/ 1762 w 2522"/>
-                    <a:gd name="T31" fmla="*/ 54 h 1181"/>
-                    <a:gd name="T32" fmla="*/ 1762 w 2522"/>
-                    <a:gd name="T33" fmla="*/ 360 h 1181"/>
-                    <a:gd name="T34" fmla="*/ 1380 w 2522"/>
-                    <a:gd name="T35" fmla="*/ 41 h 1181"/>
-                    <a:gd name="T36" fmla="*/ 1354 w 2522"/>
-                    <a:gd name="T37" fmla="*/ 23 h 1181"/>
-                    <a:gd name="T38" fmla="*/ 1295 w 2522"/>
-                    <a:gd name="T39" fmla="*/ 1 h 1181"/>
-                    <a:gd name="T40" fmla="*/ 1262 w 2522"/>
-                    <a:gd name="T41" fmla="*/ 0 h 1181"/>
-                    <a:gd name="T42" fmla="*/ 1227 w 2522"/>
-                    <a:gd name="T43" fmla="*/ 1 h 1181"/>
-                    <a:gd name="T44" fmla="*/ 1168 w 2522"/>
-                    <a:gd name="T45" fmla="*/ 23 h 1181"/>
-                    <a:gd name="T46" fmla="*/ 1142 w 2522"/>
-                    <a:gd name="T47" fmla="*/ 41 h 1181"/>
-                    <a:gd name="T48" fmla="*/ 17 w 2522"/>
-                    <a:gd name="T49" fmla="*/ 978 h 1181"/>
-                    <a:gd name="T50" fmla="*/ 10 w 2522"/>
-                    <a:gd name="T51" fmla="*/ 985 h 1181"/>
-                    <a:gd name="T52" fmla="*/ 1 w 2522"/>
-                    <a:gd name="T53" fmla="*/ 1001 h 1181"/>
-                    <a:gd name="T54" fmla="*/ 0 w 2522"/>
-                    <a:gd name="T55" fmla="*/ 1012 h 1181"/>
-                    <a:gd name="T56" fmla="*/ 0 w 2522"/>
-                    <a:gd name="T57" fmla="*/ 1023 h 1181"/>
-                    <a:gd name="T58" fmla="*/ 6 w 2522"/>
-                    <a:gd name="T59" fmla="*/ 1040 h 1181"/>
-                    <a:gd name="T60" fmla="*/ 12 w 2522"/>
-                    <a:gd name="T61" fmla="*/ 1048 h 1181"/>
-                    <a:gd name="T62" fmla="*/ 108 w 2522"/>
-                    <a:gd name="T63" fmla="*/ 1164 h 1181"/>
-                    <a:gd name="T64" fmla="*/ 122 w 2522"/>
-                    <a:gd name="T65" fmla="*/ 1177 h 1181"/>
-                    <a:gd name="T66" fmla="*/ 141 w 2522"/>
-                    <a:gd name="T67" fmla="*/ 1181 h 1181"/>
-                    <a:gd name="T68" fmla="*/ 160 w 2522"/>
-                    <a:gd name="T69" fmla="*/ 1181 h 1181"/>
-                    <a:gd name="T70" fmla="*/ 179 w 2522"/>
-                    <a:gd name="T71" fmla="*/ 1171 h 1181"/>
-                    <a:gd name="T72" fmla="*/ 1262 w 2522"/>
-                    <a:gd name="T73" fmla="*/ 268 h 1181"/>
-                    <a:gd name="T74" fmla="*/ 2344 w 2522"/>
-                    <a:gd name="T75" fmla="*/ 1171 h 1181"/>
-                    <a:gd name="T76" fmla="*/ 2358 w 2522"/>
-                    <a:gd name="T77" fmla="*/ 1180 h 1181"/>
-                    <a:gd name="T78" fmla="*/ 2377 w 2522"/>
-                    <a:gd name="T79" fmla="*/ 1181 h 1181"/>
-                    <a:gd name="T80" fmla="*/ 2383 w 2522"/>
-                    <a:gd name="T81" fmla="*/ 1181 h 1181"/>
-                    <a:gd name="T82" fmla="*/ 2401 w 2522"/>
-                    <a:gd name="T83" fmla="*/ 1177 h 1181"/>
-                    <a:gd name="T84" fmla="*/ 2414 w 2522"/>
-                    <a:gd name="T85" fmla="*/ 1164 h 1181"/>
-                    <a:gd name="T86" fmla="*/ 2512 w 2522"/>
-                    <a:gd name="T87" fmla="*/ 1048 h 1181"/>
-                    <a:gd name="T88" fmla="*/ 2518 w 2522"/>
-                    <a:gd name="T89" fmla="*/ 1040 h 1181"/>
-                    <a:gd name="T90" fmla="*/ 2522 w 2522"/>
-                    <a:gd name="T91" fmla="*/ 1023 h 1181"/>
-                    <a:gd name="T92" fmla="*/ 2522 w 2522"/>
-                    <a:gd name="T93" fmla="*/ 1012 h 1181"/>
-                    <a:gd name="T94" fmla="*/ 2521 w 2522"/>
-                    <a:gd name="T95" fmla="*/ 1001 h 1181"/>
-                    <a:gd name="T96" fmla="*/ 2512 w 2522"/>
-                    <a:gd name="T97" fmla="*/ 985 h 1181"/>
-                    <a:gd name="T98" fmla="*/ 2505 w 2522"/>
-                    <a:gd name="T99" fmla="*/ 978 h 1181"/>
-                  </a:gdLst>
-                  <a:ahLst/>
-                  <a:cxnLst>
-                    <a:cxn ang="0">
-                      <a:pos x="T0" y="T1"/>
-                    </a:cxn>
-                    <a:cxn ang="0">
-                      <a:pos x="T2" y="T3"/>
-                    </a:cxn>
-                    <a:cxn ang="0">
-                      <a:pos x="T4" y="T5"/>
-                    </a:cxn>
-                    <a:cxn ang="0">
-                      <a:pos x="T6" y="T7"/>
-                    </a:cxn>
-                    <a:cxn ang="0">
-                      <a:pos x="T8" y="T9"/>
-                    </a:cxn>
-                    <a:cxn ang="0">
-                      <a:pos x="T10" y="T11"/>
-                    </a:cxn>
-                    <a:cxn ang="0">
-                      <a:pos x="T12" y="T13"/>
-                    </a:cxn>
-                    <a:cxn ang="0">
-                      <a:pos x="T14" y="T15"/>
-                    </a:cxn>
-                    <a:cxn ang="0">
-                      <a:pos x="T16" y="T17"/>
-                    </a:cxn>
-                    <a:cxn ang="0">
-                      <a:pos x="T18" y="T19"/>
-                    </a:cxn>
-                    <a:cxn ang="0">
-                      <a:pos x="T20" y="T21"/>
-                    </a:cxn>
-                    <a:cxn ang="0">
-                      <a:pos x="T22" y="T23"/>
-                    </a:cxn>
-                    <a:cxn ang="0">
-                      <a:pos x="T24" y="T25"/>
-                    </a:cxn>
-                    <a:cxn ang="0">
-                      <a:pos x="T26" y="T27"/>
-                    </a:cxn>
-                    <a:cxn ang="0">
-                      <a:pos x="T28" y="T29"/>
-                    </a:cxn>
-                    <a:cxn ang="0">
-                      <a:pos x="T30" y="T31"/>
-                    </a:cxn>
-                    <a:cxn ang="0">
-                      <a:pos x="T32" y="T33"/>
-                    </a:cxn>
-                    <a:cxn ang="0">
-                      <a:pos x="T34" y="T35"/>
-                    </a:cxn>
-                    <a:cxn ang="0">
-                      <a:pos x="T36" y="T37"/>
-                    </a:cxn>
-                    <a:cxn ang="0">
-                      <a:pos x="T38" y="T39"/>
-                    </a:cxn>
-                    <a:cxn ang="0">
-                      <a:pos x="T40" y="T41"/>
-                    </a:cxn>
-                    <a:cxn ang="0">
-                      <a:pos x="T42" y="T43"/>
-                    </a:cxn>
-                    <a:cxn ang="0">
-                      <a:pos x="T44" y="T45"/>
-                    </a:cxn>
-                    <a:cxn ang="0">
-                      <a:pos x="T46" y="T47"/>
-                    </a:cxn>
-                    <a:cxn ang="0">
-                      <a:pos x="T48" y="T49"/>
-                    </a:cxn>
-                    <a:cxn ang="0">
-                      <a:pos x="T50" y="T51"/>
-                    </a:cxn>
-                    <a:cxn ang="0">
-                      <a:pos x="T52" y="T53"/>
-                    </a:cxn>
-                    <a:cxn ang="0">
-                      <a:pos x="T54" y="T55"/>
-                    </a:cxn>
-                    <a:cxn ang="0">
-                      <a:pos x="T56" y="T57"/>
-                    </a:cxn>
-                    <a:cxn ang="0">
-                      <a:pos x="T58" y="T59"/>
-                    </a:cxn>
-                    <a:cxn ang="0">
-                      <a:pos x="T60" y="T61"/>
-                    </a:cxn>
-                    <a:cxn ang="0">
-                      <a:pos x="T62" y="T63"/>
-                    </a:cxn>
-                    <a:cxn ang="0">
-                      <a:pos x="T64" y="T65"/>
-                    </a:cxn>
-                    <a:cxn ang="0">
-                      <a:pos x="T66" y="T67"/>
-                    </a:cxn>
-                    <a:cxn ang="0">
-                      <a:pos x="T68" y="T69"/>
-                    </a:cxn>
-                    <a:cxn ang="0">
-                      <a:pos x="T70" y="T71"/>
-                    </a:cxn>
-                    <a:cxn ang="0">
-                      <a:pos x="T72" y="T73"/>
-                    </a:cxn>
-                    <a:cxn ang="0">
-                      <a:pos x="T74" y="T75"/>
-                    </a:cxn>
-                    <a:cxn ang="0">
-                      <a:pos x="T76" y="T77"/>
-                    </a:cxn>
-                    <a:cxn ang="0">
-                      <a:pos x="T78" y="T79"/>
-                    </a:cxn>
-                    <a:cxn ang="0">
-                      <a:pos x="T80" y="T81"/>
-                    </a:cxn>
-                    <a:cxn ang="0">
-                      <a:pos x="T82" y="T83"/>
-                    </a:cxn>
-                    <a:cxn ang="0">
-                      <a:pos x="T84" y="T85"/>
-                    </a:cxn>
-                    <a:cxn ang="0">
-                      <a:pos x="T86" y="T87"/>
-                    </a:cxn>
-                    <a:cxn ang="0">
-                      <a:pos x="T88" y="T89"/>
-                    </a:cxn>
-                    <a:cxn ang="0">
-                      <a:pos x="T90" y="T91"/>
-                    </a:cxn>
-                    <a:cxn ang="0">
-                      <a:pos x="T92" y="T93"/>
-                    </a:cxn>
-                    <a:cxn ang="0">
-                      <a:pos x="T94" y="T95"/>
-                    </a:cxn>
-                    <a:cxn ang="0">
-                      <a:pos x="T96" y="T97"/>
-                    </a:cxn>
-                    <a:cxn ang="0">
-                      <a:pos x="T98" y="T99"/>
-                    </a:cxn>
-                  </a:cxnLst>
-                  <a:rect l="0" t="0" r="r" b="b"/>
-                  <a:pathLst>
-                    <a:path w="2522" h="1181">
-                      <a:moveTo>
-                        <a:pt x="2505" y="978"/>
-                      </a:moveTo>
-                      <a:lnTo>
-                        <a:pt x="2162" y="694"/>
-                      </a:lnTo>
-                      <a:lnTo>
-                        <a:pt x="2162" y="54"/>
-                      </a:lnTo>
-                      <a:lnTo>
-                        <a:pt x="2162" y="44"/>
-                      </a:lnTo>
-                      <a:lnTo>
-                        <a:pt x="2155" y="26"/>
-                      </a:lnTo>
-                      <a:lnTo>
-                        <a:pt x="2149" y="18"/>
-                      </a:lnTo>
-                      <a:lnTo>
-                        <a:pt x="2141" y="13"/>
-                      </a:lnTo>
-                      <a:lnTo>
-                        <a:pt x="2123" y="5"/>
-                      </a:lnTo>
-                      <a:lnTo>
-                        <a:pt x="2113" y="5"/>
-                      </a:lnTo>
-                      <a:lnTo>
-                        <a:pt x="1812" y="5"/>
-                      </a:lnTo>
-                      <a:lnTo>
-                        <a:pt x="1802" y="5"/>
-                      </a:lnTo>
-                      <a:lnTo>
-                        <a:pt x="1783" y="13"/>
-                      </a:lnTo>
-                      <a:lnTo>
-                        <a:pt x="1776" y="18"/>
-                      </a:lnTo>
-                      <a:lnTo>
-                        <a:pt x="1770" y="26"/>
-                      </a:lnTo>
-                      <a:lnTo>
-                        <a:pt x="1763" y="44"/>
-                      </a:lnTo>
-                      <a:lnTo>
-                        <a:pt x="1762" y="54"/>
-                      </a:lnTo>
-                      <a:lnTo>
-                        <a:pt x="1762" y="360"/>
-                      </a:lnTo>
-                      <a:lnTo>
-                        <a:pt x="1380" y="41"/>
-                      </a:lnTo>
-                      <a:lnTo>
-                        <a:pt x="1354" y="23"/>
-                      </a:lnTo>
-                      <a:lnTo>
-                        <a:pt x="1295" y="1"/>
-                      </a:lnTo>
-                      <a:lnTo>
-                        <a:pt x="1262" y="0"/>
-                      </a:lnTo>
-                      <a:lnTo>
-                        <a:pt x="1227" y="1"/>
-                      </a:lnTo>
-                      <a:lnTo>
-                        <a:pt x="1168" y="23"/>
-                      </a:lnTo>
-                      <a:lnTo>
-                        <a:pt x="1142" y="41"/>
-                      </a:lnTo>
-                      <a:lnTo>
-                        <a:pt x="17" y="978"/>
-                      </a:lnTo>
-                      <a:lnTo>
-                        <a:pt x="10" y="985"/>
-                      </a:lnTo>
-                      <a:lnTo>
-                        <a:pt x="1" y="1001"/>
-                      </a:lnTo>
-                      <a:lnTo>
-                        <a:pt x="0" y="1012"/>
-                      </a:lnTo>
-                      <a:lnTo>
-                        <a:pt x="0" y="1023"/>
-                      </a:lnTo>
-                      <a:lnTo>
-                        <a:pt x="6" y="1040"/>
-                      </a:lnTo>
-                      <a:lnTo>
-                        <a:pt x="12" y="1048"/>
-                      </a:lnTo>
-                      <a:lnTo>
-                        <a:pt x="108" y="1164"/>
-                      </a:lnTo>
-                      <a:lnTo>
-                        <a:pt x="122" y="1177"/>
-                      </a:lnTo>
-                      <a:lnTo>
-                        <a:pt x="141" y="1181"/>
-                      </a:lnTo>
-                      <a:lnTo>
-                        <a:pt x="160" y="1181"/>
-                      </a:lnTo>
-                      <a:lnTo>
-                        <a:pt x="179" y="1171"/>
-                      </a:lnTo>
-                      <a:lnTo>
-                        <a:pt x="1262" y="268"/>
-                      </a:lnTo>
-                      <a:lnTo>
-                        <a:pt x="2344" y="1171"/>
-                      </a:lnTo>
-                      <a:lnTo>
-                        <a:pt x="2358" y="1180"/>
-                      </a:lnTo>
-                      <a:lnTo>
-                        <a:pt x="2377" y="1181"/>
-                      </a:lnTo>
-                      <a:lnTo>
-                        <a:pt x="2383" y="1181"/>
-                      </a:lnTo>
-                      <a:lnTo>
-                        <a:pt x="2401" y="1177"/>
-                      </a:lnTo>
-                      <a:lnTo>
-                        <a:pt x="2414" y="1164"/>
-                      </a:lnTo>
-                      <a:lnTo>
-                        <a:pt x="2512" y="1048"/>
-                      </a:lnTo>
-                      <a:lnTo>
-                        <a:pt x="2518" y="1040"/>
-                      </a:lnTo>
-                      <a:lnTo>
-                        <a:pt x="2522" y="1023"/>
-                      </a:lnTo>
-                      <a:lnTo>
-                        <a:pt x="2522" y="1012"/>
-                      </a:lnTo>
-                      <a:lnTo>
-                        <a:pt x="2521" y="1001"/>
-                      </a:lnTo>
-                      <a:lnTo>
-                        <a:pt x="2512" y="985"/>
-                      </a:lnTo>
-                      <a:lnTo>
-                        <a:pt x="2505" y="978"/>
-                      </a:lnTo>
-                      <a:close/>
-                    </a:path>
-                  </a:pathLst>
-                </a:custGeom>
-                <a:grpFill/>
-                <a:ln w="6350">
-                  <a:solidFill>
-                    <a:schemeClr val="tx1">
-                      <a:lumMod val="50000"/>
-                      <a:lumOff val="50000"/>
-                    </a:schemeClr>
-                  </a:solidFill>
-                  <a:round/>
-                  <a:headEnd/>
-                  <a:tailEnd/>
-                </a:ln>
-              </p:spPr>
-              <p:txBody>
-                <a:bodyPr vert="horz" wrap="square" lIns="91440" tIns="45720" rIns="91440" bIns="45720" numCol="1" anchor="t" anchorCtr="0" compatLnSpc="1">
-                  <a:prstTxWarp prst="textNoShape">
-                    <a:avLst/>
-                  </a:prstTxWarp>
-                </a:bodyPr>
-                <a:lstStyle/>
-                <a:p>
-                  <a:endParaRPr lang="ko-KR" altLang="en-US">
-                    <a:solidFill>
-                      <a:prstClr val="black"/>
-                    </a:solidFill>
-                  </a:endParaRPr>
-                </a:p>
-              </p:txBody>
-            </p:sp>
-          </p:grpSp>
-          <p:sp>
-            <p:nvSpPr>
-              <p:cNvPr id="59" name="포인트가 5개인 별 58"/>
-              <p:cNvSpPr/>
-              <p:nvPr/>
-            </p:nvSpPr>
-            <p:spPr>
-              <a:xfrm>
-                <a:off x="11189035" y="637971"/>
-                <a:ext cx="179348" cy="179348"/>
-              </a:xfrm>
-              <a:prstGeom prst="star5">
-                <a:avLst>
-                  <a:gd name="adj" fmla="val 20625"/>
-                  <a:gd name="hf" fmla="val 105146"/>
-                  <a:gd name="vf" fmla="val 110557"/>
-                </a:avLst>
-              </a:prstGeom>
-              <a:solidFill>
-                <a:schemeClr val="bg1"/>
-              </a:solidFill>
-              <a:ln w="6350">
-                <a:solidFill>
-                  <a:schemeClr val="tx1">
-                    <a:lumMod val="50000"/>
-                    <a:lumOff val="50000"/>
-                  </a:schemeClr>
-                </a:solidFill>
-              </a:ln>
-            </p:spPr>
-            <p:style>
-              <a:lnRef idx="2">
-                <a:schemeClr val="accent1">
-                  <a:shade val="50000"/>
-                </a:schemeClr>
-              </a:lnRef>
-              <a:fillRef idx="1">
-                <a:schemeClr val="accent1"/>
-              </a:fillRef>
-              <a:effectRef idx="0">
-                <a:schemeClr val="accent1"/>
-              </a:effectRef>
-              <a:fontRef idx="minor">
-                <a:schemeClr val="lt1"/>
-              </a:fontRef>
-            </p:style>
-            <p:txBody>
-              <a:bodyPr rtlCol="0" anchor="ctr"/>
-              <a:lstStyle/>
-              <a:p>
-                <a:pPr algn="ctr"/>
-                <a:endParaRPr lang="ko-KR" altLang="en-US">
-                  <a:solidFill>
-                    <a:prstClr val="white"/>
-                  </a:solidFill>
-                </a:endParaRPr>
-              </a:p>
-            </p:txBody>
-          </p:sp>
-        </p:grpSp>
-        <p:sp>
-          <p:nvSpPr>
-            <p:cNvPr id="63" name="덧셈 기호 62"/>
-            <p:cNvSpPr/>
-            <p:nvPr/>
-          </p:nvSpPr>
-          <p:spPr>
-            <a:xfrm rot="18900000">
-              <a:off x="9643221" y="617053"/>
-              <a:ext cx="180000" cy="180000"/>
-            </a:xfrm>
-            <a:prstGeom prst="mathPlus">
-              <a:avLst>
-                <a:gd name="adj1" fmla="val 8552"/>
-              </a:avLst>
-            </a:prstGeom>
-            <a:solidFill>
-              <a:schemeClr val="tx1">
-                <a:lumMod val="50000"/>
-                <a:lumOff val="50000"/>
-              </a:schemeClr>
-            </a:solidFill>
-            <a:ln>
-              <a:noFill/>
-            </a:ln>
-          </p:spPr>
-          <p:style>
-            <a:lnRef idx="2">
-              <a:schemeClr val="accent1">
-                <a:shade val="50000"/>
-              </a:schemeClr>
-            </a:lnRef>
-            <a:fillRef idx="1">
-              <a:schemeClr val="accent1"/>
-            </a:fillRef>
-            <a:effectRef idx="0">
-              <a:schemeClr val="accent1"/>
-            </a:effectRef>
-            <a:fontRef idx="minor">
-              <a:schemeClr val="lt1"/>
-            </a:fontRef>
-          </p:style>
-          <p:txBody>
-            <a:bodyPr rtlCol="0" anchor="ctr"/>
-            <a:lstStyle/>
-            <a:p>
-              <a:pPr algn="ctr"/>
-              <a:endParaRPr lang="ko-KR" altLang="en-US">
-                <a:solidFill>
-                  <a:prstClr val="white"/>
-                </a:solidFill>
-              </a:endParaRPr>
-            </a:p>
-          </p:txBody>
-        </p:sp>
-      </p:grpSp>
-      <p:sp>
-        <p:nvSpPr>
-          <p:cNvPr id="6" name="직사각형 5"/>
-          <p:cNvSpPr/>
-          <p:nvPr/>
-        </p:nvSpPr>
-        <p:spPr>
-          <a:xfrm>
-            <a:off x="1132845" y="489669"/>
-            <a:ext cx="6824663" cy="323850"/>
-          </a:xfrm>
-          <a:prstGeom prst="rect">
-            <a:avLst/>
-          </a:prstGeom>
-          <a:solidFill>
-            <a:srgbClr val="EBF3FA"/>
-          </a:solidFill>
-          <a:ln w="6350">
-            <a:solidFill>
-              <a:schemeClr val="tx1"/>
-            </a:solidFill>
-          </a:ln>
-        </p:spPr>
-        <p:style>
-          <a:lnRef idx="2">
-            <a:schemeClr val="accent1">
-              <a:shade val="50000"/>
-            </a:schemeClr>
-          </a:lnRef>
-          <a:fillRef idx="1">
-            <a:schemeClr val="accent1"/>
-          </a:fillRef>
-          <a:effectRef idx="0">
-            <a:schemeClr val="accent1"/>
-          </a:effectRef>
-          <a:fontRef idx="minor">
-            <a:schemeClr val="lt1"/>
-          </a:fontRef>
-        </p:style>
-        <p:txBody>
-          <a:bodyPr rtlCol="0" anchor="ctr"/>
-          <a:lstStyle/>
-          <a:p>
-            <a:pPr lvl="1" latinLnBrk="0">
-              <a:defRPr/>
-            </a:pPr>
-            <a:r>
-              <a:rPr lang="en-US" altLang="ko-KR" b="1" i="1" kern="0" dirty="0">
-                <a:solidFill>
-                  <a:prstClr val="black">
-                    <a:lumMod val="50000"/>
-                    <a:lumOff val="50000"/>
-                  </a:prstClr>
-                </a:solidFill>
-              </a:rPr>
-              <a:t>2DGP</a:t>
-            </a:r>
-            <a:endParaRPr lang="ko-KR" altLang="en-US" sz="4000" kern="0" dirty="0">
-              <a:solidFill>
-                <a:prstClr val="black">
-                  <a:lumMod val="50000"/>
-                  <a:lumOff val="50000"/>
-                </a:prstClr>
-              </a:solidFill>
-            </a:endParaRPr>
-          </a:p>
-        </p:txBody>
-      </p:sp>
-      <p:grpSp>
-        <p:nvGrpSpPr>
-          <p:cNvPr id="29" name="그룹 28"/>
-          <p:cNvGrpSpPr/>
-          <p:nvPr/>
-        </p:nvGrpSpPr>
-        <p:grpSpPr>
-          <a:xfrm>
-            <a:off x="6934019" y="565763"/>
-            <a:ext cx="932285" cy="180000"/>
-            <a:chOff x="6934019" y="667237"/>
-            <a:chExt cx="932285" cy="180000"/>
-          </a:xfrm>
-        </p:grpSpPr>
-        <p:sp>
-          <p:nvSpPr>
-            <p:cNvPr id="24" name="자유형 10">
-              <a:extLst>
-                <a:ext uri="{FF2B5EF4-FFF2-40B4-BE49-F238E27FC236}">
-                  <a16:creationId xmlns:a16="http://schemas.microsoft.com/office/drawing/2014/main" id="{081E68D0-4833-4797-B459-B55FFECDFF38}"/>
-                </a:ext>
-              </a:extLst>
-            </p:cNvPr>
-            <p:cNvSpPr/>
-            <p:nvPr/>
-          </p:nvSpPr>
-          <p:spPr>
-            <a:xfrm>
-              <a:off x="6934019" y="681248"/>
-              <a:ext cx="167797" cy="165121"/>
-            </a:xfrm>
-            <a:custGeom>
-              <a:avLst/>
-              <a:gdLst>
-                <a:gd name="connsiteX0" fmla="*/ 128587 w 337165"/>
-                <a:gd name="connsiteY0" fmla="*/ 35720 h 331788"/>
-                <a:gd name="connsiteX1" fmla="*/ 35719 w 337165"/>
-                <a:gd name="connsiteY1" fmla="*/ 128588 h 331788"/>
-                <a:gd name="connsiteX2" fmla="*/ 128587 w 337165"/>
-                <a:gd name="connsiteY2" fmla="*/ 221456 h 331788"/>
-                <a:gd name="connsiteX3" fmla="*/ 221455 w 337165"/>
-                <a:gd name="connsiteY3" fmla="*/ 128588 h 331788"/>
-                <a:gd name="connsiteX4" fmla="*/ 128587 w 337165"/>
-                <a:gd name="connsiteY4" fmla="*/ 35720 h 331788"/>
-                <a:gd name="connsiteX5" fmla="*/ 128588 w 337165"/>
-                <a:gd name="connsiteY5" fmla="*/ 0 h 331788"/>
-                <a:gd name="connsiteX6" fmla="*/ 257176 w 337165"/>
-                <a:gd name="connsiteY6" fmla="*/ 128588 h 331788"/>
-                <a:gd name="connsiteX7" fmla="*/ 247071 w 337165"/>
-                <a:gd name="connsiteY7" fmla="*/ 178640 h 331788"/>
-                <a:gd name="connsiteX8" fmla="*/ 234445 w 337165"/>
-                <a:gd name="connsiteY8" fmla="*/ 197368 h 331788"/>
-                <a:gd name="connsiteX9" fmla="*/ 235519 w 337165"/>
-                <a:gd name="connsiteY9" fmla="*/ 197813 h 331788"/>
-                <a:gd name="connsiteX10" fmla="*/ 330470 w 337165"/>
-                <a:gd name="connsiteY10" fmla="*/ 292765 h 331788"/>
-                <a:gd name="connsiteX11" fmla="*/ 330470 w 337165"/>
-                <a:gd name="connsiteY11" fmla="*/ 325094 h 331788"/>
-                <a:gd name="connsiteX12" fmla="*/ 330470 w 337165"/>
-                <a:gd name="connsiteY12" fmla="*/ 325092 h 331788"/>
-                <a:gd name="connsiteX13" fmla="*/ 298141 w 337165"/>
-                <a:gd name="connsiteY13" fmla="*/ 325092 h 331788"/>
-                <a:gd name="connsiteX14" fmla="*/ 203415 w 337165"/>
-                <a:gd name="connsiteY14" fmla="*/ 230367 h 331788"/>
-                <a:gd name="connsiteX15" fmla="*/ 178640 w 337165"/>
-                <a:gd name="connsiteY15" fmla="*/ 247071 h 331788"/>
-                <a:gd name="connsiteX16" fmla="*/ 128588 w 337165"/>
-                <a:gd name="connsiteY16" fmla="*/ 257176 h 331788"/>
-                <a:gd name="connsiteX17" fmla="*/ 0 w 337165"/>
-                <a:gd name="connsiteY17" fmla="*/ 128588 h 331788"/>
-                <a:gd name="connsiteX18" fmla="*/ 128588 w 337165"/>
-                <a:gd name="connsiteY18" fmla="*/ 0 h 331788"/>
-              </a:gdLst>
-              <a:ahLst/>
-              <a:cxnLst>
-                <a:cxn ang="0">
-                  <a:pos x="connsiteX0" y="connsiteY0"/>
-                </a:cxn>
-                <a:cxn ang="0">
-                  <a:pos x="connsiteX1" y="connsiteY1"/>
-                </a:cxn>
-                <a:cxn ang="0">
-                  <a:pos x="connsiteX2" y="connsiteY2"/>
-                </a:cxn>
-                <a:cxn ang="0">
-                  <a:pos x="connsiteX3" y="connsiteY3"/>
-                </a:cxn>
-                <a:cxn ang="0">
-                  <a:pos x="connsiteX4" y="connsiteY4"/>
-                </a:cxn>
-                <a:cxn ang="0">
-                  <a:pos x="connsiteX5" y="connsiteY5"/>
-                </a:cxn>
-                <a:cxn ang="0">
-                  <a:pos x="connsiteX6" y="connsiteY6"/>
-                </a:cxn>
-                <a:cxn ang="0">
-                  <a:pos x="connsiteX7" y="connsiteY7"/>
-                </a:cxn>
-                <a:cxn ang="0">
-                  <a:pos x="connsiteX8" y="connsiteY8"/>
-                </a:cxn>
-                <a:cxn ang="0">
-                  <a:pos x="connsiteX9" y="connsiteY9"/>
-                </a:cxn>
-                <a:cxn ang="0">
-                  <a:pos x="connsiteX10" y="connsiteY10"/>
-                </a:cxn>
-                <a:cxn ang="0">
-                  <a:pos x="connsiteX11" y="connsiteY11"/>
-                </a:cxn>
-                <a:cxn ang="0">
-                  <a:pos x="connsiteX12" y="connsiteY12"/>
-                </a:cxn>
-                <a:cxn ang="0">
-                  <a:pos x="connsiteX13" y="connsiteY13"/>
-                </a:cxn>
-                <a:cxn ang="0">
-                  <a:pos x="connsiteX14" y="connsiteY14"/>
-                </a:cxn>
-                <a:cxn ang="0">
-                  <a:pos x="connsiteX15" y="connsiteY15"/>
-                </a:cxn>
-                <a:cxn ang="0">
-                  <a:pos x="connsiteX16" y="connsiteY16"/>
-                </a:cxn>
-                <a:cxn ang="0">
-                  <a:pos x="connsiteX17" y="connsiteY17"/>
-                </a:cxn>
-                <a:cxn ang="0">
-                  <a:pos x="connsiteX18" y="connsiteY18"/>
-                </a:cxn>
-              </a:cxnLst>
-              <a:rect l="l" t="t" r="r" b="b"/>
-              <a:pathLst>
-                <a:path w="337165" h="331788">
-                  <a:moveTo>
-                    <a:pt x="128587" y="35720"/>
-                  </a:moveTo>
-                  <a:cubicBezTo>
-                    <a:pt x="77297" y="35720"/>
-                    <a:pt x="35719" y="77298"/>
-                    <a:pt x="35719" y="128588"/>
-                  </a:cubicBezTo>
-                  <a:cubicBezTo>
-                    <a:pt x="35719" y="179878"/>
-                    <a:pt x="77297" y="221456"/>
-                    <a:pt x="128587" y="221456"/>
-                  </a:cubicBezTo>
-                  <a:cubicBezTo>
-                    <a:pt x="179877" y="221456"/>
-                    <a:pt x="221455" y="179878"/>
-                    <a:pt x="221455" y="128588"/>
-                  </a:cubicBezTo>
-                  <a:cubicBezTo>
-                    <a:pt x="221455" y="77298"/>
-                    <a:pt x="179877" y="35720"/>
-                    <a:pt x="128587" y="35720"/>
-                  </a:cubicBezTo>
-                  <a:close/>
-                  <a:moveTo>
-                    <a:pt x="128588" y="0"/>
-                  </a:moveTo>
-                  <a:cubicBezTo>
-                    <a:pt x="199605" y="0"/>
-                    <a:pt x="257176" y="57571"/>
-                    <a:pt x="257176" y="128588"/>
-                  </a:cubicBezTo>
-                  <a:cubicBezTo>
-                    <a:pt x="257176" y="146342"/>
-                    <a:pt x="253578" y="163256"/>
-                    <a:pt x="247071" y="178640"/>
-                  </a:cubicBezTo>
-                  <a:lnTo>
-                    <a:pt x="234445" y="197368"/>
-                  </a:lnTo>
-                  <a:lnTo>
-                    <a:pt x="235519" y="197813"/>
-                  </a:lnTo>
-                  <a:cubicBezTo>
-                    <a:pt x="267170" y="229463"/>
-                    <a:pt x="298820" y="261115"/>
-                    <a:pt x="330470" y="292765"/>
-                  </a:cubicBezTo>
-                  <a:cubicBezTo>
-                    <a:pt x="339397" y="301692"/>
-                    <a:pt x="339397" y="316167"/>
-                    <a:pt x="330470" y="325094"/>
-                  </a:cubicBezTo>
-                  <a:lnTo>
-                    <a:pt x="330470" y="325092"/>
-                  </a:lnTo>
-                  <a:cubicBezTo>
-                    <a:pt x="321542" y="334020"/>
-                    <a:pt x="307068" y="334020"/>
-                    <a:pt x="298141" y="325092"/>
-                  </a:cubicBezTo>
-                  <a:lnTo>
-                    <a:pt x="203415" y="230367"/>
-                  </a:lnTo>
-                  <a:lnTo>
-                    <a:pt x="178640" y="247071"/>
-                  </a:lnTo>
-                  <a:cubicBezTo>
-                    <a:pt x="163256" y="253578"/>
-                    <a:pt x="146343" y="257176"/>
-                    <a:pt x="128588" y="257176"/>
-                  </a:cubicBezTo>
-                  <a:cubicBezTo>
-                    <a:pt x="57571" y="257176"/>
-                    <a:pt x="0" y="199605"/>
-                    <a:pt x="0" y="128588"/>
-                  </a:cubicBezTo>
-                  <a:cubicBezTo>
-                    <a:pt x="0" y="57571"/>
-                    <a:pt x="57571" y="0"/>
-                    <a:pt x="128588" y="0"/>
-                  </a:cubicBezTo>
-                  <a:close/>
-                </a:path>
-              </a:pathLst>
-            </a:custGeom>
-            <a:solidFill>
-              <a:schemeClr val="tx1">
-                <a:lumMod val="50000"/>
-                <a:lumOff val="50000"/>
-              </a:schemeClr>
-            </a:solidFill>
-            <a:ln>
-              <a:noFill/>
-            </a:ln>
-            <a:effectLst/>
-          </p:spPr>
-          <p:style>
-            <a:lnRef idx="2">
-              <a:schemeClr val="accent1">
-                <a:shade val="50000"/>
-              </a:schemeClr>
-            </a:lnRef>
-            <a:fillRef idx="1">
-              <a:schemeClr val="accent1"/>
-            </a:fillRef>
-            <a:effectRef idx="0">
-              <a:schemeClr val="accent1"/>
-            </a:effectRef>
-            <a:fontRef idx="minor">
-              <a:schemeClr val="lt1"/>
-            </a:fontRef>
-          </p:style>
-          <p:txBody>
-            <a:bodyPr rtlCol="0" anchor="ctr"/>
-            <a:lstStyle/>
-            <a:p>
-              <a:pPr algn="ctr"/>
-              <a:endParaRPr lang="ko-KR" altLang="en-US">
-                <a:solidFill>
-                  <a:prstClr val="black"/>
-                </a:solidFill>
-              </a:endParaRPr>
-            </a:p>
-          </p:txBody>
-        </p:sp>
-        <p:sp>
-          <p:nvSpPr>
-            <p:cNvPr id="25" name="이등변 삼각형 24"/>
-            <p:cNvSpPr/>
-            <p:nvPr/>
-          </p:nvSpPr>
-          <p:spPr>
-            <a:xfrm rot="10800000">
-              <a:off x="7238999" y="719767"/>
-              <a:ext cx="104556" cy="60369"/>
-            </a:xfrm>
-            <a:prstGeom prst="triangle">
-              <a:avLst/>
-            </a:prstGeom>
-            <a:solidFill>
-              <a:schemeClr val="tx1">
-                <a:lumMod val="50000"/>
-                <a:lumOff val="50000"/>
-              </a:schemeClr>
-            </a:solidFill>
-            <a:ln>
-              <a:noFill/>
-            </a:ln>
-          </p:spPr>
-          <p:style>
-            <a:lnRef idx="2">
-              <a:schemeClr val="accent1">
-                <a:shade val="50000"/>
-              </a:schemeClr>
-            </a:lnRef>
-            <a:fillRef idx="1">
-              <a:schemeClr val="accent1"/>
-            </a:fillRef>
-            <a:effectRef idx="0">
-              <a:schemeClr val="accent1"/>
-            </a:effectRef>
-            <a:fontRef idx="minor">
-              <a:schemeClr val="lt1"/>
-            </a:fontRef>
-          </p:style>
-          <p:txBody>
-            <a:bodyPr rtlCol="0" anchor="ctr"/>
-            <a:lstStyle/>
-            <a:p>
-              <a:pPr algn="ctr"/>
-              <a:endParaRPr lang="ko-KR" altLang="en-US">
-                <a:solidFill>
-                  <a:prstClr val="white"/>
-                </a:solidFill>
-              </a:endParaRPr>
-            </a:p>
-          </p:txBody>
-        </p:sp>
-        <p:sp>
-          <p:nvSpPr>
-            <p:cNvPr id="26" name="덧셈 기호 25"/>
-            <p:cNvSpPr/>
-            <p:nvPr/>
-          </p:nvSpPr>
-          <p:spPr>
-            <a:xfrm rot="18900000">
-              <a:off x="7686304" y="667237"/>
-              <a:ext cx="180000" cy="180000"/>
-            </a:xfrm>
-            <a:prstGeom prst="mathPlus">
-              <a:avLst>
-                <a:gd name="adj1" fmla="val 8552"/>
-              </a:avLst>
-            </a:prstGeom>
-            <a:solidFill>
-              <a:schemeClr val="tx1">
-                <a:lumMod val="50000"/>
-                <a:lumOff val="50000"/>
-              </a:schemeClr>
-            </a:solidFill>
-            <a:ln>
-              <a:noFill/>
-            </a:ln>
-          </p:spPr>
-          <p:style>
-            <a:lnRef idx="2">
-              <a:schemeClr val="accent1">
-                <a:shade val="50000"/>
-              </a:schemeClr>
-            </a:lnRef>
-            <a:fillRef idx="1">
-              <a:schemeClr val="accent1"/>
-            </a:fillRef>
-            <a:effectRef idx="0">
-              <a:schemeClr val="accent1"/>
-            </a:effectRef>
-            <a:fontRef idx="minor">
-              <a:schemeClr val="lt1"/>
-            </a:fontRef>
-          </p:style>
-          <p:txBody>
-            <a:bodyPr rtlCol="0" anchor="ctr"/>
-            <a:lstStyle/>
-            <a:p>
-              <a:pPr algn="ctr"/>
-              <a:endParaRPr lang="ko-KR" altLang="en-US">
-                <a:solidFill>
-                  <a:prstClr val="white"/>
-                </a:solidFill>
-              </a:endParaRPr>
-            </a:p>
-          </p:txBody>
-        </p:sp>
-        <p:sp>
-          <p:nvSpPr>
-            <p:cNvPr id="27" name="원호 26"/>
-            <p:cNvSpPr/>
-            <p:nvPr/>
-          </p:nvSpPr>
-          <p:spPr>
-            <a:xfrm>
-              <a:off x="7464940" y="690773"/>
-              <a:ext cx="133173" cy="133173"/>
-            </a:xfrm>
-            <a:prstGeom prst="arc">
-              <a:avLst>
-                <a:gd name="adj1" fmla="val 16200000"/>
-                <a:gd name="adj2" fmla="val 13365011"/>
-              </a:avLst>
-            </a:prstGeom>
-            <a:noFill/>
-            <a:ln w="15875">
-              <a:solidFill>
-                <a:schemeClr val="tx1">
-                  <a:lumMod val="50000"/>
-                  <a:lumOff val="50000"/>
-                </a:schemeClr>
-              </a:solidFill>
-              <a:tailEnd type="triangle" w="sm" len="sm"/>
-            </a:ln>
-          </p:spPr>
-          <p:style>
-            <a:lnRef idx="2">
-              <a:schemeClr val="accent1">
-                <a:shade val="50000"/>
-              </a:schemeClr>
-            </a:lnRef>
-            <a:fillRef idx="1">
-              <a:schemeClr val="accent1"/>
-            </a:fillRef>
-            <a:effectRef idx="0">
-              <a:schemeClr val="accent1"/>
-            </a:effectRef>
-            <a:fontRef idx="minor">
-              <a:schemeClr val="lt1"/>
-            </a:fontRef>
-          </p:style>
-          <p:txBody>
-            <a:bodyPr rtlCol="0" anchor="ctr"/>
-            <a:lstStyle/>
-            <a:p>
-              <a:pPr algn="ctr"/>
-              <a:endParaRPr lang="ko-KR" altLang="en-US">
-                <a:solidFill>
-                  <a:prstClr val="white"/>
-                </a:solidFill>
-              </a:endParaRPr>
-            </a:p>
-          </p:txBody>
-        </p:sp>
-      </p:grpSp>
-      <p:sp>
-        <p:nvSpPr>
-          <p:cNvPr id="7" name="직사각형 6"/>
-          <p:cNvSpPr/>
-          <p:nvPr/>
-        </p:nvSpPr>
-        <p:spPr>
-          <a:xfrm>
-            <a:off x="238125" y="925867"/>
-            <a:ext cx="11628000" cy="5708526"/>
-          </a:xfrm>
-          <a:prstGeom prst="rect">
-            <a:avLst/>
-          </a:prstGeom>
-          <a:solidFill>
-            <a:schemeClr val="bg1"/>
-          </a:solidFill>
-          <a:ln w="6350">
-            <a:solidFill>
-              <a:schemeClr val="bg1">
-                <a:lumMod val="85000"/>
-              </a:schemeClr>
-            </a:solidFill>
-          </a:ln>
-          <a:effectLst>
-            <a:outerShdw dist="12700" dir="16200000" rotWithShape="0">
-              <a:schemeClr val="tx1"/>
-            </a:outerShdw>
-          </a:effectLst>
-        </p:spPr>
-        <p:style>
-          <a:lnRef idx="2">
-            <a:schemeClr val="accent1">
-              <a:shade val="50000"/>
-            </a:schemeClr>
-          </a:lnRef>
-          <a:fillRef idx="1">
-            <a:schemeClr val="accent1"/>
-          </a:fillRef>
-          <a:effectRef idx="0">
-            <a:schemeClr val="accent1"/>
-          </a:effectRef>
-          <a:fontRef idx="minor">
-            <a:schemeClr val="lt1"/>
-          </a:fontRef>
-        </p:style>
-        <p:txBody>
-          <a:bodyPr rtlCol="0" anchor="ctr"/>
-          <a:lstStyle/>
-          <a:p>
-            <a:pPr algn="ctr"/>
-            <a:endParaRPr lang="ko-KR" altLang="en-US" dirty="0">
-              <a:solidFill>
-                <a:prstClr val="white"/>
-              </a:solidFill>
-            </a:endParaRPr>
-          </a:p>
-        </p:txBody>
-      </p:sp>
-      <p:sp>
-        <p:nvSpPr>
-          <p:cNvPr id="61" name="직사각형 60"/>
-          <p:cNvSpPr/>
-          <p:nvPr/>
-        </p:nvSpPr>
-        <p:spPr>
-          <a:xfrm>
-            <a:off x="11715749" y="901067"/>
-            <a:ext cx="175201" cy="5699758"/>
-          </a:xfrm>
-          <a:prstGeom prst="rect">
-            <a:avLst/>
-          </a:prstGeom>
-          <a:solidFill>
-            <a:schemeClr val="bg1">
-              <a:lumMod val="95000"/>
-            </a:schemeClr>
-          </a:solidFill>
-          <a:ln w="6350">
-            <a:solidFill>
-              <a:schemeClr val="bg1">
-                <a:lumMod val="85000"/>
-              </a:schemeClr>
-            </a:solidFill>
-          </a:ln>
-        </p:spPr>
-        <p:style>
-          <a:lnRef idx="2">
-            <a:schemeClr val="accent1">
-              <a:shade val="50000"/>
-            </a:schemeClr>
-          </a:lnRef>
-          <a:fillRef idx="1">
-            <a:schemeClr val="accent1"/>
-          </a:fillRef>
-          <a:effectRef idx="0">
-            <a:schemeClr val="accent1"/>
-          </a:effectRef>
-          <a:fontRef idx="minor">
-            <a:schemeClr val="lt1"/>
-          </a:fontRef>
-        </p:style>
-        <p:txBody>
-          <a:bodyPr vert="eaVert" rtlCol="0" anchor="ctr"/>
-          <a:lstStyle/>
-          <a:p>
-            <a:pPr algn="ctr" latinLnBrk="0">
-              <a:defRPr/>
-            </a:pPr>
-            <a:r>
-              <a:rPr lang="ko-KR" altLang="en-US" sz="800" kern="0" dirty="0">
-                <a:solidFill>
-                  <a:prstClr val="white">
-                    <a:lumMod val="75000"/>
-                  </a:prstClr>
-                </a:solidFill>
-              </a:rPr>
-              <a:t>▲                                                                                                                                                   ▼</a:t>
-            </a:r>
-          </a:p>
-        </p:txBody>
-      </p:sp>
-      <p:sp>
-        <p:nvSpPr>
-          <p:cNvPr id="3" name="TextBox 2">
-            <a:extLst>
-              <a:ext uri="{FF2B5EF4-FFF2-40B4-BE49-F238E27FC236}">
-                <a16:creationId xmlns:a16="http://schemas.microsoft.com/office/drawing/2014/main" id="{AC28052B-D94A-F681-A82B-FD475289D632}"/>
-              </a:ext>
-            </a:extLst>
-          </p:cNvPr>
-          <p:cNvSpPr txBox="1"/>
-          <p:nvPr/>
-        </p:nvSpPr>
-        <p:spPr>
-          <a:xfrm>
-            <a:off x="481049" y="757474"/>
-            <a:ext cx="4220424" cy="1093761"/>
-          </a:xfrm>
-          <a:prstGeom prst="rect">
-            <a:avLst/>
-          </a:prstGeom>
-          <a:noFill/>
-        </p:spPr>
-        <p:txBody>
-          <a:bodyPr wrap="square">
-            <a:spAutoFit/>
-          </a:bodyPr>
-          <a:lstStyle/>
-          <a:p>
-            <a:pPr latinLnBrk="0">
-              <a:lnSpc>
-                <a:spcPct val="150000"/>
-              </a:lnSpc>
-              <a:defRPr/>
-            </a:pPr>
-            <a:endParaRPr lang="en-US" altLang="ko-KR" sz="4800" kern="0" dirty="0">
-              <a:solidFill>
-                <a:prstClr val="black">
-                  <a:lumMod val="50000"/>
-                  <a:lumOff val="50000"/>
-                </a:prstClr>
-              </a:solidFill>
-              <a:latin typeface="나눔스퀘어 ExtraBold" panose="020B0600000101010101" pitchFamily="50" charset="-127"/>
-              <a:ea typeface="나눔스퀘어 ExtraBold" panose="020B0600000101010101" pitchFamily="50" charset="-127"/>
-            </a:endParaRPr>
-          </a:p>
-        </p:txBody>
-      </p:sp>
-      <p:pic>
-        <p:nvPicPr>
-          <p:cNvPr id="19" name="그림 18">
-            <a:extLst>
-              <a:ext uri="{FF2B5EF4-FFF2-40B4-BE49-F238E27FC236}">
-                <a16:creationId xmlns:a16="http://schemas.microsoft.com/office/drawing/2014/main" id="{3D437D1D-A9C1-40D8-0065-D2F59DEAF269}"/>
-              </a:ext>
-            </a:extLst>
-          </p:cNvPr>
-          <p:cNvPicPr>
-            <a:picLocks noChangeAspect="1"/>
-          </p:cNvPicPr>
-          <p:nvPr/>
-        </p:nvPicPr>
-        <p:blipFill rotWithShape="1">
-          <a:blip r:embed="rId3"/>
-          <a:srcRect l="1573" t="9764" r="11590" b="5940"/>
-          <a:stretch/>
-        </p:blipFill>
-        <p:spPr>
-          <a:xfrm>
-            <a:off x="539300" y="990277"/>
-            <a:ext cx="9154842" cy="5554443"/>
-          </a:xfrm>
-          <a:prstGeom prst="rect">
-            <a:avLst/>
-          </a:prstGeom>
-        </p:spPr>
-      </p:pic>
     </p:spTree>
     <p:extLst>
       <p:ext uri="{BB962C8B-B14F-4D97-AF65-F5344CB8AC3E}">
